--- a/Diplomado_DS_Proyecto_Final/Proyecto_final_Diplomado_DS_UNAM_v2.pptx
+++ b/Diplomado_DS_Proyecto_Final/Proyecto_final_Diplomado_DS_UNAM_v2.pptx
@@ -5,7 +5,7 @@
     <p:sldMasterId id="2147483648" r:id="rId1"/>
   </p:sldMasterIdLst>
   <p:notesMasterIdLst>
-    <p:notesMasterId r:id="rId14"/>
+    <p:notesMasterId r:id="rId15"/>
   </p:notesMasterIdLst>
   <p:sldIdLst>
     <p:sldId id="256" r:id="rId2"/>
@@ -18,8 +18,9 @@
     <p:sldId id="262" r:id="rId9"/>
     <p:sldId id="265" r:id="rId10"/>
     <p:sldId id="268" r:id="rId11"/>
-    <p:sldId id="269" r:id="rId12"/>
-    <p:sldId id="270" r:id="rId13"/>
+    <p:sldId id="271" r:id="rId12"/>
+    <p:sldId id="269" r:id="rId13"/>
+    <p:sldId id="270" r:id="rId14"/>
   </p:sldIdLst>
   <p:sldSz cx="12192000" cy="6858000"/>
   <p:notesSz cx="6858000" cy="9144000"/>
@@ -255,7 +256,7 @@
   <p:extLst>
     <p:ext uri="{EFAFB233-063F-42B5-8137-9DF3F51BA10A}">
       <p15:sldGuideLst xmlns:p15="http://schemas.microsoft.com/office/powerpoint/2012/main">
-        <p15:guide id="1" orient="horz" pos="3552" userDrawn="1">
+        <p15:guide id="1" orient="horz" pos="3504" userDrawn="1">
           <p15:clr>
             <a:srgbClr val="A4A3A4"/>
           </p15:clr>
@@ -268,7 +269,7 @@
       </p15:sldGuideLst>
     </p:ext>
     <p:ext uri="GoogleSlidesCustomDataVersion2">
-      <go:slidesCustomData xmlns:go="http://customooxmlschemas.google.com/" xmlns:ahyp="http://schemas.microsoft.com/office/drawing/2018/hyperlinkcolor" xmlns:p15="http://schemas.microsoft.com/office/powerpoint/2012/main" xmlns:p14="http://schemas.microsoft.com/office/powerpoint/2010/main" xmlns:com="http://schemas.openxmlformats.org/drawingml/2006/compatibility" xmlns:pvml="urn:schemas-microsoft-com:office:powerpoint" xmlns:v="urn:schemas-microsoft-com:vml" xmlns:o="urn:schemas-microsoft-com:office:office" xmlns:dgm="http://schemas.openxmlformats.org/drawingml/2006/diagram" xmlns:c="http://schemas.openxmlformats.org/drawingml/2006/chart" xmlns:mv="urn:schemas-microsoft-com:mac:vml" xmlns:mc="http://schemas.openxmlformats.org/markup-compatibility/2006" xmlns="" r:id="rId15" roundtripDataSignature="AMtx7mgHnMHIZxhnZr2j+tVR2DpQdbinhg=="/>
+      <go:slidesCustomData xmlns="" xmlns:mc="http://schemas.openxmlformats.org/markup-compatibility/2006" xmlns:mv="urn:schemas-microsoft-com:mac:vml" xmlns:c="http://schemas.openxmlformats.org/drawingml/2006/chart" xmlns:dgm="http://schemas.openxmlformats.org/drawingml/2006/diagram" xmlns:o="urn:schemas-microsoft-com:office:office" xmlns:v="urn:schemas-microsoft-com:vml" xmlns:pvml="urn:schemas-microsoft-com:office:powerpoint" xmlns:com="http://schemas.openxmlformats.org/drawingml/2006/compatibility" xmlns:p14="http://schemas.microsoft.com/office/powerpoint/2010/main" xmlns:p15="http://schemas.microsoft.com/office/powerpoint/2012/main" xmlns:ahyp="http://schemas.microsoft.com/office/drawing/2018/hyperlinkcolor" xmlns:go="http://customooxmlschemas.google.com/" r:id="rId16" roundtripDataSignature="AMtx7mgHnMHIZxhnZr2j+tVR2DpQdbinhg=="/>
     </p:ext>
   </p:extLst>
 </p:presentation>
@@ -1779,6 +1780,115 @@
     </p:spTree>
     <p:extLst>
       <p:ext uri="{BB962C8B-B14F-4D97-AF65-F5344CB8AC3E}">
+        <p14:creationId xmlns:p14="http://schemas.microsoft.com/office/powerpoint/2010/main" val="1031294349"/>
+      </p:ext>
+    </p:extLst>
+  </p:cSld>
+  <p:clrMapOvr>
+    <a:masterClrMapping/>
+  </p:clrMapOvr>
+</p:notes>
+</file>
+
+<file path=ppt/notesSlides/notesSlide12.xml><?xml version="1.0" encoding="utf-8"?>
+<p:notes xmlns:a="http://schemas.openxmlformats.org/drawingml/2006/main" xmlns:r="http://schemas.openxmlformats.org/officeDocument/2006/relationships" xmlns:p="http://schemas.openxmlformats.org/presentationml/2006/main" showMasterSp="0" showMasterPhAnim="0">
+  <p:cSld>
+    <p:spTree>
+      <p:nvGrpSpPr>
+        <p:cNvPr id="1" name="Shape 107"/>
+        <p:cNvGrpSpPr/>
+        <p:nvPr/>
+      </p:nvGrpSpPr>
+      <p:grpSpPr>
+        <a:xfrm>
+          <a:off x="0" y="0"/>
+          <a:ext cx="0" cy="0"/>
+          <a:chOff x="0" y="0"/>
+          <a:chExt cx="0" cy="0"/>
+        </a:xfrm>
+      </p:grpSpPr>
+      <p:sp>
+        <p:nvSpPr>
+          <p:cNvPr id="108" name="Google Shape;108;p4:notes"/>
+          <p:cNvSpPr txBox="1">
+            <a:spLocks noGrp="1"/>
+          </p:cNvSpPr>
+          <p:nvPr>
+            <p:ph type="body" idx="1"/>
+          </p:nvPr>
+        </p:nvSpPr>
+        <p:spPr>
+          <a:xfrm>
+            <a:off x="685800" y="4400550"/>
+            <a:ext cx="5486400" cy="3600450"/>
+          </a:xfrm>
+          <a:prstGeom prst="rect">
+            <a:avLst/>
+          </a:prstGeom>
+        </p:spPr>
+        <p:txBody>
+          <a:bodyPr spcFirstLastPara="1" wrap="square" lIns="91425" tIns="45700" rIns="91425" bIns="45700" anchor="t" anchorCtr="0">
+            <a:noAutofit/>
+          </a:bodyPr>
+          <a:lstStyle/>
+          <a:p>
+            <a:pPr marL="0" lvl="0" indent="0" algn="l" rtl="0">
+              <a:spcBef>
+                <a:spcPts val="0"/>
+              </a:spcBef>
+              <a:spcAft>
+                <a:spcPts val="0"/>
+              </a:spcAft>
+              <a:buNone/>
+            </a:pPr>
+            <a:endParaRPr/>
+          </a:p>
+        </p:txBody>
+      </p:sp>
+      <p:sp>
+        <p:nvSpPr>
+          <p:cNvPr id="109" name="Google Shape;109;p4:notes"/>
+          <p:cNvSpPr>
+            <a:spLocks noGrp="1" noRot="1" noChangeAspect="1"/>
+          </p:cNvSpPr>
+          <p:nvPr>
+            <p:ph type="sldImg" idx="2"/>
+          </p:nvPr>
+        </p:nvSpPr>
+        <p:spPr>
+          <a:xfrm>
+            <a:off x="685800" y="1143000"/>
+            <a:ext cx="5486400" cy="3086100"/>
+          </a:xfrm>
+          <a:custGeom>
+            <a:avLst/>
+            <a:gdLst/>
+            <a:ahLst/>
+            <a:cxnLst/>
+            <a:rect l="l" t="t" r="r" b="b"/>
+            <a:pathLst>
+              <a:path w="120000" h="120000" extrusionOk="0">
+                <a:moveTo>
+                  <a:pt x="0" y="0"/>
+                </a:moveTo>
+                <a:lnTo>
+                  <a:pt x="120000" y="0"/>
+                </a:lnTo>
+                <a:lnTo>
+                  <a:pt x="120000" y="120000"/>
+                </a:lnTo>
+                <a:lnTo>
+                  <a:pt x="0" y="120000"/>
+                </a:lnTo>
+                <a:close/>
+              </a:path>
+            </a:pathLst>
+          </a:custGeom>
+        </p:spPr>
+      </p:sp>
+    </p:spTree>
+    <p:extLst>
+      <p:ext uri="{BB962C8B-B14F-4D97-AF65-F5344CB8AC3E}">
         <p14:creationId xmlns:p14="http://schemas.microsoft.com/office/powerpoint/2010/main" val="184454105"/>
       </p:ext>
     </p:extLst>
@@ -1789,7 +1899,7 @@
 </p:notes>
 </file>
 
-<file path=ppt/notesSlides/notesSlide12.xml><?xml version="1.0" encoding="utf-8"?>
+<file path=ppt/notesSlides/notesSlide13.xml><?xml version="1.0" encoding="utf-8"?>
 <p:notes xmlns:a="http://schemas.openxmlformats.org/drawingml/2006/main" xmlns:r="http://schemas.openxmlformats.org/officeDocument/2006/relationships" xmlns:p="http://schemas.openxmlformats.org/presentationml/2006/main" showMasterSp="0" showMasterPhAnim="0">
   <p:cSld>
     <p:spTree>
@@ -9672,14 +9782,14 @@
           <p:nvPr>
             <p:extLst>
               <p:ext uri="{D42A27DB-BD31-4B8C-83A1-F6EECF244321}">
-                <p14:modId xmlns:p14="http://schemas.microsoft.com/office/powerpoint/2010/main" val="1692238400"/>
+                <p14:modId xmlns:p14="http://schemas.microsoft.com/office/powerpoint/2010/main" val="1798880139"/>
               </p:ext>
             </p:extLst>
           </p:nvPr>
         </p:nvGraphicFramePr>
         <p:xfrm>
-          <a:off x="169332" y="982133"/>
-          <a:ext cx="11512109" cy="3347720"/>
+          <a:off x="331892" y="700767"/>
+          <a:ext cx="11349550" cy="3642360"/>
         </p:xfrm>
         <a:graphic>
           <a:graphicData uri="http://schemas.openxmlformats.org/drawingml/2006/table">
@@ -9688,49 +9798,49 @@
                 <a:tableStyleId>{5C22544A-7EE6-4342-B048-85BDC9FD1C3A}</a:tableStyleId>
               </a:tblPr>
               <a:tblGrid>
-                <a:gridCol w="1644587">
+                <a:gridCol w="1804733">
                   <a:extLst>
                     <a:ext uri="{9D8B030D-6E8A-4147-A177-3AD203B41FA5}">
                       <a16:colId xmlns:a16="http://schemas.microsoft.com/office/drawing/2014/main" val="896100951"/>
                     </a:ext>
                   </a:extLst>
                 </a:gridCol>
-                <a:gridCol w="1644587">
+                <a:gridCol w="1804733">
                   <a:extLst>
                     <a:ext uri="{9D8B030D-6E8A-4147-A177-3AD203B41FA5}">
                       <a16:colId xmlns:a16="http://schemas.microsoft.com/office/drawing/2014/main" val="1128444383"/>
                     </a:ext>
                   </a:extLst>
                 </a:gridCol>
-                <a:gridCol w="1644587">
+                <a:gridCol w="2097069">
                   <a:extLst>
                     <a:ext uri="{9D8B030D-6E8A-4147-A177-3AD203B41FA5}">
                       <a16:colId xmlns:a16="http://schemas.microsoft.com/office/drawing/2014/main" val="3823021968"/>
                     </a:ext>
                   </a:extLst>
                 </a:gridCol>
-                <a:gridCol w="1644587">
+                <a:gridCol w="1097280">
                   <a:extLst>
                     <a:ext uri="{9D8B030D-6E8A-4147-A177-3AD203B41FA5}">
                       <a16:colId xmlns:a16="http://schemas.microsoft.com/office/drawing/2014/main" val="938150115"/>
                     </a:ext>
                   </a:extLst>
                 </a:gridCol>
-                <a:gridCol w="1644587">
+                <a:gridCol w="1097280">
                   <a:extLst>
                     <a:ext uri="{9D8B030D-6E8A-4147-A177-3AD203B41FA5}">
                       <a16:colId xmlns:a16="http://schemas.microsoft.com/office/drawing/2014/main" val="4020079597"/>
                     </a:ext>
                   </a:extLst>
                 </a:gridCol>
-                <a:gridCol w="1644587">
+                <a:gridCol w="1097280">
                   <a:extLst>
                     <a:ext uri="{9D8B030D-6E8A-4147-A177-3AD203B41FA5}">
                       <a16:colId xmlns:a16="http://schemas.microsoft.com/office/drawing/2014/main" val="1155112631"/>
                     </a:ext>
                   </a:extLst>
                 </a:gridCol>
-                <a:gridCol w="1644587">
+                <a:gridCol w="2351175">
                   <a:extLst>
                     <a:ext uri="{9D8B030D-6E8A-4147-A177-3AD203B41FA5}">
                       <a16:colId xmlns:a16="http://schemas.microsoft.com/office/drawing/2014/main" val="725785473"/>
@@ -9907,7 +10017,7 @@
                     <a:lstStyle/>
                     <a:p>
                       <a:r>
-                        <a:rPr lang="es-ES" dirty="0"/>
+                        <a:rPr lang="es-ES"/>
                         <a:t>Comentario</a:t>
                       </a:r>
                       <a:endParaRPr lang="es-MX" dirty="0"/>
@@ -9942,7 +10052,7 @@
                     <a:p>
                       <a:r>
                         <a:rPr lang="es-ES" sz="1300" dirty="0"/>
-                        <a:t>Petrolero</a:t>
+                        <a:t>Eléctrico </a:t>
                       </a:r>
                       <a:endParaRPr lang="es-MX" sz="1300" dirty="0"/>
                     </a:p>
@@ -10285,6 +10395,29 @@
                     <a:bodyPr/>
                     <a:lstStyle/>
                     <a:p>
+                      <a:pPr marL="0" marR="0" lvl="0" indent="0" algn="l" defTabSz="914400" rtl="0" eaLnBrk="1" fontAlgn="auto" latinLnBrk="0" hangingPunct="1">
+                        <a:lnSpc>
+                          <a:spcPct val="100000"/>
+                        </a:lnSpc>
+                        <a:spcBef>
+                          <a:spcPts val="0"/>
+                        </a:spcBef>
+                        <a:spcAft>
+                          <a:spcPts val="0"/>
+                        </a:spcAft>
+                        <a:buClr>
+                          <a:srgbClr val="000000"/>
+                        </a:buClr>
+                        <a:buSzTx/>
+                        <a:buFont typeface="Arial"/>
+                        <a:buNone/>
+                        <a:tabLst/>
+                        <a:defRPr/>
+                      </a:pPr>
+                      <a:r>
+                        <a:rPr lang="es-ES" sz="1300" dirty="0"/>
+                        <a:t>Pronóstico sobreestima en general el valor real </a:t>
+                      </a:r>
                       <a:endParaRPr lang="es-MX" sz="1300" dirty="0"/>
                     </a:p>
                   </a:txBody>
@@ -10346,7 +10479,7 @@
                     <a:p>
                       <a:r>
                         <a:rPr lang="es-ES" sz="1300" dirty="0"/>
-                        <a:t>Petrolero</a:t>
+                        <a:t>Eléctrico </a:t>
                       </a:r>
                       <a:endParaRPr lang="es-MX" sz="1300" dirty="0"/>
                     </a:p>
@@ -10689,6 +10822,10 @@
                     <a:bodyPr/>
                     <a:lstStyle/>
                     <a:p>
+                      <a:r>
+                        <a:rPr lang="es-ES" sz="1300" dirty="0"/>
+                        <a:t>Pronóstico muy lineal sin considerar estacionalidad</a:t>
+                      </a:r>
                       <a:endParaRPr lang="es-MX" sz="1300" dirty="0"/>
                     </a:p>
                   </a:txBody>
@@ -10750,7 +10887,7 @@
                     <a:p>
                       <a:r>
                         <a:rPr lang="es-ES" sz="1300" dirty="0"/>
-                        <a:t>Petrolero</a:t>
+                        <a:t>Eléctrico </a:t>
                       </a:r>
                       <a:endParaRPr lang="es-MX" sz="1300" dirty="0"/>
                     </a:p>
@@ -11165,7 +11302,11 @@
                     <a:bodyPr/>
                     <a:lstStyle/>
                     <a:p>
-                      <a:endParaRPr lang="es-MX"/>
+                      <a:r>
+                        <a:rPr lang="es-ES" sz="1300" dirty="0"/>
+                        <a:t>Eléctrico </a:t>
+                      </a:r>
+                      <a:endParaRPr lang="es-MX" sz="1300" dirty="0"/>
                     </a:p>
                   </a:txBody>
                   <a:tcPr>
@@ -11217,7 +11358,20 @@
                     <a:bodyPr/>
                     <a:lstStyle/>
                     <a:p>
-                      <a:endParaRPr lang="es-MX"/>
+                      <a:r>
+                        <a:rPr lang="es-MX" sz="1300" b="0" i="0" u="none" strike="noStrike" cap="none" dirty="0">
+                          <a:solidFill>
+                            <a:schemeClr val="dk1"/>
+                          </a:solidFill>
+                          <a:effectLst/>
+                          <a:latin typeface="+mn-lt"/>
+                          <a:ea typeface="+mn-ea"/>
+                          <a:cs typeface="+mn-cs"/>
+                          <a:sym typeface="Arial"/>
+                        </a:rPr>
+                        <a:t>ARIMA(3, 1, 1)</a:t>
+                      </a:r>
+                      <a:endParaRPr lang="es-MX" sz="1300" dirty="0"/>
                     </a:p>
                   </a:txBody>
                   <a:tcPr>
@@ -11269,7 +11423,11 @@
                     <a:bodyPr/>
                     <a:lstStyle/>
                     <a:p>
-                      <a:endParaRPr lang="es-MX" dirty="0"/>
+                      <a:r>
+                        <a:rPr lang="es-ES" sz="1300" dirty="0"/>
+                        <a:t>Ajuste de atípicos por la mediana</a:t>
+                      </a:r>
+                      <a:endParaRPr lang="es-MX" sz="1300" dirty="0"/>
                     </a:p>
                   </a:txBody>
                   <a:tcPr>
@@ -11321,7 +11479,11 @@
                     <a:bodyPr/>
                     <a:lstStyle/>
                     <a:p>
-                      <a:endParaRPr lang="es-MX"/>
+                      <a:r>
+                        <a:rPr lang="es-ES" sz="1300" dirty="0"/>
+                        <a:t>578.67</a:t>
+                      </a:r>
+                      <a:endParaRPr lang="es-MX" sz="1300" dirty="0"/>
                     </a:p>
                   </a:txBody>
                   <a:tcPr>
@@ -11373,7 +11535,11 @@
                     <a:bodyPr/>
                     <a:lstStyle/>
                     <a:p>
-                      <a:endParaRPr lang="es-MX" dirty="0"/>
+                      <a:r>
+                        <a:rPr lang="es-ES" sz="1300" dirty="0"/>
+                        <a:t>9.01</a:t>
+                      </a:r>
+                      <a:endParaRPr lang="es-MX" sz="1300" dirty="0"/>
                     </a:p>
                   </a:txBody>
                   <a:tcPr>
@@ -11425,7 +11591,11 @@
                     <a:bodyPr/>
                     <a:lstStyle/>
                     <a:p>
-                      <a:endParaRPr lang="es-MX" dirty="0"/>
+                      <a:r>
+                        <a:rPr lang="es-ES" sz="1300" dirty="0"/>
+                        <a:t>2845</a:t>
+                      </a:r>
+                      <a:endParaRPr lang="es-MX" sz="1300" dirty="0"/>
                     </a:p>
                   </a:txBody>
                   <a:tcPr>
@@ -11477,7 +11647,30 @@
                     <a:bodyPr/>
                     <a:lstStyle/>
                     <a:p>
-                      <a:endParaRPr lang="es-MX" dirty="0"/>
+                      <a:pPr marL="0" marR="0" lvl="0" indent="0" algn="l" defTabSz="914400" rtl="0" eaLnBrk="1" fontAlgn="auto" latinLnBrk="0" hangingPunct="1">
+                        <a:lnSpc>
+                          <a:spcPct val="100000"/>
+                        </a:lnSpc>
+                        <a:spcBef>
+                          <a:spcPts val="0"/>
+                        </a:spcBef>
+                        <a:spcAft>
+                          <a:spcPts val="0"/>
+                        </a:spcAft>
+                        <a:buClr>
+                          <a:srgbClr val="000000"/>
+                        </a:buClr>
+                        <a:buSzTx/>
+                        <a:buFont typeface="Arial"/>
+                        <a:buNone/>
+                        <a:tabLst/>
+                        <a:defRPr/>
+                      </a:pPr>
+                      <a:r>
+                        <a:rPr lang="es-ES" sz="1400" dirty="0"/>
+                        <a:t>Pronóstico sobreestima en general el valor real </a:t>
+                      </a:r>
+                      <a:endParaRPr lang="es-MX" sz="1400" dirty="0"/>
                     </a:p>
                   </a:txBody>
                   <a:tcPr>
@@ -11536,7 +11729,11 @@
                     <a:bodyPr/>
                     <a:lstStyle/>
                     <a:p>
-                      <a:endParaRPr lang="es-MX"/>
+                      <a:r>
+                        <a:rPr lang="es-ES" sz="1300" dirty="0"/>
+                        <a:t>Eléctrico </a:t>
+                      </a:r>
+                      <a:endParaRPr lang="es-MX" sz="1300" dirty="0"/>
                     </a:p>
                   </a:txBody>
                   <a:tcPr>
@@ -11588,7 +11785,33 @@
                     <a:bodyPr/>
                     <a:lstStyle/>
                     <a:p>
-                      <a:endParaRPr lang="es-MX"/>
+                      <a:r>
+                        <a:rPr lang="es-MX" sz="1300" b="0" i="0" u="none" strike="noStrike" cap="none" dirty="0">
+                          <a:solidFill>
+                            <a:schemeClr val="dk1"/>
+                          </a:solidFill>
+                          <a:effectLst/>
+                          <a:latin typeface="+mn-lt"/>
+                          <a:ea typeface="+mn-ea"/>
+                          <a:cs typeface="+mn-cs"/>
+                          <a:sym typeface="Arial"/>
+                        </a:rPr>
+                        <a:t>SARIMA(3, 1, 1)</a:t>
+                      </a:r>
+                      <a:r>
+                        <a:rPr lang="es-MX" sz="1400" b="0" i="0" u="none" strike="noStrike" cap="none" dirty="0">
+                          <a:solidFill>
+                            <a:schemeClr val="dk1"/>
+                          </a:solidFill>
+                          <a:effectLst/>
+                          <a:latin typeface="+mn-lt"/>
+                          <a:ea typeface="+mn-ea"/>
+                          <a:cs typeface="+mn-cs"/>
+                          <a:sym typeface="Arial"/>
+                        </a:rPr>
+                        <a:t> x(0, 1, [], 12) </a:t>
+                      </a:r>
+                      <a:endParaRPr lang="es-MX" sz="1300" dirty="0"/>
                     </a:p>
                   </a:txBody>
                   <a:tcPr>
@@ -11640,7 +11863,11 @@
                     <a:bodyPr/>
                     <a:lstStyle/>
                     <a:p>
-                      <a:endParaRPr lang="es-MX"/>
+                      <a:r>
+                        <a:rPr lang="es-ES" sz="1300" dirty="0"/>
+                        <a:t>Ajuste de atípicos por la mediana</a:t>
+                      </a:r>
+                      <a:endParaRPr lang="es-MX" sz="1300" dirty="0"/>
                     </a:p>
                   </a:txBody>
                   <a:tcPr>
@@ -11692,7 +11919,11 @@
                     <a:bodyPr/>
                     <a:lstStyle/>
                     <a:p>
-                      <a:endParaRPr lang="es-MX"/>
+                      <a:r>
+                        <a:rPr lang="es-ES" sz="1300" dirty="0"/>
+                        <a:t>580</a:t>
+                      </a:r>
+                      <a:endParaRPr lang="es-MX" sz="1300" dirty="0"/>
                     </a:p>
                   </a:txBody>
                   <a:tcPr>
@@ -11744,7 +11975,11 @@
                     <a:bodyPr/>
                     <a:lstStyle/>
                     <a:p>
-                      <a:endParaRPr lang="es-MX" dirty="0"/>
+                      <a:r>
+                        <a:rPr lang="es-ES" sz="1300" dirty="0"/>
+                        <a:t>14.2</a:t>
+                      </a:r>
+                      <a:endParaRPr lang="es-MX" sz="1300" dirty="0"/>
                     </a:p>
                   </a:txBody>
                   <a:tcPr>
@@ -11796,7 +12031,11 @@
                     <a:bodyPr/>
                     <a:lstStyle/>
                     <a:p>
-                      <a:endParaRPr lang="es-MX" dirty="0"/>
+                      <a:r>
+                        <a:rPr lang="es-ES" sz="1300" dirty="0"/>
+                        <a:t>2732</a:t>
+                      </a:r>
+                      <a:endParaRPr lang="es-MX" sz="1300" dirty="0"/>
                     </a:p>
                   </a:txBody>
                   <a:tcPr>
@@ -11848,7 +12087,30 @@
                     <a:bodyPr/>
                     <a:lstStyle/>
                     <a:p>
-                      <a:endParaRPr lang="es-MX" dirty="0"/>
+                      <a:pPr marL="0" marR="0" lvl="0" indent="0" algn="l" defTabSz="914400" rtl="0" eaLnBrk="1" fontAlgn="auto" latinLnBrk="0" hangingPunct="1">
+                        <a:lnSpc>
+                          <a:spcPct val="100000"/>
+                        </a:lnSpc>
+                        <a:spcBef>
+                          <a:spcPts val="0"/>
+                        </a:spcBef>
+                        <a:spcAft>
+                          <a:spcPts val="0"/>
+                        </a:spcAft>
+                        <a:buClr>
+                          <a:srgbClr val="000000"/>
+                        </a:buClr>
+                        <a:buSzTx/>
+                        <a:buFont typeface="Arial"/>
+                        <a:buNone/>
+                        <a:tabLst/>
+                        <a:defRPr/>
+                      </a:pPr>
+                      <a:r>
+                        <a:rPr lang="es-ES" sz="1400" dirty="0"/>
+                        <a:t>Pronóstico sobreestima en general el valor real </a:t>
+                      </a:r>
+                      <a:endParaRPr lang="es-MX" sz="1400" dirty="0"/>
                     </a:p>
                   </a:txBody>
                   <a:tcPr>
@@ -12669,8 +12931,38 @@
         </p:blipFill>
         <p:spPr>
           <a:xfrm>
-            <a:off x="510558" y="4803585"/>
-            <a:ext cx="3846723" cy="1314826"/>
+            <a:off x="510558" y="4716331"/>
+            <a:ext cx="3339895" cy="1141590"/>
+          </a:xfrm>
+          <a:prstGeom prst="rect">
+            <a:avLst/>
+          </a:prstGeom>
+        </p:spPr>
+      </p:pic>
+      <p:pic>
+        <p:nvPicPr>
+          <p:cNvPr id="6" name="Imagen 5">
+            <a:extLst>
+              <a:ext uri="{FF2B5EF4-FFF2-40B4-BE49-F238E27FC236}">
+                <a16:creationId xmlns:a16="http://schemas.microsoft.com/office/drawing/2014/main" id="{4459AAA5-40FF-5E94-7A69-2D899E4861BB}"/>
+              </a:ext>
+            </a:extLst>
+          </p:cNvPr>
+          <p:cNvPicPr>
+            <a:picLocks noChangeAspect="1"/>
+          </p:cNvPicPr>
+          <p:nvPr/>
+        </p:nvPicPr>
+        <p:blipFill>
+          <a:blip r:embed="rId4"/>
+          <a:stretch>
+            <a:fillRect/>
+          </a:stretch>
+        </p:blipFill>
+        <p:spPr>
+          <a:xfrm>
+            <a:off x="4373002" y="4716331"/>
+            <a:ext cx="3445995" cy="1141591"/>
           </a:xfrm>
           <a:prstGeom prst="rect">
             <a:avLst/>
@@ -12775,6 +13067,3116 @@
                 <a:cs typeface="Calibri"/>
                 <a:sym typeface="Calibri"/>
               </a:rPr>
+              <a:t> demanda en sector eléctrico</a:t>
+            </a:r>
+            <a:endParaRPr sz="3200" b="1" dirty="0">
+              <a:solidFill>
+                <a:schemeClr val="accent1"/>
+              </a:solidFill>
+              <a:latin typeface="Calibri"/>
+              <a:ea typeface="Calibri"/>
+              <a:cs typeface="Calibri"/>
+              <a:sym typeface="Calibri"/>
+            </a:endParaRPr>
+          </a:p>
+        </p:txBody>
+      </p:sp>
+      <p:graphicFrame>
+        <p:nvGraphicFramePr>
+          <p:cNvPr id="2" name="Tabla 1">
+            <a:extLst>
+              <a:ext uri="{FF2B5EF4-FFF2-40B4-BE49-F238E27FC236}">
+                <a16:creationId xmlns:a16="http://schemas.microsoft.com/office/drawing/2014/main" id="{832D81AC-38EB-FB46-FD18-4D1419ADC5E5}"/>
+              </a:ext>
+            </a:extLst>
+          </p:cNvPr>
+          <p:cNvGraphicFramePr>
+            <a:graphicFrameLocks noGrp="1"/>
+          </p:cNvGraphicFramePr>
+          <p:nvPr>
+            <p:extLst>
+              <p:ext uri="{D42A27DB-BD31-4B8C-83A1-F6EECF244321}">
+                <p14:modId xmlns:p14="http://schemas.microsoft.com/office/powerpoint/2010/main" val="2063263082"/>
+              </p:ext>
+            </p:extLst>
+          </p:nvPr>
+        </p:nvGraphicFramePr>
+        <p:xfrm>
+          <a:off x="331892" y="700767"/>
+          <a:ext cx="11349550" cy="3083560"/>
+        </p:xfrm>
+        <a:graphic>
+          <a:graphicData uri="http://schemas.openxmlformats.org/drawingml/2006/table">
+            <a:tbl>
+              <a:tblPr firstRow="1" bandRow="1">
+                <a:tableStyleId>{5C22544A-7EE6-4342-B048-85BDC9FD1C3A}</a:tableStyleId>
+              </a:tblPr>
+              <a:tblGrid>
+                <a:gridCol w="1804733">
+                  <a:extLst>
+                    <a:ext uri="{9D8B030D-6E8A-4147-A177-3AD203B41FA5}">
+                      <a16:colId xmlns:a16="http://schemas.microsoft.com/office/drawing/2014/main" val="896100951"/>
+                    </a:ext>
+                  </a:extLst>
+                </a:gridCol>
+                <a:gridCol w="1804733">
+                  <a:extLst>
+                    <a:ext uri="{9D8B030D-6E8A-4147-A177-3AD203B41FA5}">
+                      <a16:colId xmlns:a16="http://schemas.microsoft.com/office/drawing/2014/main" val="1128444383"/>
+                    </a:ext>
+                  </a:extLst>
+                </a:gridCol>
+                <a:gridCol w="2097069">
+                  <a:extLst>
+                    <a:ext uri="{9D8B030D-6E8A-4147-A177-3AD203B41FA5}">
+                      <a16:colId xmlns:a16="http://schemas.microsoft.com/office/drawing/2014/main" val="3823021968"/>
+                    </a:ext>
+                  </a:extLst>
+                </a:gridCol>
+                <a:gridCol w="1097280">
+                  <a:extLst>
+                    <a:ext uri="{9D8B030D-6E8A-4147-A177-3AD203B41FA5}">
+                      <a16:colId xmlns:a16="http://schemas.microsoft.com/office/drawing/2014/main" val="938150115"/>
+                    </a:ext>
+                  </a:extLst>
+                </a:gridCol>
+                <a:gridCol w="1097280">
+                  <a:extLst>
+                    <a:ext uri="{9D8B030D-6E8A-4147-A177-3AD203B41FA5}">
+                      <a16:colId xmlns:a16="http://schemas.microsoft.com/office/drawing/2014/main" val="4020079597"/>
+                    </a:ext>
+                  </a:extLst>
+                </a:gridCol>
+                <a:gridCol w="1097280">
+                  <a:extLst>
+                    <a:ext uri="{9D8B030D-6E8A-4147-A177-3AD203B41FA5}">
+                      <a16:colId xmlns:a16="http://schemas.microsoft.com/office/drawing/2014/main" val="1155112631"/>
+                    </a:ext>
+                  </a:extLst>
+                </a:gridCol>
+                <a:gridCol w="2351175">
+                  <a:extLst>
+                    <a:ext uri="{9D8B030D-6E8A-4147-A177-3AD203B41FA5}">
+                      <a16:colId xmlns:a16="http://schemas.microsoft.com/office/drawing/2014/main" val="725785473"/>
+                    </a:ext>
+                  </a:extLst>
+                </a:gridCol>
+              </a:tblGrid>
+              <a:tr h="370840">
+                <a:tc>
+                  <a:txBody>
+                    <a:bodyPr/>
+                    <a:lstStyle/>
+                    <a:p>
+                      <a:r>
+                        <a:rPr lang="es-ES" dirty="0"/>
+                        <a:t>Sector</a:t>
+                      </a:r>
+                      <a:endParaRPr lang="es-MX" dirty="0"/>
+                    </a:p>
+                  </a:txBody>
+                  <a:tcPr>
+                    <a:lnB w="6350" cap="flat" cmpd="sng" algn="ctr">
+                      <a:solidFill>
+                        <a:schemeClr val="tx1"/>
+                      </a:solidFill>
+                      <a:prstDash val="solid"/>
+                      <a:round/>
+                      <a:headEnd type="none" w="med" len="med"/>
+                      <a:tailEnd type="none" w="med" len="med"/>
+                    </a:lnB>
+                    <a:solidFill>
+                      <a:srgbClr val="009900"/>
+                    </a:solidFill>
+                  </a:tcPr>
+                </a:tc>
+                <a:tc>
+                  <a:txBody>
+                    <a:bodyPr/>
+                    <a:lstStyle/>
+                    <a:p>
+                      <a:r>
+                        <a:rPr lang="es-ES" dirty="0"/>
+                        <a:t>Modelo </a:t>
+                      </a:r>
+                      <a:endParaRPr lang="es-MX" dirty="0"/>
+                    </a:p>
+                  </a:txBody>
+                  <a:tcPr>
+                    <a:lnB w="6350" cap="flat" cmpd="sng" algn="ctr">
+                      <a:solidFill>
+                        <a:schemeClr val="tx1"/>
+                      </a:solidFill>
+                      <a:prstDash val="solid"/>
+                      <a:round/>
+                      <a:headEnd type="none" w="med" len="med"/>
+                      <a:tailEnd type="none" w="med" len="med"/>
+                    </a:lnB>
+                    <a:solidFill>
+                      <a:srgbClr val="009900"/>
+                    </a:solidFill>
+                  </a:tcPr>
+                </a:tc>
+                <a:tc>
+                  <a:txBody>
+                    <a:bodyPr/>
+                    <a:lstStyle/>
+                    <a:p>
+                      <a:r>
+                        <a:rPr lang="es-ES" dirty="0"/>
+                        <a:t>Especificación </a:t>
+                      </a:r>
+                      <a:endParaRPr lang="es-MX" dirty="0"/>
+                    </a:p>
+                  </a:txBody>
+                  <a:tcPr>
+                    <a:lnB w="6350" cap="flat" cmpd="sng" algn="ctr">
+                      <a:solidFill>
+                        <a:schemeClr val="tx1"/>
+                      </a:solidFill>
+                      <a:prstDash val="solid"/>
+                      <a:round/>
+                      <a:headEnd type="none" w="med" len="med"/>
+                      <a:tailEnd type="none" w="med" len="med"/>
+                    </a:lnB>
+                    <a:solidFill>
+                      <a:srgbClr val="009900"/>
+                    </a:solidFill>
+                  </a:tcPr>
+                </a:tc>
+                <a:tc>
+                  <a:txBody>
+                    <a:bodyPr/>
+                    <a:lstStyle/>
+                    <a:p>
+                      <a:r>
+                        <a:rPr lang="es-ES" dirty="0"/>
+                        <a:t>RMSE</a:t>
+                      </a:r>
+                      <a:endParaRPr lang="es-MX" dirty="0"/>
+                    </a:p>
+                  </a:txBody>
+                  <a:tcPr>
+                    <a:lnB w="6350" cap="flat" cmpd="sng" algn="ctr">
+                      <a:solidFill>
+                        <a:schemeClr val="tx1"/>
+                      </a:solidFill>
+                      <a:prstDash val="solid"/>
+                      <a:round/>
+                      <a:headEnd type="none" w="med" len="med"/>
+                      <a:tailEnd type="none" w="med" len="med"/>
+                    </a:lnB>
+                    <a:solidFill>
+                      <a:srgbClr val="009900"/>
+                    </a:solidFill>
+                  </a:tcPr>
+                </a:tc>
+                <a:tc>
+                  <a:txBody>
+                    <a:bodyPr/>
+                    <a:lstStyle/>
+                    <a:p>
+                      <a:r>
+                        <a:rPr lang="es-ES" dirty="0"/>
+                        <a:t>MAPE[%]</a:t>
+                      </a:r>
+                      <a:endParaRPr lang="es-MX" dirty="0"/>
+                    </a:p>
+                  </a:txBody>
+                  <a:tcPr>
+                    <a:lnB w="6350" cap="flat" cmpd="sng" algn="ctr">
+                      <a:solidFill>
+                        <a:schemeClr val="tx1"/>
+                      </a:solidFill>
+                      <a:prstDash val="solid"/>
+                      <a:round/>
+                      <a:headEnd type="none" w="med" len="med"/>
+                      <a:tailEnd type="none" w="med" len="med"/>
+                    </a:lnB>
+                    <a:solidFill>
+                      <a:srgbClr val="009900"/>
+                    </a:solidFill>
+                  </a:tcPr>
+                </a:tc>
+                <a:tc>
+                  <a:txBody>
+                    <a:bodyPr/>
+                    <a:lstStyle/>
+                    <a:p>
+                      <a:r>
+                        <a:rPr lang="es-ES" dirty="0"/>
+                        <a:t>AIC</a:t>
+                      </a:r>
+                      <a:endParaRPr lang="es-MX" dirty="0"/>
+                    </a:p>
+                  </a:txBody>
+                  <a:tcPr>
+                    <a:lnB w="6350" cap="flat" cmpd="sng" algn="ctr">
+                      <a:solidFill>
+                        <a:schemeClr val="tx1"/>
+                      </a:solidFill>
+                      <a:prstDash val="solid"/>
+                      <a:round/>
+                      <a:headEnd type="none" w="med" len="med"/>
+                      <a:tailEnd type="none" w="med" len="med"/>
+                    </a:lnB>
+                    <a:solidFill>
+                      <a:srgbClr val="009900"/>
+                    </a:solidFill>
+                  </a:tcPr>
+                </a:tc>
+                <a:tc>
+                  <a:txBody>
+                    <a:bodyPr/>
+                    <a:lstStyle/>
+                    <a:p>
+                      <a:r>
+                        <a:rPr lang="es-ES"/>
+                        <a:t>Comentario</a:t>
+                      </a:r>
+                      <a:endParaRPr lang="es-MX" dirty="0"/>
+                    </a:p>
+                  </a:txBody>
+                  <a:tcPr>
+                    <a:lnB w="6350" cap="flat" cmpd="sng" algn="ctr">
+                      <a:solidFill>
+                        <a:schemeClr val="tx1"/>
+                      </a:solidFill>
+                      <a:prstDash val="solid"/>
+                      <a:round/>
+                      <a:headEnd type="none" w="med" len="med"/>
+                      <a:tailEnd type="none" w="med" len="med"/>
+                    </a:lnB>
+                    <a:solidFill>
+                      <a:srgbClr val="009900"/>
+                    </a:solidFill>
+                  </a:tcPr>
+                </a:tc>
+                <a:extLst>
+                  <a:ext uri="{0D108BD9-81ED-4DB2-BD59-A6C34878D82A}">
+                    <a16:rowId xmlns:a16="http://schemas.microsoft.com/office/drawing/2014/main" val="490167761"/>
+                  </a:ext>
+                </a:extLst>
+              </a:tr>
+              <a:tr h="370840">
+                <a:tc>
+                  <a:txBody>
+                    <a:bodyPr/>
+                    <a:lstStyle/>
+                    <a:p>
+                      <a:r>
+                        <a:rPr lang="es-ES" sz="1300" dirty="0"/>
+                        <a:t>Eléctrico </a:t>
+                      </a:r>
+                      <a:endParaRPr lang="es-MX" sz="1300" dirty="0"/>
+                    </a:p>
+                  </a:txBody>
+                  <a:tcPr>
+                    <a:lnL w="6350" cap="flat" cmpd="sng" algn="ctr">
+                      <a:solidFill>
+                        <a:schemeClr val="tx1"/>
+                      </a:solidFill>
+                      <a:prstDash val="solid"/>
+                      <a:round/>
+                      <a:headEnd type="none" w="med" len="med"/>
+                      <a:tailEnd type="none" w="med" len="med"/>
+                    </a:lnL>
+                    <a:lnR w="6350" cap="flat" cmpd="sng" algn="ctr">
+                      <a:solidFill>
+                        <a:schemeClr val="tx1"/>
+                      </a:solidFill>
+                      <a:prstDash val="solid"/>
+                      <a:round/>
+                      <a:headEnd type="none" w="med" len="med"/>
+                      <a:tailEnd type="none" w="med" len="med"/>
+                    </a:lnR>
+                    <a:lnT w="6350" cap="flat" cmpd="sng" algn="ctr">
+                      <a:solidFill>
+                        <a:schemeClr val="tx1"/>
+                      </a:solidFill>
+                      <a:prstDash val="solid"/>
+                      <a:round/>
+                      <a:headEnd type="none" w="med" len="med"/>
+                      <a:tailEnd type="none" w="med" len="med"/>
+                    </a:lnT>
+                    <a:lnB w="6350" cap="flat" cmpd="sng" algn="ctr">
+                      <a:solidFill>
+                        <a:schemeClr val="tx1"/>
+                      </a:solidFill>
+                      <a:prstDash val="solid"/>
+                      <a:round/>
+                      <a:headEnd type="none" w="med" len="med"/>
+                      <a:tailEnd type="none" w="med" len="med"/>
+                    </a:lnB>
+                    <a:solidFill>
+                      <a:schemeClr val="bg1">
+                        <a:lumMod val="85000"/>
+                      </a:schemeClr>
+                    </a:solidFill>
+                  </a:tcPr>
+                </a:tc>
+                <a:tc>
+                  <a:txBody>
+                    <a:bodyPr/>
+                    <a:lstStyle/>
+                    <a:p>
+                      <a:r>
+                        <a:rPr lang="es-MX" sz="1300" b="0" i="0" u="none" strike="noStrike" cap="none" dirty="0">
+                          <a:solidFill>
+                            <a:schemeClr val="dk1"/>
+                          </a:solidFill>
+                          <a:effectLst/>
+                          <a:latin typeface="+mn-lt"/>
+                          <a:ea typeface="+mn-ea"/>
+                          <a:cs typeface="+mn-cs"/>
+                          <a:sym typeface="Arial"/>
+                        </a:rPr>
+                        <a:t>LSTM (100, 1, </a:t>
+                      </a:r>
+                      <a:r>
+                        <a:rPr lang="es-MX" sz="1300" b="0" i="0" u="none" strike="noStrike" cap="none" dirty="0" err="1">
+                          <a:solidFill>
+                            <a:schemeClr val="dk1"/>
+                          </a:solidFill>
+                          <a:effectLst/>
+                          <a:latin typeface="+mn-lt"/>
+                          <a:ea typeface="+mn-ea"/>
+                          <a:cs typeface="+mn-cs"/>
+                          <a:sym typeface="Arial"/>
+                        </a:rPr>
+                        <a:t>relu</a:t>
+                      </a:r>
+                      <a:r>
+                        <a:rPr lang="es-MX" sz="1300" b="0" i="0" u="none" strike="noStrike" cap="none" dirty="0">
+                          <a:solidFill>
+                            <a:schemeClr val="dk1"/>
+                          </a:solidFill>
+                          <a:effectLst/>
+                          <a:latin typeface="+mn-lt"/>
+                          <a:ea typeface="+mn-ea"/>
+                          <a:cs typeface="+mn-cs"/>
+                          <a:sym typeface="Arial"/>
+                        </a:rPr>
+                        <a:t>, Adam)</a:t>
+                      </a:r>
+                      <a:endParaRPr lang="es-MX" sz="1300" dirty="0"/>
+                    </a:p>
+                  </a:txBody>
+                  <a:tcPr>
+                    <a:lnL w="6350" cap="flat" cmpd="sng" algn="ctr">
+                      <a:solidFill>
+                        <a:schemeClr val="tx1"/>
+                      </a:solidFill>
+                      <a:prstDash val="solid"/>
+                      <a:round/>
+                      <a:headEnd type="none" w="med" len="med"/>
+                      <a:tailEnd type="none" w="med" len="med"/>
+                    </a:lnL>
+                    <a:lnR w="6350" cap="flat" cmpd="sng" algn="ctr">
+                      <a:solidFill>
+                        <a:schemeClr val="tx1"/>
+                      </a:solidFill>
+                      <a:prstDash val="solid"/>
+                      <a:round/>
+                      <a:headEnd type="none" w="med" len="med"/>
+                      <a:tailEnd type="none" w="med" len="med"/>
+                    </a:lnR>
+                    <a:lnT w="6350" cap="flat" cmpd="sng" algn="ctr">
+                      <a:solidFill>
+                        <a:schemeClr val="tx1"/>
+                      </a:solidFill>
+                      <a:prstDash val="solid"/>
+                      <a:round/>
+                      <a:headEnd type="none" w="med" len="med"/>
+                      <a:tailEnd type="none" w="med" len="med"/>
+                    </a:lnT>
+                    <a:lnB w="6350" cap="flat" cmpd="sng" algn="ctr">
+                      <a:solidFill>
+                        <a:schemeClr val="tx1"/>
+                      </a:solidFill>
+                      <a:prstDash val="solid"/>
+                      <a:round/>
+                      <a:headEnd type="none" w="med" len="med"/>
+                      <a:tailEnd type="none" w="med" len="med"/>
+                    </a:lnB>
+                    <a:solidFill>
+                      <a:schemeClr val="bg1">
+                        <a:lumMod val="85000"/>
+                      </a:schemeClr>
+                    </a:solidFill>
+                  </a:tcPr>
+                </a:tc>
+                <a:tc>
+                  <a:txBody>
+                    <a:bodyPr/>
+                    <a:lstStyle/>
+                    <a:p>
+                      <a:r>
+                        <a:rPr lang="es-ES" sz="1300" dirty="0"/>
+                        <a:t>Sin pretratamiento alguno</a:t>
+                      </a:r>
+                      <a:endParaRPr lang="es-MX" sz="1300" dirty="0"/>
+                    </a:p>
+                  </a:txBody>
+                  <a:tcPr>
+                    <a:lnL w="6350" cap="flat" cmpd="sng" algn="ctr">
+                      <a:solidFill>
+                        <a:schemeClr val="tx1"/>
+                      </a:solidFill>
+                      <a:prstDash val="solid"/>
+                      <a:round/>
+                      <a:headEnd type="none" w="med" len="med"/>
+                      <a:tailEnd type="none" w="med" len="med"/>
+                    </a:lnL>
+                    <a:lnR w="6350" cap="flat" cmpd="sng" algn="ctr">
+                      <a:solidFill>
+                        <a:schemeClr val="tx1"/>
+                      </a:solidFill>
+                      <a:prstDash val="solid"/>
+                      <a:round/>
+                      <a:headEnd type="none" w="med" len="med"/>
+                      <a:tailEnd type="none" w="med" len="med"/>
+                    </a:lnR>
+                    <a:lnT w="6350" cap="flat" cmpd="sng" algn="ctr">
+                      <a:solidFill>
+                        <a:schemeClr val="tx1"/>
+                      </a:solidFill>
+                      <a:prstDash val="solid"/>
+                      <a:round/>
+                      <a:headEnd type="none" w="med" len="med"/>
+                      <a:tailEnd type="none" w="med" len="med"/>
+                    </a:lnT>
+                    <a:lnB w="6350" cap="flat" cmpd="sng" algn="ctr">
+                      <a:solidFill>
+                        <a:schemeClr val="tx1"/>
+                      </a:solidFill>
+                      <a:prstDash val="solid"/>
+                      <a:round/>
+                      <a:headEnd type="none" w="med" len="med"/>
+                      <a:tailEnd type="none" w="med" len="med"/>
+                    </a:lnB>
+                    <a:solidFill>
+                      <a:schemeClr val="bg1">
+                        <a:lumMod val="85000"/>
+                      </a:schemeClr>
+                    </a:solidFill>
+                  </a:tcPr>
+                </a:tc>
+                <a:tc>
+                  <a:txBody>
+                    <a:bodyPr/>
+                    <a:lstStyle/>
+                    <a:p>
+                      <a:r>
+                        <a:rPr lang="es-ES" sz="1300" dirty="0"/>
+                        <a:t>1055</a:t>
+                      </a:r>
+                      <a:endParaRPr lang="es-MX" sz="1300" dirty="0"/>
+                    </a:p>
+                  </a:txBody>
+                  <a:tcPr>
+                    <a:lnL w="6350" cap="flat" cmpd="sng" algn="ctr">
+                      <a:solidFill>
+                        <a:schemeClr val="tx1"/>
+                      </a:solidFill>
+                      <a:prstDash val="solid"/>
+                      <a:round/>
+                      <a:headEnd type="none" w="med" len="med"/>
+                      <a:tailEnd type="none" w="med" len="med"/>
+                    </a:lnL>
+                    <a:lnR w="6350" cap="flat" cmpd="sng" algn="ctr">
+                      <a:solidFill>
+                        <a:schemeClr val="tx1"/>
+                      </a:solidFill>
+                      <a:prstDash val="solid"/>
+                      <a:round/>
+                      <a:headEnd type="none" w="med" len="med"/>
+                      <a:tailEnd type="none" w="med" len="med"/>
+                    </a:lnR>
+                    <a:lnT w="6350" cap="flat" cmpd="sng" algn="ctr">
+                      <a:solidFill>
+                        <a:schemeClr val="tx1"/>
+                      </a:solidFill>
+                      <a:prstDash val="solid"/>
+                      <a:round/>
+                      <a:headEnd type="none" w="med" len="med"/>
+                      <a:tailEnd type="none" w="med" len="med"/>
+                    </a:lnT>
+                    <a:lnB w="6350" cap="flat" cmpd="sng" algn="ctr">
+                      <a:solidFill>
+                        <a:schemeClr val="tx1"/>
+                      </a:solidFill>
+                      <a:prstDash val="solid"/>
+                      <a:round/>
+                      <a:headEnd type="none" w="med" len="med"/>
+                      <a:tailEnd type="none" w="med" len="med"/>
+                    </a:lnB>
+                    <a:solidFill>
+                      <a:schemeClr val="bg1">
+                        <a:lumMod val="85000"/>
+                      </a:schemeClr>
+                    </a:solidFill>
+                  </a:tcPr>
+                </a:tc>
+                <a:tc>
+                  <a:txBody>
+                    <a:bodyPr/>
+                    <a:lstStyle/>
+                    <a:p>
+                      <a:r>
+                        <a:rPr lang="es-ES" sz="1300" dirty="0"/>
+                        <a:t>28</a:t>
+                      </a:r>
+                      <a:endParaRPr lang="es-MX" sz="1300" dirty="0"/>
+                    </a:p>
+                  </a:txBody>
+                  <a:tcPr>
+                    <a:lnL w="6350" cap="flat" cmpd="sng" algn="ctr">
+                      <a:solidFill>
+                        <a:schemeClr val="tx1"/>
+                      </a:solidFill>
+                      <a:prstDash val="solid"/>
+                      <a:round/>
+                      <a:headEnd type="none" w="med" len="med"/>
+                      <a:tailEnd type="none" w="med" len="med"/>
+                    </a:lnL>
+                    <a:lnR w="6350" cap="flat" cmpd="sng" algn="ctr">
+                      <a:solidFill>
+                        <a:schemeClr val="tx1"/>
+                      </a:solidFill>
+                      <a:prstDash val="solid"/>
+                      <a:round/>
+                      <a:headEnd type="none" w="med" len="med"/>
+                      <a:tailEnd type="none" w="med" len="med"/>
+                    </a:lnR>
+                    <a:lnT w="6350" cap="flat" cmpd="sng" algn="ctr">
+                      <a:solidFill>
+                        <a:schemeClr val="tx1"/>
+                      </a:solidFill>
+                      <a:prstDash val="solid"/>
+                      <a:round/>
+                      <a:headEnd type="none" w="med" len="med"/>
+                      <a:tailEnd type="none" w="med" len="med"/>
+                    </a:lnT>
+                    <a:lnB w="6350" cap="flat" cmpd="sng" algn="ctr">
+                      <a:solidFill>
+                        <a:schemeClr val="tx1"/>
+                      </a:solidFill>
+                      <a:prstDash val="solid"/>
+                      <a:round/>
+                      <a:headEnd type="none" w="med" len="med"/>
+                      <a:tailEnd type="none" w="med" len="med"/>
+                    </a:lnB>
+                    <a:solidFill>
+                      <a:schemeClr val="bg1">
+                        <a:lumMod val="85000"/>
+                      </a:schemeClr>
+                    </a:solidFill>
+                  </a:tcPr>
+                </a:tc>
+                <a:tc>
+                  <a:txBody>
+                    <a:bodyPr/>
+                    <a:lstStyle/>
+                    <a:p>
+                      <a:r>
+                        <a:rPr lang="es-ES" sz="1300" dirty="0"/>
+                        <a:t>2684</a:t>
+                      </a:r>
+                      <a:endParaRPr lang="es-MX" sz="1300" dirty="0"/>
+                    </a:p>
+                  </a:txBody>
+                  <a:tcPr>
+                    <a:lnL w="6350" cap="flat" cmpd="sng" algn="ctr">
+                      <a:solidFill>
+                        <a:schemeClr val="tx1"/>
+                      </a:solidFill>
+                      <a:prstDash val="solid"/>
+                      <a:round/>
+                      <a:headEnd type="none" w="med" len="med"/>
+                      <a:tailEnd type="none" w="med" len="med"/>
+                    </a:lnL>
+                    <a:lnR w="6350" cap="flat" cmpd="sng" algn="ctr">
+                      <a:solidFill>
+                        <a:schemeClr val="tx1"/>
+                      </a:solidFill>
+                      <a:prstDash val="solid"/>
+                      <a:round/>
+                      <a:headEnd type="none" w="med" len="med"/>
+                      <a:tailEnd type="none" w="med" len="med"/>
+                    </a:lnR>
+                    <a:lnT w="6350" cap="flat" cmpd="sng" algn="ctr">
+                      <a:solidFill>
+                        <a:schemeClr val="tx1"/>
+                      </a:solidFill>
+                      <a:prstDash val="solid"/>
+                      <a:round/>
+                      <a:headEnd type="none" w="med" len="med"/>
+                      <a:tailEnd type="none" w="med" len="med"/>
+                    </a:lnT>
+                    <a:lnB w="6350" cap="flat" cmpd="sng" algn="ctr">
+                      <a:solidFill>
+                        <a:schemeClr val="tx1"/>
+                      </a:solidFill>
+                      <a:prstDash val="solid"/>
+                      <a:round/>
+                      <a:headEnd type="none" w="med" len="med"/>
+                      <a:tailEnd type="none" w="med" len="med"/>
+                    </a:lnB>
+                    <a:solidFill>
+                      <a:schemeClr val="bg1">
+                        <a:lumMod val="85000"/>
+                      </a:schemeClr>
+                    </a:solidFill>
+                  </a:tcPr>
+                </a:tc>
+                <a:tc>
+                  <a:txBody>
+                    <a:bodyPr/>
+                    <a:lstStyle/>
+                    <a:p>
+                      <a:pPr marL="0" marR="0" lvl="0" indent="0" algn="l" defTabSz="914400" rtl="0" eaLnBrk="1" fontAlgn="auto" latinLnBrk="0" hangingPunct="1">
+                        <a:lnSpc>
+                          <a:spcPct val="100000"/>
+                        </a:lnSpc>
+                        <a:spcBef>
+                          <a:spcPts val="0"/>
+                        </a:spcBef>
+                        <a:spcAft>
+                          <a:spcPts val="0"/>
+                        </a:spcAft>
+                        <a:buClr>
+                          <a:srgbClr val="000000"/>
+                        </a:buClr>
+                        <a:buSzTx/>
+                        <a:buFont typeface="Arial"/>
+                        <a:buNone/>
+                        <a:tabLst/>
+                        <a:defRPr/>
+                      </a:pPr>
+                      <a:r>
+                        <a:rPr lang="es-ES" sz="1300" dirty="0"/>
+                        <a:t>Pronóstico sobreestima demasiado el valor real </a:t>
+                      </a:r>
+                      <a:endParaRPr lang="es-MX" sz="1300" dirty="0"/>
+                    </a:p>
+                  </a:txBody>
+                  <a:tcPr>
+                    <a:lnL w="6350" cap="flat" cmpd="sng" algn="ctr">
+                      <a:solidFill>
+                        <a:schemeClr val="tx1"/>
+                      </a:solidFill>
+                      <a:prstDash val="solid"/>
+                      <a:round/>
+                      <a:headEnd type="none" w="med" len="med"/>
+                      <a:tailEnd type="none" w="med" len="med"/>
+                    </a:lnL>
+                    <a:lnR w="6350" cap="flat" cmpd="sng" algn="ctr">
+                      <a:solidFill>
+                        <a:schemeClr val="tx1"/>
+                      </a:solidFill>
+                      <a:prstDash val="solid"/>
+                      <a:round/>
+                      <a:headEnd type="none" w="med" len="med"/>
+                      <a:tailEnd type="none" w="med" len="med"/>
+                    </a:lnR>
+                    <a:lnT w="6350" cap="flat" cmpd="sng" algn="ctr">
+                      <a:solidFill>
+                        <a:schemeClr val="tx1"/>
+                      </a:solidFill>
+                      <a:prstDash val="solid"/>
+                      <a:round/>
+                      <a:headEnd type="none" w="med" len="med"/>
+                      <a:tailEnd type="none" w="med" len="med"/>
+                    </a:lnT>
+                    <a:lnB w="6350" cap="flat" cmpd="sng" algn="ctr">
+                      <a:solidFill>
+                        <a:schemeClr val="tx1"/>
+                      </a:solidFill>
+                      <a:prstDash val="solid"/>
+                      <a:round/>
+                      <a:headEnd type="none" w="med" len="med"/>
+                      <a:tailEnd type="none" w="med" len="med"/>
+                    </a:lnB>
+                    <a:solidFill>
+                      <a:schemeClr val="bg1">
+                        <a:lumMod val="85000"/>
+                      </a:schemeClr>
+                    </a:solidFill>
+                  </a:tcPr>
+                </a:tc>
+                <a:extLst>
+                  <a:ext uri="{0D108BD9-81ED-4DB2-BD59-A6C34878D82A}">
+                    <a16:rowId xmlns:a16="http://schemas.microsoft.com/office/drawing/2014/main" val="2374654446"/>
+                  </a:ext>
+                </a:extLst>
+              </a:tr>
+              <a:tr h="370840">
+                <a:tc>
+                  <a:txBody>
+                    <a:bodyPr/>
+                    <a:lstStyle/>
+                    <a:p>
+                      <a:endParaRPr lang="es-MX" sz="1300" dirty="0"/>
+                    </a:p>
+                  </a:txBody>
+                  <a:tcPr>
+                    <a:lnL w="6350" cap="flat" cmpd="sng" algn="ctr">
+                      <a:solidFill>
+                        <a:schemeClr val="tx1"/>
+                      </a:solidFill>
+                      <a:prstDash val="solid"/>
+                      <a:round/>
+                      <a:headEnd type="none" w="med" len="med"/>
+                      <a:tailEnd type="none" w="med" len="med"/>
+                    </a:lnL>
+                    <a:lnR w="6350" cap="flat" cmpd="sng" algn="ctr">
+                      <a:solidFill>
+                        <a:schemeClr val="tx1"/>
+                      </a:solidFill>
+                      <a:prstDash val="solid"/>
+                      <a:round/>
+                      <a:headEnd type="none" w="med" len="med"/>
+                      <a:tailEnd type="none" w="med" len="med"/>
+                    </a:lnR>
+                    <a:lnT w="6350" cap="flat" cmpd="sng" algn="ctr">
+                      <a:solidFill>
+                        <a:schemeClr val="tx1"/>
+                      </a:solidFill>
+                      <a:prstDash val="solid"/>
+                      <a:round/>
+                      <a:headEnd type="none" w="med" len="med"/>
+                      <a:tailEnd type="none" w="med" len="med"/>
+                    </a:lnT>
+                    <a:lnB w="6350" cap="flat" cmpd="sng" algn="ctr">
+                      <a:solidFill>
+                        <a:schemeClr val="tx1"/>
+                      </a:solidFill>
+                      <a:prstDash val="solid"/>
+                      <a:round/>
+                      <a:headEnd type="none" w="med" len="med"/>
+                      <a:tailEnd type="none" w="med" len="med"/>
+                    </a:lnB>
+                    <a:solidFill>
+                      <a:schemeClr val="bg1">
+                        <a:lumMod val="85000"/>
+                      </a:schemeClr>
+                    </a:solidFill>
+                  </a:tcPr>
+                </a:tc>
+                <a:tc>
+                  <a:txBody>
+                    <a:bodyPr/>
+                    <a:lstStyle/>
+                    <a:p>
+                      <a:endParaRPr lang="es-MX" sz="1300" dirty="0"/>
+                    </a:p>
+                  </a:txBody>
+                  <a:tcPr>
+                    <a:lnL w="6350" cap="flat" cmpd="sng" algn="ctr">
+                      <a:solidFill>
+                        <a:schemeClr val="tx1"/>
+                      </a:solidFill>
+                      <a:prstDash val="solid"/>
+                      <a:round/>
+                      <a:headEnd type="none" w="med" len="med"/>
+                      <a:tailEnd type="none" w="med" len="med"/>
+                    </a:lnL>
+                    <a:lnR w="6350" cap="flat" cmpd="sng" algn="ctr">
+                      <a:solidFill>
+                        <a:schemeClr val="tx1"/>
+                      </a:solidFill>
+                      <a:prstDash val="solid"/>
+                      <a:round/>
+                      <a:headEnd type="none" w="med" len="med"/>
+                      <a:tailEnd type="none" w="med" len="med"/>
+                    </a:lnR>
+                    <a:lnT w="6350" cap="flat" cmpd="sng" algn="ctr">
+                      <a:solidFill>
+                        <a:schemeClr val="tx1"/>
+                      </a:solidFill>
+                      <a:prstDash val="solid"/>
+                      <a:round/>
+                      <a:headEnd type="none" w="med" len="med"/>
+                      <a:tailEnd type="none" w="med" len="med"/>
+                    </a:lnT>
+                    <a:lnB w="6350" cap="flat" cmpd="sng" algn="ctr">
+                      <a:solidFill>
+                        <a:schemeClr val="tx1"/>
+                      </a:solidFill>
+                      <a:prstDash val="solid"/>
+                      <a:round/>
+                      <a:headEnd type="none" w="med" len="med"/>
+                      <a:tailEnd type="none" w="med" len="med"/>
+                    </a:lnB>
+                    <a:solidFill>
+                      <a:schemeClr val="bg1">
+                        <a:lumMod val="85000"/>
+                      </a:schemeClr>
+                    </a:solidFill>
+                  </a:tcPr>
+                </a:tc>
+                <a:tc>
+                  <a:txBody>
+                    <a:bodyPr/>
+                    <a:lstStyle/>
+                    <a:p>
+                      <a:endParaRPr lang="es-MX" sz="1300" dirty="0"/>
+                    </a:p>
+                  </a:txBody>
+                  <a:tcPr>
+                    <a:lnL w="6350" cap="flat" cmpd="sng" algn="ctr">
+                      <a:solidFill>
+                        <a:schemeClr val="tx1"/>
+                      </a:solidFill>
+                      <a:prstDash val="solid"/>
+                      <a:round/>
+                      <a:headEnd type="none" w="med" len="med"/>
+                      <a:tailEnd type="none" w="med" len="med"/>
+                    </a:lnL>
+                    <a:lnR w="6350" cap="flat" cmpd="sng" algn="ctr">
+                      <a:solidFill>
+                        <a:schemeClr val="tx1"/>
+                      </a:solidFill>
+                      <a:prstDash val="solid"/>
+                      <a:round/>
+                      <a:headEnd type="none" w="med" len="med"/>
+                      <a:tailEnd type="none" w="med" len="med"/>
+                    </a:lnR>
+                    <a:lnT w="6350" cap="flat" cmpd="sng" algn="ctr">
+                      <a:solidFill>
+                        <a:schemeClr val="tx1"/>
+                      </a:solidFill>
+                      <a:prstDash val="solid"/>
+                      <a:round/>
+                      <a:headEnd type="none" w="med" len="med"/>
+                      <a:tailEnd type="none" w="med" len="med"/>
+                    </a:lnT>
+                    <a:lnB w="6350" cap="flat" cmpd="sng" algn="ctr">
+                      <a:solidFill>
+                        <a:schemeClr val="tx1"/>
+                      </a:solidFill>
+                      <a:prstDash val="solid"/>
+                      <a:round/>
+                      <a:headEnd type="none" w="med" len="med"/>
+                      <a:tailEnd type="none" w="med" len="med"/>
+                    </a:lnB>
+                    <a:solidFill>
+                      <a:schemeClr val="bg1">
+                        <a:lumMod val="85000"/>
+                      </a:schemeClr>
+                    </a:solidFill>
+                  </a:tcPr>
+                </a:tc>
+                <a:tc>
+                  <a:txBody>
+                    <a:bodyPr/>
+                    <a:lstStyle/>
+                    <a:p>
+                      <a:endParaRPr lang="es-MX" sz="1300" dirty="0"/>
+                    </a:p>
+                  </a:txBody>
+                  <a:tcPr>
+                    <a:lnL w="6350" cap="flat" cmpd="sng" algn="ctr">
+                      <a:solidFill>
+                        <a:schemeClr val="tx1"/>
+                      </a:solidFill>
+                      <a:prstDash val="solid"/>
+                      <a:round/>
+                      <a:headEnd type="none" w="med" len="med"/>
+                      <a:tailEnd type="none" w="med" len="med"/>
+                    </a:lnL>
+                    <a:lnR w="6350" cap="flat" cmpd="sng" algn="ctr">
+                      <a:solidFill>
+                        <a:schemeClr val="tx1"/>
+                      </a:solidFill>
+                      <a:prstDash val="solid"/>
+                      <a:round/>
+                      <a:headEnd type="none" w="med" len="med"/>
+                      <a:tailEnd type="none" w="med" len="med"/>
+                    </a:lnR>
+                    <a:lnT w="6350" cap="flat" cmpd="sng" algn="ctr">
+                      <a:solidFill>
+                        <a:schemeClr val="tx1"/>
+                      </a:solidFill>
+                      <a:prstDash val="solid"/>
+                      <a:round/>
+                      <a:headEnd type="none" w="med" len="med"/>
+                      <a:tailEnd type="none" w="med" len="med"/>
+                    </a:lnT>
+                    <a:lnB w="6350" cap="flat" cmpd="sng" algn="ctr">
+                      <a:solidFill>
+                        <a:schemeClr val="tx1"/>
+                      </a:solidFill>
+                      <a:prstDash val="solid"/>
+                      <a:round/>
+                      <a:headEnd type="none" w="med" len="med"/>
+                      <a:tailEnd type="none" w="med" len="med"/>
+                    </a:lnB>
+                    <a:solidFill>
+                      <a:schemeClr val="bg1">
+                        <a:lumMod val="85000"/>
+                      </a:schemeClr>
+                    </a:solidFill>
+                  </a:tcPr>
+                </a:tc>
+                <a:tc>
+                  <a:txBody>
+                    <a:bodyPr/>
+                    <a:lstStyle/>
+                    <a:p>
+                      <a:endParaRPr lang="es-MX" sz="1300" dirty="0"/>
+                    </a:p>
+                  </a:txBody>
+                  <a:tcPr>
+                    <a:lnL w="6350" cap="flat" cmpd="sng" algn="ctr">
+                      <a:solidFill>
+                        <a:schemeClr val="tx1"/>
+                      </a:solidFill>
+                      <a:prstDash val="solid"/>
+                      <a:round/>
+                      <a:headEnd type="none" w="med" len="med"/>
+                      <a:tailEnd type="none" w="med" len="med"/>
+                    </a:lnL>
+                    <a:lnR w="6350" cap="flat" cmpd="sng" algn="ctr">
+                      <a:solidFill>
+                        <a:schemeClr val="tx1"/>
+                      </a:solidFill>
+                      <a:prstDash val="solid"/>
+                      <a:round/>
+                      <a:headEnd type="none" w="med" len="med"/>
+                      <a:tailEnd type="none" w="med" len="med"/>
+                    </a:lnR>
+                    <a:lnT w="6350" cap="flat" cmpd="sng" algn="ctr">
+                      <a:solidFill>
+                        <a:schemeClr val="tx1"/>
+                      </a:solidFill>
+                      <a:prstDash val="solid"/>
+                      <a:round/>
+                      <a:headEnd type="none" w="med" len="med"/>
+                      <a:tailEnd type="none" w="med" len="med"/>
+                    </a:lnT>
+                    <a:lnB w="6350" cap="flat" cmpd="sng" algn="ctr">
+                      <a:solidFill>
+                        <a:schemeClr val="tx1"/>
+                      </a:solidFill>
+                      <a:prstDash val="solid"/>
+                      <a:round/>
+                      <a:headEnd type="none" w="med" len="med"/>
+                      <a:tailEnd type="none" w="med" len="med"/>
+                    </a:lnB>
+                    <a:solidFill>
+                      <a:schemeClr val="bg1">
+                        <a:lumMod val="85000"/>
+                      </a:schemeClr>
+                    </a:solidFill>
+                  </a:tcPr>
+                </a:tc>
+                <a:tc>
+                  <a:txBody>
+                    <a:bodyPr/>
+                    <a:lstStyle/>
+                    <a:p>
+                      <a:endParaRPr lang="es-MX" sz="1300" dirty="0"/>
+                    </a:p>
+                  </a:txBody>
+                  <a:tcPr>
+                    <a:lnL w="6350" cap="flat" cmpd="sng" algn="ctr">
+                      <a:solidFill>
+                        <a:schemeClr val="tx1"/>
+                      </a:solidFill>
+                      <a:prstDash val="solid"/>
+                      <a:round/>
+                      <a:headEnd type="none" w="med" len="med"/>
+                      <a:tailEnd type="none" w="med" len="med"/>
+                    </a:lnL>
+                    <a:lnR w="6350" cap="flat" cmpd="sng" algn="ctr">
+                      <a:solidFill>
+                        <a:schemeClr val="tx1"/>
+                      </a:solidFill>
+                      <a:prstDash val="solid"/>
+                      <a:round/>
+                      <a:headEnd type="none" w="med" len="med"/>
+                      <a:tailEnd type="none" w="med" len="med"/>
+                    </a:lnR>
+                    <a:lnT w="6350" cap="flat" cmpd="sng" algn="ctr">
+                      <a:solidFill>
+                        <a:schemeClr val="tx1"/>
+                      </a:solidFill>
+                      <a:prstDash val="solid"/>
+                      <a:round/>
+                      <a:headEnd type="none" w="med" len="med"/>
+                      <a:tailEnd type="none" w="med" len="med"/>
+                    </a:lnT>
+                    <a:lnB w="6350" cap="flat" cmpd="sng" algn="ctr">
+                      <a:solidFill>
+                        <a:schemeClr val="tx1"/>
+                      </a:solidFill>
+                      <a:prstDash val="solid"/>
+                      <a:round/>
+                      <a:headEnd type="none" w="med" len="med"/>
+                      <a:tailEnd type="none" w="med" len="med"/>
+                    </a:lnB>
+                    <a:solidFill>
+                      <a:schemeClr val="bg1">
+                        <a:lumMod val="85000"/>
+                      </a:schemeClr>
+                    </a:solidFill>
+                  </a:tcPr>
+                </a:tc>
+                <a:tc>
+                  <a:txBody>
+                    <a:bodyPr/>
+                    <a:lstStyle/>
+                    <a:p>
+                      <a:endParaRPr lang="es-MX" sz="1300" dirty="0"/>
+                    </a:p>
+                  </a:txBody>
+                  <a:tcPr>
+                    <a:lnL w="6350" cap="flat" cmpd="sng" algn="ctr">
+                      <a:solidFill>
+                        <a:schemeClr val="tx1"/>
+                      </a:solidFill>
+                      <a:prstDash val="solid"/>
+                      <a:round/>
+                      <a:headEnd type="none" w="med" len="med"/>
+                      <a:tailEnd type="none" w="med" len="med"/>
+                    </a:lnL>
+                    <a:lnR w="6350" cap="flat" cmpd="sng" algn="ctr">
+                      <a:solidFill>
+                        <a:schemeClr val="tx1"/>
+                      </a:solidFill>
+                      <a:prstDash val="solid"/>
+                      <a:round/>
+                      <a:headEnd type="none" w="med" len="med"/>
+                      <a:tailEnd type="none" w="med" len="med"/>
+                    </a:lnR>
+                    <a:lnT w="6350" cap="flat" cmpd="sng" algn="ctr">
+                      <a:solidFill>
+                        <a:schemeClr val="tx1"/>
+                      </a:solidFill>
+                      <a:prstDash val="solid"/>
+                      <a:round/>
+                      <a:headEnd type="none" w="med" len="med"/>
+                      <a:tailEnd type="none" w="med" len="med"/>
+                    </a:lnT>
+                    <a:lnB w="6350" cap="flat" cmpd="sng" algn="ctr">
+                      <a:solidFill>
+                        <a:schemeClr val="tx1"/>
+                      </a:solidFill>
+                      <a:prstDash val="solid"/>
+                      <a:round/>
+                      <a:headEnd type="none" w="med" len="med"/>
+                      <a:tailEnd type="none" w="med" len="med"/>
+                    </a:lnB>
+                    <a:solidFill>
+                      <a:schemeClr val="bg1">
+                        <a:lumMod val="85000"/>
+                      </a:schemeClr>
+                    </a:solidFill>
+                  </a:tcPr>
+                </a:tc>
+                <a:extLst>
+                  <a:ext uri="{0D108BD9-81ED-4DB2-BD59-A6C34878D82A}">
+                    <a16:rowId xmlns:a16="http://schemas.microsoft.com/office/drawing/2014/main" val="215204710"/>
+                  </a:ext>
+                </a:extLst>
+              </a:tr>
+              <a:tr h="370840">
+                <a:tc>
+                  <a:txBody>
+                    <a:bodyPr/>
+                    <a:lstStyle/>
+                    <a:p>
+                      <a:endParaRPr lang="es-MX" sz="1300" dirty="0"/>
+                    </a:p>
+                  </a:txBody>
+                  <a:tcPr>
+                    <a:lnL w="6350" cap="flat" cmpd="sng" algn="ctr">
+                      <a:solidFill>
+                        <a:schemeClr val="tx1"/>
+                      </a:solidFill>
+                      <a:prstDash val="solid"/>
+                      <a:round/>
+                      <a:headEnd type="none" w="med" len="med"/>
+                      <a:tailEnd type="none" w="med" len="med"/>
+                    </a:lnL>
+                    <a:lnR w="6350" cap="flat" cmpd="sng" algn="ctr">
+                      <a:solidFill>
+                        <a:schemeClr val="tx1"/>
+                      </a:solidFill>
+                      <a:prstDash val="solid"/>
+                      <a:round/>
+                      <a:headEnd type="none" w="med" len="med"/>
+                      <a:tailEnd type="none" w="med" len="med"/>
+                    </a:lnR>
+                    <a:lnT w="6350" cap="flat" cmpd="sng" algn="ctr">
+                      <a:solidFill>
+                        <a:schemeClr val="tx1"/>
+                      </a:solidFill>
+                      <a:prstDash val="solid"/>
+                      <a:round/>
+                      <a:headEnd type="none" w="med" len="med"/>
+                      <a:tailEnd type="none" w="med" len="med"/>
+                    </a:lnT>
+                    <a:lnB w="6350" cap="flat" cmpd="sng" algn="ctr">
+                      <a:solidFill>
+                        <a:schemeClr val="tx1"/>
+                      </a:solidFill>
+                      <a:prstDash val="solid"/>
+                      <a:round/>
+                      <a:headEnd type="none" w="med" len="med"/>
+                      <a:tailEnd type="none" w="med" len="med"/>
+                    </a:lnB>
+                    <a:solidFill>
+                      <a:schemeClr val="bg1">
+                        <a:lumMod val="85000"/>
+                      </a:schemeClr>
+                    </a:solidFill>
+                  </a:tcPr>
+                </a:tc>
+                <a:tc>
+                  <a:txBody>
+                    <a:bodyPr/>
+                    <a:lstStyle/>
+                    <a:p>
+                      <a:endParaRPr lang="es-MX" sz="1300" dirty="0"/>
+                    </a:p>
+                  </a:txBody>
+                  <a:tcPr>
+                    <a:lnL w="6350" cap="flat" cmpd="sng" algn="ctr">
+                      <a:solidFill>
+                        <a:schemeClr val="tx1"/>
+                      </a:solidFill>
+                      <a:prstDash val="solid"/>
+                      <a:round/>
+                      <a:headEnd type="none" w="med" len="med"/>
+                      <a:tailEnd type="none" w="med" len="med"/>
+                    </a:lnL>
+                    <a:lnR w="6350" cap="flat" cmpd="sng" algn="ctr">
+                      <a:solidFill>
+                        <a:schemeClr val="tx1"/>
+                      </a:solidFill>
+                      <a:prstDash val="solid"/>
+                      <a:round/>
+                      <a:headEnd type="none" w="med" len="med"/>
+                      <a:tailEnd type="none" w="med" len="med"/>
+                    </a:lnR>
+                    <a:lnT w="6350" cap="flat" cmpd="sng" algn="ctr">
+                      <a:solidFill>
+                        <a:schemeClr val="tx1"/>
+                      </a:solidFill>
+                      <a:prstDash val="solid"/>
+                      <a:round/>
+                      <a:headEnd type="none" w="med" len="med"/>
+                      <a:tailEnd type="none" w="med" len="med"/>
+                    </a:lnT>
+                    <a:lnB w="6350" cap="flat" cmpd="sng" algn="ctr">
+                      <a:solidFill>
+                        <a:schemeClr val="tx1"/>
+                      </a:solidFill>
+                      <a:prstDash val="solid"/>
+                      <a:round/>
+                      <a:headEnd type="none" w="med" len="med"/>
+                      <a:tailEnd type="none" w="med" len="med"/>
+                    </a:lnB>
+                    <a:solidFill>
+                      <a:schemeClr val="bg1">
+                        <a:lumMod val="85000"/>
+                      </a:schemeClr>
+                    </a:solidFill>
+                  </a:tcPr>
+                </a:tc>
+                <a:tc>
+                  <a:txBody>
+                    <a:bodyPr/>
+                    <a:lstStyle/>
+                    <a:p>
+                      <a:endParaRPr lang="es-MX" sz="1300" dirty="0"/>
+                    </a:p>
+                  </a:txBody>
+                  <a:tcPr>
+                    <a:lnL w="6350" cap="flat" cmpd="sng" algn="ctr">
+                      <a:solidFill>
+                        <a:schemeClr val="tx1"/>
+                      </a:solidFill>
+                      <a:prstDash val="solid"/>
+                      <a:round/>
+                      <a:headEnd type="none" w="med" len="med"/>
+                      <a:tailEnd type="none" w="med" len="med"/>
+                    </a:lnL>
+                    <a:lnR w="6350" cap="flat" cmpd="sng" algn="ctr">
+                      <a:solidFill>
+                        <a:schemeClr val="tx1"/>
+                      </a:solidFill>
+                      <a:prstDash val="solid"/>
+                      <a:round/>
+                      <a:headEnd type="none" w="med" len="med"/>
+                      <a:tailEnd type="none" w="med" len="med"/>
+                    </a:lnR>
+                    <a:lnT w="6350" cap="flat" cmpd="sng" algn="ctr">
+                      <a:solidFill>
+                        <a:schemeClr val="tx1"/>
+                      </a:solidFill>
+                      <a:prstDash val="solid"/>
+                      <a:round/>
+                      <a:headEnd type="none" w="med" len="med"/>
+                      <a:tailEnd type="none" w="med" len="med"/>
+                    </a:lnT>
+                    <a:lnB w="6350" cap="flat" cmpd="sng" algn="ctr">
+                      <a:solidFill>
+                        <a:schemeClr val="tx1"/>
+                      </a:solidFill>
+                      <a:prstDash val="solid"/>
+                      <a:round/>
+                      <a:headEnd type="none" w="med" len="med"/>
+                      <a:tailEnd type="none" w="med" len="med"/>
+                    </a:lnB>
+                    <a:solidFill>
+                      <a:schemeClr val="bg1">
+                        <a:lumMod val="85000"/>
+                      </a:schemeClr>
+                    </a:solidFill>
+                  </a:tcPr>
+                </a:tc>
+                <a:tc>
+                  <a:txBody>
+                    <a:bodyPr/>
+                    <a:lstStyle/>
+                    <a:p>
+                      <a:endParaRPr lang="es-MX" sz="1300" dirty="0"/>
+                    </a:p>
+                  </a:txBody>
+                  <a:tcPr>
+                    <a:lnL w="6350" cap="flat" cmpd="sng" algn="ctr">
+                      <a:solidFill>
+                        <a:schemeClr val="tx1"/>
+                      </a:solidFill>
+                      <a:prstDash val="solid"/>
+                      <a:round/>
+                      <a:headEnd type="none" w="med" len="med"/>
+                      <a:tailEnd type="none" w="med" len="med"/>
+                    </a:lnL>
+                    <a:lnR w="6350" cap="flat" cmpd="sng" algn="ctr">
+                      <a:solidFill>
+                        <a:schemeClr val="tx1"/>
+                      </a:solidFill>
+                      <a:prstDash val="solid"/>
+                      <a:round/>
+                      <a:headEnd type="none" w="med" len="med"/>
+                      <a:tailEnd type="none" w="med" len="med"/>
+                    </a:lnR>
+                    <a:lnT w="6350" cap="flat" cmpd="sng" algn="ctr">
+                      <a:solidFill>
+                        <a:schemeClr val="tx1"/>
+                      </a:solidFill>
+                      <a:prstDash val="solid"/>
+                      <a:round/>
+                      <a:headEnd type="none" w="med" len="med"/>
+                      <a:tailEnd type="none" w="med" len="med"/>
+                    </a:lnT>
+                    <a:lnB w="6350" cap="flat" cmpd="sng" algn="ctr">
+                      <a:solidFill>
+                        <a:schemeClr val="tx1"/>
+                      </a:solidFill>
+                      <a:prstDash val="solid"/>
+                      <a:round/>
+                      <a:headEnd type="none" w="med" len="med"/>
+                      <a:tailEnd type="none" w="med" len="med"/>
+                    </a:lnB>
+                    <a:solidFill>
+                      <a:schemeClr val="bg1">
+                        <a:lumMod val="85000"/>
+                      </a:schemeClr>
+                    </a:solidFill>
+                  </a:tcPr>
+                </a:tc>
+                <a:tc>
+                  <a:txBody>
+                    <a:bodyPr/>
+                    <a:lstStyle/>
+                    <a:p>
+                      <a:endParaRPr lang="es-MX" sz="1300" dirty="0"/>
+                    </a:p>
+                  </a:txBody>
+                  <a:tcPr>
+                    <a:lnL w="6350" cap="flat" cmpd="sng" algn="ctr">
+                      <a:solidFill>
+                        <a:schemeClr val="tx1"/>
+                      </a:solidFill>
+                      <a:prstDash val="solid"/>
+                      <a:round/>
+                      <a:headEnd type="none" w="med" len="med"/>
+                      <a:tailEnd type="none" w="med" len="med"/>
+                    </a:lnL>
+                    <a:lnR w="6350" cap="flat" cmpd="sng" algn="ctr">
+                      <a:solidFill>
+                        <a:schemeClr val="tx1"/>
+                      </a:solidFill>
+                      <a:prstDash val="solid"/>
+                      <a:round/>
+                      <a:headEnd type="none" w="med" len="med"/>
+                      <a:tailEnd type="none" w="med" len="med"/>
+                    </a:lnR>
+                    <a:lnT w="6350" cap="flat" cmpd="sng" algn="ctr">
+                      <a:solidFill>
+                        <a:schemeClr val="tx1"/>
+                      </a:solidFill>
+                      <a:prstDash val="solid"/>
+                      <a:round/>
+                      <a:headEnd type="none" w="med" len="med"/>
+                      <a:tailEnd type="none" w="med" len="med"/>
+                    </a:lnT>
+                    <a:lnB w="6350" cap="flat" cmpd="sng" algn="ctr">
+                      <a:solidFill>
+                        <a:schemeClr val="tx1"/>
+                      </a:solidFill>
+                      <a:prstDash val="solid"/>
+                      <a:round/>
+                      <a:headEnd type="none" w="med" len="med"/>
+                      <a:tailEnd type="none" w="med" len="med"/>
+                    </a:lnB>
+                    <a:solidFill>
+                      <a:schemeClr val="bg1">
+                        <a:lumMod val="85000"/>
+                      </a:schemeClr>
+                    </a:solidFill>
+                  </a:tcPr>
+                </a:tc>
+                <a:tc>
+                  <a:txBody>
+                    <a:bodyPr/>
+                    <a:lstStyle/>
+                    <a:p>
+                      <a:endParaRPr lang="es-MX" sz="1300" dirty="0"/>
+                    </a:p>
+                  </a:txBody>
+                  <a:tcPr>
+                    <a:lnL w="6350" cap="flat" cmpd="sng" algn="ctr">
+                      <a:solidFill>
+                        <a:schemeClr val="tx1"/>
+                      </a:solidFill>
+                      <a:prstDash val="solid"/>
+                      <a:round/>
+                      <a:headEnd type="none" w="med" len="med"/>
+                      <a:tailEnd type="none" w="med" len="med"/>
+                    </a:lnL>
+                    <a:lnR w="6350" cap="flat" cmpd="sng" algn="ctr">
+                      <a:solidFill>
+                        <a:schemeClr val="tx1"/>
+                      </a:solidFill>
+                      <a:prstDash val="solid"/>
+                      <a:round/>
+                      <a:headEnd type="none" w="med" len="med"/>
+                      <a:tailEnd type="none" w="med" len="med"/>
+                    </a:lnR>
+                    <a:lnT w="6350" cap="flat" cmpd="sng" algn="ctr">
+                      <a:solidFill>
+                        <a:schemeClr val="tx1"/>
+                      </a:solidFill>
+                      <a:prstDash val="solid"/>
+                      <a:round/>
+                      <a:headEnd type="none" w="med" len="med"/>
+                      <a:tailEnd type="none" w="med" len="med"/>
+                    </a:lnT>
+                    <a:lnB w="6350" cap="flat" cmpd="sng" algn="ctr">
+                      <a:solidFill>
+                        <a:schemeClr val="tx1"/>
+                      </a:solidFill>
+                      <a:prstDash val="solid"/>
+                      <a:round/>
+                      <a:headEnd type="none" w="med" len="med"/>
+                      <a:tailEnd type="none" w="med" len="med"/>
+                    </a:lnB>
+                    <a:solidFill>
+                      <a:schemeClr val="bg1">
+                        <a:lumMod val="85000"/>
+                      </a:schemeClr>
+                    </a:solidFill>
+                  </a:tcPr>
+                </a:tc>
+                <a:tc>
+                  <a:txBody>
+                    <a:bodyPr/>
+                    <a:lstStyle/>
+                    <a:p>
+                      <a:endParaRPr lang="es-MX" dirty="0"/>
+                    </a:p>
+                  </a:txBody>
+                  <a:tcPr>
+                    <a:lnL w="6350" cap="flat" cmpd="sng" algn="ctr">
+                      <a:solidFill>
+                        <a:schemeClr val="tx1"/>
+                      </a:solidFill>
+                      <a:prstDash val="solid"/>
+                      <a:round/>
+                      <a:headEnd type="none" w="med" len="med"/>
+                      <a:tailEnd type="none" w="med" len="med"/>
+                    </a:lnL>
+                    <a:lnR w="6350" cap="flat" cmpd="sng" algn="ctr">
+                      <a:solidFill>
+                        <a:schemeClr val="tx1"/>
+                      </a:solidFill>
+                      <a:prstDash val="solid"/>
+                      <a:round/>
+                      <a:headEnd type="none" w="med" len="med"/>
+                      <a:tailEnd type="none" w="med" len="med"/>
+                    </a:lnR>
+                    <a:lnT w="6350" cap="flat" cmpd="sng" algn="ctr">
+                      <a:solidFill>
+                        <a:schemeClr val="tx1"/>
+                      </a:solidFill>
+                      <a:prstDash val="solid"/>
+                      <a:round/>
+                      <a:headEnd type="none" w="med" len="med"/>
+                      <a:tailEnd type="none" w="med" len="med"/>
+                    </a:lnT>
+                    <a:lnB w="6350" cap="flat" cmpd="sng" algn="ctr">
+                      <a:solidFill>
+                        <a:schemeClr val="tx1"/>
+                      </a:solidFill>
+                      <a:prstDash val="solid"/>
+                      <a:round/>
+                      <a:headEnd type="none" w="med" len="med"/>
+                      <a:tailEnd type="none" w="med" len="med"/>
+                    </a:lnB>
+                    <a:solidFill>
+                      <a:schemeClr val="bg1">
+                        <a:lumMod val="85000"/>
+                      </a:schemeClr>
+                    </a:solidFill>
+                  </a:tcPr>
+                </a:tc>
+                <a:extLst>
+                  <a:ext uri="{0D108BD9-81ED-4DB2-BD59-A6C34878D82A}">
+                    <a16:rowId xmlns:a16="http://schemas.microsoft.com/office/drawing/2014/main" val="649816840"/>
+                  </a:ext>
+                </a:extLst>
+              </a:tr>
+              <a:tr h="370840">
+                <a:tc>
+                  <a:txBody>
+                    <a:bodyPr/>
+                    <a:lstStyle/>
+                    <a:p>
+                      <a:endParaRPr lang="es-MX" sz="1300" dirty="0"/>
+                    </a:p>
+                  </a:txBody>
+                  <a:tcPr>
+                    <a:lnL w="6350" cap="flat" cmpd="sng" algn="ctr">
+                      <a:solidFill>
+                        <a:schemeClr val="tx1"/>
+                      </a:solidFill>
+                      <a:prstDash val="solid"/>
+                      <a:round/>
+                      <a:headEnd type="none" w="med" len="med"/>
+                      <a:tailEnd type="none" w="med" len="med"/>
+                    </a:lnL>
+                    <a:lnR w="6350" cap="flat" cmpd="sng" algn="ctr">
+                      <a:solidFill>
+                        <a:schemeClr val="tx1"/>
+                      </a:solidFill>
+                      <a:prstDash val="solid"/>
+                      <a:round/>
+                      <a:headEnd type="none" w="med" len="med"/>
+                      <a:tailEnd type="none" w="med" len="med"/>
+                    </a:lnR>
+                    <a:lnT w="6350" cap="flat" cmpd="sng" algn="ctr">
+                      <a:solidFill>
+                        <a:schemeClr val="tx1"/>
+                      </a:solidFill>
+                      <a:prstDash val="solid"/>
+                      <a:round/>
+                      <a:headEnd type="none" w="med" len="med"/>
+                      <a:tailEnd type="none" w="med" len="med"/>
+                    </a:lnT>
+                    <a:lnB w="6350" cap="flat" cmpd="sng" algn="ctr">
+                      <a:solidFill>
+                        <a:schemeClr val="tx1"/>
+                      </a:solidFill>
+                      <a:prstDash val="solid"/>
+                      <a:round/>
+                      <a:headEnd type="none" w="med" len="med"/>
+                      <a:tailEnd type="none" w="med" len="med"/>
+                    </a:lnB>
+                    <a:solidFill>
+                      <a:schemeClr val="bg1">
+                        <a:lumMod val="85000"/>
+                      </a:schemeClr>
+                    </a:solidFill>
+                  </a:tcPr>
+                </a:tc>
+                <a:tc>
+                  <a:txBody>
+                    <a:bodyPr/>
+                    <a:lstStyle/>
+                    <a:p>
+                      <a:endParaRPr lang="es-MX" sz="1300" dirty="0"/>
+                    </a:p>
+                  </a:txBody>
+                  <a:tcPr>
+                    <a:lnL w="6350" cap="flat" cmpd="sng" algn="ctr">
+                      <a:solidFill>
+                        <a:schemeClr val="tx1"/>
+                      </a:solidFill>
+                      <a:prstDash val="solid"/>
+                      <a:round/>
+                      <a:headEnd type="none" w="med" len="med"/>
+                      <a:tailEnd type="none" w="med" len="med"/>
+                    </a:lnL>
+                    <a:lnR w="6350" cap="flat" cmpd="sng" algn="ctr">
+                      <a:solidFill>
+                        <a:schemeClr val="tx1"/>
+                      </a:solidFill>
+                      <a:prstDash val="solid"/>
+                      <a:round/>
+                      <a:headEnd type="none" w="med" len="med"/>
+                      <a:tailEnd type="none" w="med" len="med"/>
+                    </a:lnR>
+                    <a:lnT w="6350" cap="flat" cmpd="sng" algn="ctr">
+                      <a:solidFill>
+                        <a:schemeClr val="tx1"/>
+                      </a:solidFill>
+                      <a:prstDash val="solid"/>
+                      <a:round/>
+                      <a:headEnd type="none" w="med" len="med"/>
+                      <a:tailEnd type="none" w="med" len="med"/>
+                    </a:lnT>
+                    <a:lnB w="6350" cap="flat" cmpd="sng" algn="ctr">
+                      <a:solidFill>
+                        <a:schemeClr val="tx1"/>
+                      </a:solidFill>
+                      <a:prstDash val="solid"/>
+                      <a:round/>
+                      <a:headEnd type="none" w="med" len="med"/>
+                      <a:tailEnd type="none" w="med" len="med"/>
+                    </a:lnB>
+                    <a:solidFill>
+                      <a:schemeClr val="bg1">
+                        <a:lumMod val="85000"/>
+                      </a:schemeClr>
+                    </a:solidFill>
+                  </a:tcPr>
+                </a:tc>
+                <a:tc>
+                  <a:txBody>
+                    <a:bodyPr/>
+                    <a:lstStyle/>
+                    <a:p>
+                      <a:endParaRPr lang="es-MX" sz="1300" dirty="0"/>
+                    </a:p>
+                  </a:txBody>
+                  <a:tcPr>
+                    <a:lnL w="6350" cap="flat" cmpd="sng" algn="ctr">
+                      <a:solidFill>
+                        <a:schemeClr val="tx1"/>
+                      </a:solidFill>
+                      <a:prstDash val="solid"/>
+                      <a:round/>
+                      <a:headEnd type="none" w="med" len="med"/>
+                      <a:tailEnd type="none" w="med" len="med"/>
+                    </a:lnL>
+                    <a:lnR w="6350" cap="flat" cmpd="sng" algn="ctr">
+                      <a:solidFill>
+                        <a:schemeClr val="tx1"/>
+                      </a:solidFill>
+                      <a:prstDash val="solid"/>
+                      <a:round/>
+                      <a:headEnd type="none" w="med" len="med"/>
+                      <a:tailEnd type="none" w="med" len="med"/>
+                    </a:lnR>
+                    <a:lnT w="6350" cap="flat" cmpd="sng" algn="ctr">
+                      <a:solidFill>
+                        <a:schemeClr val="tx1"/>
+                      </a:solidFill>
+                      <a:prstDash val="solid"/>
+                      <a:round/>
+                      <a:headEnd type="none" w="med" len="med"/>
+                      <a:tailEnd type="none" w="med" len="med"/>
+                    </a:lnT>
+                    <a:lnB w="6350" cap="flat" cmpd="sng" algn="ctr">
+                      <a:solidFill>
+                        <a:schemeClr val="tx1"/>
+                      </a:solidFill>
+                      <a:prstDash val="solid"/>
+                      <a:round/>
+                      <a:headEnd type="none" w="med" len="med"/>
+                      <a:tailEnd type="none" w="med" len="med"/>
+                    </a:lnB>
+                    <a:solidFill>
+                      <a:schemeClr val="bg1">
+                        <a:lumMod val="85000"/>
+                      </a:schemeClr>
+                    </a:solidFill>
+                  </a:tcPr>
+                </a:tc>
+                <a:tc>
+                  <a:txBody>
+                    <a:bodyPr/>
+                    <a:lstStyle/>
+                    <a:p>
+                      <a:endParaRPr lang="es-MX" sz="1300" dirty="0"/>
+                    </a:p>
+                  </a:txBody>
+                  <a:tcPr>
+                    <a:lnL w="6350" cap="flat" cmpd="sng" algn="ctr">
+                      <a:solidFill>
+                        <a:schemeClr val="tx1"/>
+                      </a:solidFill>
+                      <a:prstDash val="solid"/>
+                      <a:round/>
+                      <a:headEnd type="none" w="med" len="med"/>
+                      <a:tailEnd type="none" w="med" len="med"/>
+                    </a:lnL>
+                    <a:lnR w="6350" cap="flat" cmpd="sng" algn="ctr">
+                      <a:solidFill>
+                        <a:schemeClr val="tx1"/>
+                      </a:solidFill>
+                      <a:prstDash val="solid"/>
+                      <a:round/>
+                      <a:headEnd type="none" w="med" len="med"/>
+                      <a:tailEnd type="none" w="med" len="med"/>
+                    </a:lnR>
+                    <a:lnT w="6350" cap="flat" cmpd="sng" algn="ctr">
+                      <a:solidFill>
+                        <a:schemeClr val="tx1"/>
+                      </a:solidFill>
+                      <a:prstDash val="solid"/>
+                      <a:round/>
+                      <a:headEnd type="none" w="med" len="med"/>
+                      <a:tailEnd type="none" w="med" len="med"/>
+                    </a:lnT>
+                    <a:lnB w="6350" cap="flat" cmpd="sng" algn="ctr">
+                      <a:solidFill>
+                        <a:schemeClr val="tx1"/>
+                      </a:solidFill>
+                      <a:prstDash val="solid"/>
+                      <a:round/>
+                      <a:headEnd type="none" w="med" len="med"/>
+                      <a:tailEnd type="none" w="med" len="med"/>
+                    </a:lnB>
+                    <a:solidFill>
+                      <a:schemeClr val="bg1">
+                        <a:lumMod val="85000"/>
+                      </a:schemeClr>
+                    </a:solidFill>
+                  </a:tcPr>
+                </a:tc>
+                <a:tc>
+                  <a:txBody>
+                    <a:bodyPr/>
+                    <a:lstStyle/>
+                    <a:p>
+                      <a:endParaRPr lang="es-MX" sz="1300" dirty="0"/>
+                    </a:p>
+                  </a:txBody>
+                  <a:tcPr>
+                    <a:lnL w="6350" cap="flat" cmpd="sng" algn="ctr">
+                      <a:solidFill>
+                        <a:schemeClr val="tx1"/>
+                      </a:solidFill>
+                      <a:prstDash val="solid"/>
+                      <a:round/>
+                      <a:headEnd type="none" w="med" len="med"/>
+                      <a:tailEnd type="none" w="med" len="med"/>
+                    </a:lnL>
+                    <a:lnR w="6350" cap="flat" cmpd="sng" algn="ctr">
+                      <a:solidFill>
+                        <a:schemeClr val="tx1"/>
+                      </a:solidFill>
+                      <a:prstDash val="solid"/>
+                      <a:round/>
+                      <a:headEnd type="none" w="med" len="med"/>
+                      <a:tailEnd type="none" w="med" len="med"/>
+                    </a:lnR>
+                    <a:lnT w="6350" cap="flat" cmpd="sng" algn="ctr">
+                      <a:solidFill>
+                        <a:schemeClr val="tx1"/>
+                      </a:solidFill>
+                      <a:prstDash val="solid"/>
+                      <a:round/>
+                      <a:headEnd type="none" w="med" len="med"/>
+                      <a:tailEnd type="none" w="med" len="med"/>
+                    </a:lnT>
+                    <a:lnB w="6350" cap="flat" cmpd="sng" algn="ctr">
+                      <a:solidFill>
+                        <a:schemeClr val="tx1"/>
+                      </a:solidFill>
+                      <a:prstDash val="solid"/>
+                      <a:round/>
+                      <a:headEnd type="none" w="med" len="med"/>
+                      <a:tailEnd type="none" w="med" len="med"/>
+                    </a:lnB>
+                    <a:solidFill>
+                      <a:schemeClr val="bg1">
+                        <a:lumMod val="85000"/>
+                      </a:schemeClr>
+                    </a:solidFill>
+                  </a:tcPr>
+                </a:tc>
+                <a:tc>
+                  <a:txBody>
+                    <a:bodyPr/>
+                    <a:lstStyle/>
+                    <a:p>
+                      <a:endParaRPr lang="es-MX" sz="1300" dirty="0"/>
+                    </a:p>
+                  </a:txBody>
+                  <a:tcPr>
+                    <a:lnL w="6350" cap="flat" cmpd="sng" algn="ctr">
+                      <a:solidFill>
+                        <a:schemeClr val="tx1"/>
+                      </a:solidFill>
+                      <a:prstDash val="solid"/>
+                      <a:round/>
+                      <a:headEnd type="none" w="med" len="med"/>
+                      <a:tailEnd type="none" w="med" len="med"/>
+                    </a:lnL>
+                    <a:lnR w="6350" cap="flat" cmpd="sng" algn="ctr">
+                      <a:solidFill>
+                        <a:schemeClr val="tx1"/>
+                      </a:solidFill>
+                      <a:prstDash val="solid"/>
+                      <a:round/>
+                      <a:headEnd type="none" w="med" len="med"/>
+                      <a:tailEnd type="none" w="med" len="med"/>
+                    </a:lnR>
+                    <a:lnT w="6350" cap="flat" cmpd="sng" algn="ctr">
+                      <a:solidFill>
+                        <a:schemeClr val="tx1"/>
+                      </a:solidFill>
+                      <a:prstDash val="solid"/>
+                      <a:round/>
+                      <a:headEnd type="none" w="med" len="med"/>
+                      <a:tailEnd type="none" w="med" len="med"/>
+                    </a:lnT>
+                    <a:lnB w="6350" cap="flat" cmpd="sng" algn="ctr">
+                      <a:solidFill>
+                        <a:schemeClr val="tx1"/>
+                      </a:solidFill>
+                      <a:prstDash val="solid"/>
+                      <a:round/>
+                      <a:headEnd type="none" w="med" len="med"/>
+                      <a:tailEnd type="none" w="med" len="med"/>
+                    </a:lnB>
+                    <a:solidFill>
+                      <a:schemeClr val="bg1">
+                        <a:lumMod val="85000"/>
+                      </a:schemeClr>
+                    </a:solidFill>
+                  </a:tcPr>
+                </a:tc>
+                <a:tc>
+                  <a:txBody>
+                    <a:bodyPr/>
+                    <a:lstStyle/>
+                    <a:p>
+                      <a:pPr marL="0" marR="0" lvl="0" indent="0" algn="l" defTabSz="914400" rtl="0" eaLnBrk="1" fontAlgn="auto" latinLnBrk="0" hangingPunct="1">
+                        <a:lnSpc>
+                          <a:spcPct val="100000"/>
+                        </a:lnSpc>
+                        <a:spcBef>
+                          <a:spcPts val="0"/>
+                        </a:spcBef>
+                        <a:spcAft>
+                          <a:spcPts val="0"/>
+                        </a:spcAft>
+                        <a:buClr>
+                          <a:srgbClr val="000000"/>
+                        </a:buClr>
+                        <a:buSzTx/>
+                        <a:buFont typeface="Arial"/>
+                        <a:buNone/>
+                        <a:tabLst/>
+                        <a:defRPr/>
+                      </a:pPr>
+                      <a:endParaRPr lang="es-MX" sz="1400" dirty="0"/>
+                    </a:p>
+                  </a:txBody>
+                  <a:tcPr>
+                    <a:lnL w="6350" cap="flat" cmpd="sng" algn="ctr">
+                      <a:solidFill>
+                        <a:schemeClr val="tx1"/>
+                      </a:solidFill>
+                      <a:prstDash val="solid"/>
+                      <a:round/>
+                      <a:headEnd type="none" w="med" len="med"/>
+                      <a:tailEnd type="none" w="med" len="med"/>
+                    </a:lnL>
+                    <a:lnR w="6350" cap="flat" cmpd="sng" algn="ctr">
+                      <a:solidFill>
+                        <a:schemeClr val="tx1"/>
+                      </a:solidFill>
+                      <a:prstDash val="solid"/>
+                      <a:round/>
+                      <a:headEnd type="none" w="med" len="med"/>
+                      <a:tailEnd type="none" w="med" len="med"/>
+                    </a:lnR>
+                    <a:lnT w="6350" cap="flat" cmpd="sng" algn="ctr">
+                      <a:solidFill>
+                        <a:schemeClr val="tx1"/>
+                      </a:solidFill>
+                      <a:prstDash val="solid"/>
+                      <a:round/>
+                      <a:headEnd type="none" w="med" len="med"/>
+                      <a:tailEnd type="none" w="med" len="med"/>
+                    </a:lnT>
+                    <a:lnB w="6350" cap="flat" cmpd="sng" algn="ctr">
+                      <a:solidFill>
+                        <a:schemeClr val="tx1"/>
+                      </a:solidFill>
+                      <a:prstDash val="solid"/>
+                      <a:round/>
+                      <a:headEnd type="none" w="med" len="med"/>
+                      <a:tailEnd type="none" w="med" len="med"/>
+                    </a:lnB>
+                    <a:solidFill>
+                      <a:schemeClr val="bg1">
+                        <a:lumMod val="85000"/>
+                      </a:schemeClr>
+                    </a:solidFill>
+                  </a:tcPr>
+                </a:tc>
+                <a:extLst>
+                  <a:ext uri="{0D108BD9-81ED-4DB2-BD59-A6C34878D82A}">
+                    <a16:rowId xmlns:a16="http://schemas.microsoft.com/office/drawing/2014/main" val="98873745"/>
+                  </a:ext>
+                </a:extLst>
+              </a:tr>
+              <a:tr h="370840">
+                <a:tc>
+                  <a:txBody>
+                    <a:bodyPr/>
+                    <a:lstStyle/>
+                    <a:p>
+                      <a:endParaRPr lang="es-MX" sz="1300" dirty="0"/>
+                    </a:p>
+                  </a:txBody>
+                  <a:tcPr>
+                    <a:lnL w="6350" cap="flat" cmpd="sng" algn="ctr">
+                      <a:solidFill>
+                        <a:schemeClr val="tx1"/>
+                      </a:solidFill>
+                      <a:prstDash val="solid"/>
+                      <a:round/>
+                      <a:headEnd type="none" w="med" len="med"/>
+                      <a:tailEnd type="none" w="med" len="med"/>
+                    </a:lnL>
+                    <a:lnR w="6350" cap="flat" cmpd="sng" algn="ctr">
+                      <a:solidFill>
+                        <a:schemeClr val="tx1"/>
+                      </a:solidFill>
+                      <a:prstDash val="solid"/>
+                      <a:round/>
+                      <a:headEnd type="none" w="med" len="med"/>
+                      <a:tailEnd type="none" w="med" len="med"/>
+                    </a:lnR>
+                    <a:lnT w="6350" cap="flat" cmpd="sng" algn="ctr">
+                      <a:solidFill>
+                        <a:schemeClr val="tx1"/>
+                      </a:solidFill>
+                      <a:prstDash val="solid"/>
+                      <a:round/>
+                      <a:headEnd type="none" w="med" len="med"/>
+                      <a:tailEnd type="none" w="med" len="med"/>
+                    </a:lnT>
+                    <a:lnB w="6350" cap="flat" cmpd="sng" algn="ctr">
+                      <a:solidFill>
+                        <a:schemeClr val="tx1"/>
+                      </a:solidFill>
+                      <a:prstDash val="solid"/>
+                      <a:round/>
+                      <a:headEnd type="none" w="med" len="med"/>
+                      <a:tailEnd type="none" w="med" len="med"/>
+                    </a:lnB>
+                    <a:solidFill>
+                      <a:schemeClr val="bg1">
+                        <a:lumMod val="85000"/>
+                      </a:schemeClr>
+                    </a:solidFill>
+                  </a:tcPr>
+                </a:tc>
+                <a:tc>
+                  <a:txBody>
+                    <a:bodyPr/>
+                    <a:lstStyle/>
+                    <a:p>
+                      <a:endParaRPr lang="es-MX" sz="1300" dirty="0"/>
+                    </a:p>
+                  </a:txBody>
+                  <a:tcPr>
+                    <a:lnL w="6350" cap="flat" cmpd="sng" algn="ctr">
+                      <a:solidFill>
+                        <a:schemeClr val="tx1"/>
+                      </a:solidFill>
+                      <a:prstDash val="solid"/>
+                      <a:round/>
+                      <a:headEnd type="none" w="med" len="med"/>
+                      <a:tailEnd type="none" w="med" len="med"/>
+                    </a:lnL>
+                    <a:lnR w="6350" cap="flat" cmpd="sng" algn="ctr">
+                      <a:solidFill>
+                        <a:schemeClr val="tx1"/>
+                      </a:solidFill>
+                      <a:prstDash val="solid"/>
+                      <a:round/>
+                      <a:headEnd type="none" w="med" len="med"/>
+                      <a:tailEnd type="none" w="med" len="med"/>
+                    </a:lnR>
+                    <a:lnT w="6350" cap="flat" cmpd="sng" algn="ctr">
+                      <a:solidFill>
+                        <a:schemeClr val="tx1"/>
+                      </a:solidFill>
+                      <a:prstDash val="solid"/>
+                      <a:round/>
+                      <a:headEnd type="none" w="med" len="med"/>
+                      <a:tailEnd type="none" w="med" len="med"/>
+                    </a:lnT>
+                    <a:lnB w="6350" cap="flat" cmpd="sng" algn="ctr">
+                      <a:solidFill>
+                        <a:schemeClr val="tx1"/>
+                      </a:solidFill>
+                      <a:prstDash val="solid"/>
+                      <a:round/>
+                      <a:headEnd type="none" w="med" len="med"/>
+                      <a:tailEnd type="none" w="med" len="med"/>
+                    </a:lnB>
+                    <a:solidFill>
+                      <a:schemeClr val="bg1">
+                        <a:lumMod val="85000"/>
+                      </a:schemeClr>
+                    </a:solidFill>
+                  </a:tcPr>
+                </a:tc>
+                <a:tc>
+                  <a:txBody>
+                    <a:bodyPr/>
+                    <a:lstStyle/>
+                    <a:p>
+                      <a:endParaRPr lang="es-MX" sz="1300" dirty="0"/>
+                    </a:p>
+                  </a:txBody>
+                  <a:tcPr>
+                    <a:lnL w="6350" cap="flat" cmpd="sng" algn="ctr">
+                      <a:solidFill>
+                        <a:schemeClr val="tx1"/>
+                      </a:solidFill>
+                      <a:prstDash val="solid"/>
+                      <a:round/>
+                      <a:headEnd type="none" w="med" len="med"/>
+                      <a:tailEnd type="none" w="med" len="med"/>
+                    </a:lnL>
+                    <a:lnR w="6350" cap="flat" cmpd="sng" algn="ctr">
+                      <a:solidFill>
+                        <a:schemeClr val="tx1"/>
+                      </a:solidFill>
+                      <a:prstDash val="solid"/>
+                      <a:round/>
+                      <a:headEnd type="none" w="med" len="med"/>
+                      <a:tailEnd type="none" w="med" len="med"/>
+                    </a:lnR>
+                    <a:lnT w="6350" cap="flat" cmpd="sng" algn="ctr">
+                      <a:solidFill>
+                        <a:schemeClr val="tx1"/>
+                      </a:solidFill>
+                      <a:prstDash val="solid"/>
+                      <a:round/>
+                      <a:headEnd type="none" w="med" len="med"/>
+                      <a:tailEnd type="none" w="med" len="med"/>
+                    </a:lnT>
+                    <a:lnB w="6350" cap="flat" cmpd="sng" algn="ctr">
+                      <a:solidFill>
+                        <a:schemeClr val="tx1"/>
+                      </a:solidFill>
+                      <a:prstDash val="solid"/>
+                      <a:round/>
+                      <a:headEnd type="none" w="med" len="med"/>
+                      <a:tailEnd type="none" w="med" len="med"/>
+                    </a:lnB>
+                    <a:solidFill>
+                      <a:schemeClr val="bg1">
+                        <a:lumMod val="85000"/>
+                      </a:schemeClr>
+                    </a:solidFill>
+                  </a:tcPr>
+                </a:tc>
+                <a:tc>
+                  <a:txBody>
+                    <a:bodyPr/>
+                    <a:lstStyle/>
+                    <a:p>
+                      <a:endParaRPr lang="es-MX" sz="1300" dirty="0"/>
+                    </a:p>
+                  </a:txBody>
+                  <a:tcPr>
+                    <a:lnL w="6350" cap="flat" cmpd="sng" algn="ctr">
+                      <a:solidFill>
+                        <a:schemeClr val="tx1"/>
+                      </a:solidFill>
+                      <a:prstDash val="solid"/>
+                      <a:round/>
+                      <a:headEnd type="none" w="med" len="med"/>
+                      <a:tailEnd type="none" w="med" len="med"/>
+                    </a:lnL>
+                    <a:lnR w="6350" cap="flat" cmpd="sng" algn="ctr">
+                      <a:solidFill>
+                        <a:schemeClr val="tx1"/>
+                      </a:solidFill>
+                      <a:prstDash val="solid"/>
+                      <a:round/>
+                      <a:headEnd type="none" w="med" len="med"/>
+                      <a:tailEnd type="none" w="med" len="med"/>
+                    </a:lnR>
+                    <a:lnT w="6350" cap="flat" cmpd="sng" algn="ctr">
+                      <a:solidFill>
+                        <a:schemeClr val="tx1"/>
+                      </a:solidFill>
+                      <a:prstDash val="solid"/>
+                      <a:round/>
+                      <a:headEnd type="none" w="med" len="med"/>
+                      <a:tailEnd type="none" w="med" len="med"/>
+                    </a:lnT>
+                    <a:lnB w="6350" cap="flat" cmpd="sng" algn="ctr">
+                      <a:solidFill>
+                        <a:schemeClr val="tx1"/>
+                      </a:solidFill>
+                      <a:prstDash val="solid"/>
+                      <a:round/>
+                      <a:headEnd type="none" w="med" len="med"/>
+                      <a:tailEnd type="none" w="med" len="med"/>
+                    </a:lnB>
+                    <a:solidFill>
+                      <a:schemeClr val="bg1">
+                        <a:lumMod val="85000"/>
+                      </a:schemeClr>
+                    </a:solidFill>
+                  </a:tcPr>
+                </a:tc>
+                <a:tc>
+                  <a:txBody>
+                    <a:bodyPr/>
+                    <a:lstStyle/>
+                    <a:p>
+                      <a:endParaRPr lang="es-MX" sz="1300" dirty="0"/>
+                    </a:p>
+                  </a:txBody>
+                  <a:tcPr>
+                    <a:lnL w="6350" cap="flat" cmpd="sng" algn="ctr">
+                      <a:solidFill>
+                        <a:schemeClr val="tx1"/>
+                      </a:solidFill>
+                      <a:prstDash val="solid"/>
+                      <a:round/>
+                      <a:headEnd type="none" w="med" len="med"/>
+                      <a:tailEnd type="none" w="med" len="med"/>
+                    </a:lnL>
+                    <a:lnR w="6350" cap="flat" cmpd="sng" algn="ctr">
+                      <a:solidFill>
+                        <a:schemeClr val="tx1"/>
+                      </a:solidFill>
+                      <a:prstDash val="solid"/>
+                      <a:round/>
+                      <a:headEnd type="none" w="med" len="med"/>
+                      <a:tailEnd type="none" w="med" len="med"/>
+                    </a:lnR>
+                    <a:lnT w="6350" cap="flat" cmpd="sng" algn="ctr">
+                      <a:solidFill>
+                        <a:schemeClr val="tx1"/>
+                      </a:solidFill>
+                      <a:prstDash val="solid"/>
+                      <a:round/>
+                      <a:headEnd type="none" w="med" len="med"/>
+                      <a:tailEnd type="none" w="med" len="med"/>
+                    </a:lnT>
+                    <a:lnB w="6350" cap="flat" cmpd="sng" algn="ctr">
+                      <a:solidFill>
+                        <a:schemeClr val="tx1"/>
+                      </a:solidFill>
+                      <a:prstDash val="solid"/>
+                      <a:round/>
+                      <a:headEnd type="none" w="med" len="med"/>
+                      <a:tailEnd type="none" w="med" len="med"/>
+                    </a:lnB>
+                    <a:solidFill>
+                      <a:schemeClr val="bg1">
+                        <a:lumMod val="85000"/>
+                      </a:schemeClr>
+                    </a:solidFill>
+                  </a:tcPr>
+                </a:tc>
+                <a:tc>
+                  <a:txBody>
+                    <a:bodyPr/>
+                    <a:lstStyle/>
+                    <a:p>
+                      <a:endParaRPr lang="es-MX" sz="1300" dirty="0"/>
+                    </a:p>
+                  </a:txBody>
+                  <a:tcPr>
+                    <a:lnL w="6350" cap="flat" cmpd="sng" algn="ctr">
+                      <a:solidFill>
+                        <a:schemeClr val="tx1"/>
+                      </a:solidFill>
+                      <a:prstDash val="solid"/>
+                      <a:round/>
+                      <a:headEnd type="none" w="med" len="med"/>
+                      <a:tailEnd type="none" w="med" len="med"/>
+                    </a:lnL>
+                    <a:lnR w="6350" cap="flat" cmpd="sng" algn="ctr">
+                      <a:solidFill>
+                        <a:schemeClr val="tx1"/>
+                      </a:solidFill>
+                      <a:prstDash val="solid"/>
+                      <a:round/>
+                      <a:headEnd type="none" w="med" len="med"/>
+                      <a:tailEnd type="none" w="med" len="med"/>
+                    </a:lnR>
+                    <a:lnT w="6350" cap="flat" cmpd="sng" algn="ctr">
+                      <a:solidFill>
+                        <a:schemeClr val="tx1"/>
+                      </a:solidFill>
+                      <a:prstDash val="solid"/>
+                      <a:round/>
+                      <a:headEnd type="none" w="med" len="med"/>
+                      <a:tailEnd type="none" w="med" len="med"/>
+                    </a:lnT>
+                    <a:lnB w="6350" cap="flat" cmpd="sng" algn="ctr">
+                      <a:solidFill>
+                        <a:schemeClr val="tx1"/>
+                      </a:solidFill>
+                      <a:prstDash val="solid"/>
+                      <a:round/>
+                      <a:headEnd type="none" w="med" len="med"/>
+                      <a:tailEnd type="none" w="med" len="med"/>
+                    </a:lnB>
+                    <a:solidFill>
+                      <a:schemeClr val="bg1">
+                        <a:lumMod val="85000"/>
+                      </a:schemeClr>
+                    </a:solidFill>
+                  </a:tcPr>
+                </a:tc>
+                <a:tc>
+                  <a:txBody>
+                    <a:bodyPr/>
+                    <a:lstStyle/>
+                    <a:p>
+                      <a:pPr marL="0" marR="0" lvl="0" indent="0" algn="l" defTabSz="914400" rtl="0" eaLnBrk="1" fontAlgn="auto" latinLnBrk="0" hangingPunct="1">
+                        <a:lnSpc>
+                          <a:spcPct val="100000"/>
+                        </a:lnSpc>
+                        <a:spcBef>
+                          <a:spcPts val="0"/>
+                        </a:spcBef>
+                        <a:spcAft>
+                          <a:spcPts val="0"/>
+                        </a:spcAft>
+                        <a:buClr>
+                          <a:srgbClr val="000000"/>
+                        </a:buClr>
+                        <a:buSzTx/>
+                        <a:buFont typeface="Arial"/>
+                        <a:buNone/>
+                        <a:tabLst/>
+                        <a:defRPr/>
+                      </a:pPr>
+                      <a:endParaRPr lang="es-MX" sz="1400" dirty="0"/>
+                    </a:p>
+                  </a:txBody>
+                  <a:tcPr>
+                    <a:lnL w="6350" cap="flat" cmpd="sng" algn="ctr">
+                      <a:solidFill>
+                        <a:schemeClr val="tx1"/>
+                      </a:solidFill>
+                      <a:prstDash val="solid"/>
+                      <a:round/>
+                      <a:headEnd type="none" w="med" len="med"/>
+                      <a:tailEnd type="none" w="med" len="med"/>
+                    </a:lnL>
+                    <a:lnR w="6350" cap="flat" cmpd="sng" algn="ctr">
+                      <a:solidFill>
+                        <a:schemeClr val="tx1"/>
+                      </a:solidFill>
+                      <a:prstDash val="solid"/>
+                      <a:round/>
+                      <a:headEnd type="none" w="med" len="med"/>
+                      <a:tailEnd type="none" w="med" len="med"/>
+                    </a:lnR>
+                    <a:lnT w="6350" cap="flat" cmpd="sng" algn="ctr">
+                      <a:solidFill>
+                        <a:schemeClr val="tx1"/>
+                      </a:solidFill>
+                      <a:prstDash val="solid"/>
+                      <a:round/>
+                      <a:headEnd type="none" w="med" len="med"/>
+                      <a:tailEnd type="none" w="med" len="med"/>
+                    </a:lnT>
+                    <a:lnB w="6350" cap="flat" cmpd="sng" algn="ctr">
+                      <a:solidFill>
+                        <a:schemeClr val="tx1"/>
+                      </a:solidFill>
+                      <a:prstDash val="solid"/>
+                      <a:round/>
+                      <a:headEnd type="none" w="med" len="med"/>
+                      <a:tailEnd type="none" w="med" len="med"/>
+                    </a:lnB>
+                    <a:solidFill>
+                      <a:schemeClr val="bg1">
+                        <a:lumMod val="85000"/>
+                      </a:schemeClr>
+                    </a:solidFill>
+                  </a:tcPr>
+                </a:tc>
+                <a:extLst>
+                  <a:ext uri="{0D108BD9-81ED-4DB2-BD59-A6C34878D82A}">
+                    <a16:rowId xmlns:a16="http://schemas.microsoft.com/office/drawing/2014/main" val="3855316104"/>
+                  </a:ext>
+                </a:extLst>
+              </a:tr>
+              <a:tr h="370840">
+                <a:tc>
+                  <a:txBody>
+                    <a:bodyPr/>
+                    <a:lstStyle/>
+                    <a:p>
+                      <a:endParaRPr lang="es-MX"/>
+                    </a:p>
+                  </a:txBody>
+                  <a:tcPr>
+                    <a:lnL w="6350" cap="flat" cmpd="sng" algn="ctr">
+                      <a:solidFill>
+                        <a:schemeClr val="tx1"/>
+                      </a:solidFill>
+                      <a:prstDash val="solid"/>
+                      <a:round/>
+                      <a:headEnd type="none" w="med" len="med"/>
+                      <a:tailEnd type="none" w="med" len="med"/>
+                    </a:lnL>
+                    <a:lnR w="6350" cap="flat" cmpd="sng" algn="ctr">
+                      <a:solidFill>
+                        <a:schemeClr val="tx1"/>
+                      </a:solidFill>
+                      <a:prstDash val="solid"/>
+                      <a:round/>
+                      <a:headEnd type="none" w="med" len="med"/>
+                      <a:tailEnd type="none" w="med" len="med"/>
+                    </a:lnR>
+                    <a:lnT w="6350" cap="flat" cmpd="sng" algn="ctr">
+                      <a:solidFill>
+                        <a:schemeClr val="tx1"/>
+                      </a:solidFill>
+                      <a:prstDash val="solid"/>
+                      <a:round/>
+                      <a:headEnd type="none" w="med" len="med"/>
+                      <a:tailEnd type="none" w="med" len="med"/>
+                    </a:lnT>
+                    <a:lnB w="6350" cap="flat" cmpd="sng" algn="ctr">
+                      <a:solidFill>
+                        <a:schemeClr val="tx1"/>
+                      </a:solidFill>
+                      <a:prstDash val="solid"/>
+                      <a:round/>
+                      <a:headEnd type="none" w="med" len="med"/>
+                      <a:tailEnd type="none" w="med" len="med"/>
+                    </a:lnB>
+                    <a:solidFill>
+                      <a:schemeClr val="bg1">
+                        <a:lumMod val="85000"/>
+                      </a:schemeClr>
+                    </a:solidFill>
+                  </a:tcPr>
+                </a:tc>
+                <a:tc>
+                  <a:txBody>
+                    <a:bodyPr/>
+                    <a:lstStyle/>
+                    <a:p>
+                      <a:endParaRPr lang="es-MX"/>
+                    </a:p>
+                  </a:txBody>
+                  <a:tcPr>
+                    <a:lnL w="6350" cap="flat" cmpd="sng" algn="ctr">
+                      <a:solidFill>
+                        <a:schemeClr val="tx1"/>
+                      </a:solidFill>
+                      <a:prstDash val="solid"/>
+                      <a:round/>
+                      <a:headEnd type="none" w="med" len="med"/>
+                      <a:tailEnd type="none" w="med" len="med"/>
+                    </a:lnL>
+                    <a:lnR w="6350" cap="flat" cmpd="sng" algn="ctr">
+                      <a:solidFill>
+                        <a:schemeClr val="tx1"/>
+                      </a:solidFill>
+                      <a:prstDash val="solid"/>
+                      <a:round/>
+                      <a:headEnd type="none" w="med" len="med"/>
+                      <a:tailEnd type="none" w="med" len="med"/>
+                    </a:lnR>
+                    <a:lnT w="6350" cap="flat" cmpd="sng" algn="ctr">
+                      <a:solidFill>
+                        <a:schemeClr val="tx1"/>
+                      </a:solidFill>
+                      <a:prstDash val="solid"/>
+                      <a:round/>
+                      <a:headEnd type="none" w="med" len="med"/>
+                      <a:tailEnd type="none" w="med" len="med"/>
+                    </a:lnT>
+                    <a:lnB w="6350" cap="flat" cmpd="sng" algn="ctr">
+                      <a:solidFill>
+                        <a:schemeClr val="tx1"/>
+                      </a:solidFill>
+                      <a:prstDash val="solid"/>
+                      <a:round/>
+                      <a:headEnd type="none" w="med" len="med"/>
+                      <a:tailEnd type="none" w="med" len="med"/>
+                    </a:lnB>
+                    <a:solidFill>
+                      <a:schemeClr val="bg1">
+                        <a:lumMod val="85000"/>
+                      </a:schemeClr>
+                    </a:solidFill>
+                  </a:tcPr>
+                </a:tc>
+                <a:tc>
+                  <a:txBody>
+                    <a:bodyPr/>
+                    <a:lstStyle/>
+                    <a:p>
+                      <a:endParaRPr lang="es-MX"/>
+                    </a:p>
+                  </a:txBody>
+                  <a:tcPr>
+                    <a:lnL w="6350" cap="flat" cmpd="sng" algn="ctr">
+                      <a:solidFill>
+                        <a:schemeClr val="tx1"/>
+                      </a:solidFill>
+                      <a:prstDash val="solid"/>
+                      <a:round/>
+                      <a:headEnd type="none" w="med" len="med"/>
+                      <a:tailEnd type="none" w="med" len="med"/>
+                    </a:lnL>
+                    <a:lnR w="6350" cap="flat" cmpd="sng" algn="ctr">
+                      <a:solidFill>
+                        <a:schemeClr val="tx1"/>
+                      </a:solidFill>
+                      <a:prstDash val="solid"/>
+                      <a:round/>
+                      <a:headEnd type="none" w="med" len="med"/>
+                      <a:tailEnd type="none" w="med" len="med"/>
+                    </a:lnR>
+                    <a:lnT w="6350" cap="flat" cmpd="sng" algn="ctr">
+                      <a:solidFill>
+                        <a:schemeClr val="tx1"/>
+                      </a:solidFill>
+                      <a:prstDash val="solid"/>
+                      <a:round/>
+                      <a:headEnd type="none" w="med" len="med"/>
+                      <a:tailEnd type="none" w="med" len="med"/>
+                    </a:lnT>
+                    <a:lnB w="6350" cap="flat" cmpd="sng" algn="ctr">
+                      <a:solidFill>
+                        <a:schemeClr val="tx1"/>
+                      </a:solidFill>
+                      <a:prstDash val="solid"/>
+                      <a:round/>
+                      <a:headEnd type="none" w="med" len="med"/>
+                      <a:tailEnd type="none" w="med" len="med"/>
+                    </a:lnB>
+                    <a:solidFill>
+                      <a:schemeClr val="bg1">
+                        <a:lumMod val="85000"/>
+                      </a:schemeClr>
+                    </a:solidFill>
+                  </a:tcPr>
+                </a:tc>
+                <a:tc>
+                  <a:txBody>
+                    <a:bodyPr/>
+                    <a:lstStyle/>
+                    <a:p>
+                      <a:endParaRPr lang="es-MX"/>
+                    </a:p>
+                  </a:txBody>
+                  <a:tcPr>
+                    <a:lnL w="6350" cap="flat" cmpd="sng" algn="ctr">
+                      <a:solidFill>
+                        <a:schemeClr val="tx1"/>
+                      </a:solidFill>
+                      <a:prstDash val="solid"/>
+                      <a:round/>
+                      <a:headEnd type="none" w="med" len="med"/>
+                      <a:tailEnd type="none" w="med" len="med"/>
+                    </a:lnL>
+                    <a:lnR w="6350" cap="flat" cmpd="sng" algn="ctr">
+                      <a:solidFill>
+                        <a:schemeClr val="tx1"/>
+                      </a:solidFill>
+                      <a:prstDash val="solid"/>
+                      <a:round/>
+                      <a:headEnd type="none" w="med" len="med"/>
+                      <a:tailEnd type="none" w="med" len="med"/>
+                    </a:lnR>
+                    <a:lnT w="6350" cap="flat" cmpd="sng" algn="ctr">
+                      <a:solidFill>
+                        <a:schemeClr val="tx1"/>
+                      </a:solidFill>
+                      <a:prstDash val="solid"/>
+                      <a:round/>
+                      <a:headEnd type="none" w="med" len="med"/>
+                      <a:tailEnd type="none" w="med" len="med"/>
+                    </a:lnT>
+                    <a:lnB w="6350" cap="flat" cmpd="sng" algn="ctr">
+                      <a:solidFill>
+                        <a:schemeClr val="tx1"/>
+                      </a:solidFill>
+                      <a:prstDash val="solid"/>
+                      <a:round/>
+                      <a:headEnd type="none" w="med" len="med"/>
+                      <a:tailEnd type="none" w="med" len="med"/>
+                    </a:lnB>
+                    <a:solidFill>
+                      <a:schemeClr val="bg1">
+                        <a:lumMod val="85000"/>
+                      </a:schemeClr>
+                    </a:solidFill>
+                  </a:tcPr>
+                </a:tc>
+                <a:tc>
+                  <a:txBody>
+                    <a:bodyPr/>
+                    <a:lstStyle/>
+                    <a:p>
+                      <a:endParaRPr lang="es-MX" dirty="0"/>
+                    </a:p>
+                  </a:txBody>
+                  <a:tcPr>
+                    <a:lnL w="6350" cap="flat" cmpd="sng" algn="ctr">
+                      <a:solidFill>
+                        <a:schemeClr val="tx1"/>
+                      </a:solidFill>
+                      <a:prstDash val="solid"/>
+                      <a:round/>
+                      <a:headEnd type="none" w="med" len="med"/>
+                      <a:tailEnd type="none" w="med" len="med"/>
+                    </a:lnL>
+                    <a:lnR w="6350" cap="flat" cmpd="sng" algn="ctr">
+                      <a:solidFill>
+                        <a:schemeClr val="tx1"/>
+                      </a:solidFill>
+                      <a:prstDash val="solid"/>
+                      <a:round/>
+                      <a:headEnd type="none" w="med" len="med"/>
+                      <a:tailEnd type="none" w="med" len="med"/>
+                    </a:lnR>
+                    <a:lnT w="6350" cap="flat" cmpd="sng" algn="ctr">
+                      <a:solidFill>
+                        <a:schemeClr val="tx1"/>
+                      </a:solidFill>
+                      <a:prstDash val="solid"/>
+                      <a:round/>
+                      <a:headEnd type="none" w="med" len="med"/>
+                      <a:tailEnd type="none" w="med" len="med"/>
+                    </a:lnT>
+                    <a:lnB w="6350" cap="flat" cmpd="sng" algn="ctr">
+                      <a:solidFill>
+                        <a:schemeClr val="tx1"/>
+                      </a:solidFill>
+                      <a:prstDash val="solid"/>
+                      <a:round/>
+                      <a:headEnd type="none" w="med" len="med"/>
+                      <a:tailEnd type="none" w="med" len="med"/>
+                    </a:lnB>
+                    <a:solidFill>
+                      <a:schemeClr val="bg1">
+                        <a:lumMod val="85000"/>
+                      </a:schemeClr>
+                    </a:solidFill>
+                  </a:tcPr>
+                </a:tc>
+                <a:tc>
+                  <a:txBody>
+                    <a:bodyPr/>
+                    <a:lstStyle/>
+                    <a:p>
+                      <a:endParaRPr lang="es-MX" dirty="0"/>
+                    </a:p>
+                  </a:txBody>
+                  <a:tcPr>
+                    <a:lnL w="6350" cap="flat" cmpd="sng" algn="ctr">
+                      <a:solidFill>
+                        <a:schemeClr val="tx1"/>
+                      </a:solidFill>
+                      <a:prstDash val="solid"/>
+                      <a:round/>
+                      <a:headEnd type="none" w="med" len="med"/>
+                      <a:tailEnd type="none" w="med" len="med"/>
+                    </a:lnL>
+                    <a:lnR w="6350" cap="flat" cmpd="sng" algn="ctr">
+                      <a:solidFill>
+                        <a:schemeClr val="tx1"/>
+                      </a:solidFill>
+                      <a:prstDash val="solid"/>
+                      <a:round/>
+                      <a:headEnd type="none" w="med" len="med"/>
+                      <a:tailEnd type="none" w="med" len="med"/>
+                    </a:lnR>
+                    <a:lnT w="6350" cap="flat" cmpd="sng" algn="ctr">
+                      <a:solidFill>
+                        <a:schemeClr val="tx1"/>
+                      </a:solidFill>
+                      <a:prstDash val="solid"/>
+                      <a:round/>
+                      <a:headEnd type="none" w="med" len="med"/>
+                      <a:tailEnd type="none" w="med" len="med"/>
+                    </a:lnT>
+                    <a:lnB w="6350" cap="flat" cmpd="sng" algn="ctr">
+                      <a:solidFill>
+                        <a:schemeClr val="tx1"/>
+                      </a:solidFill>
+                      <a:prstDash val="solid"/>
+                      <a:round/>
+                      <a:headEnd type="none" w="med" len="med"/>
+                      <a:tailEnd type="none" w="med" len="med"/>
+                    </a:lnB>
+                    <a:solidFill>
+                      <a:schemeClr val="bg1">
+                        <a:lumMod val="85000"/>
+                      </a:schemeClr>
+                    </a:solidFill>
+                  </a:tcPr>
+                </a:tc>
+                <a:tc>
+                  <a:txBody>
+                    <a:bodyPr/>
+                    <a:lstStyle/>
+                    <a:p>
+                      <a:endParaRPr lang="es-MX" dirty="0"/>
+                    </a:p>
+                  </a:txBody>
+                  <a:tcPr>
+                    <a:lnL w="6350" cap="flat" cmpd="sng" algn="ctr">
+                      <a:solidFill>
+                        <a:schemeClr val="tx1"/>
+                      </a:solidFill>
+                      <a:prstDash val="solid"/>
+                      <a:round/>
+                      <a:headEnd type="none" w="med" len="med"/>
+                      <a:tailEnd type="none" w="med" len="med"/>
+                    </a:lnL>
+                    <a:lnR w="6350" cap="flat" cmpd="sng" algn="ctr">
+                      <a:solidFill>
+                        <a:schemeClr val="tx1"/>
+                      </a:solidFill>
+                      <a:prstDash val="solid"/>
+                      <a:round/>
+                      <a:headEnd type="none" w="med" len="med"/>
+                      <a:tailEnd type="none" w="med" len="med"/>
+                    </a:lnR>
+                    <a:lnT w="6350" cap="flat" cmpd="sng" algn="ctr">
+                      <a:solidFill>
+                        <a:schemeClr val="tx1"/>
+                      </a:solidFill>
+                      <a:prstDash val="solid"/>
+                      <a:round/>
+                      <a:headEnd type="none" w="med" len="med"/>
+                      <a:tailEnd type="none" w="med" len="med"/>
+                    </a:lnT>
+                    <a:lnB w="6350" cap="flat" cmpd="sng" algn="ctr">
+                      <a:solidFill>
+                        <a:schemeClr val="tx1"/>
+                      </a:solidFill>
+                      <a:prstDash val="solid"/>
+                      <a:round/>
+                      <a:headEnd type="none" w="med" len="med"/>
+                      <a:tailEnd type="none" w="med" len="med"/>
+                    </a:lnB>
+                    <a:solidFill>
+                      <a:schemeClr val="bg1">
+                        <a:lumMod val="85000"/>
+                      </a:schemeClr>
+                    </a:solidFill>
+                  </a:tcPr>
+                </a:tc>
+                <a:extLst>
+                  <a:ext uri="{0D108BD9-81ED-4DB2-BD59-A6C34878D82A}">
+                    <a16:rowId xmlns:a16="http://schemas.microsoft.com/office/drawing/2014/main" val="2018621346"/>
+                  </a:ext>
+                </a:extLst>
+              </a:tr>
+              <a:tr h="370840">
+                <a:tc>
+                  <a:txBody>
+                    <a:bodyPr/>
+                    <a:lstStyle/>
+                    <a:p>
+                      <a:endParaRPr lang="es-MX"/>
+                    </a:p>
+                  </a:txBody>
+                  <a:tcPr>
+                    <a:lnL w="6350" cap="flat" cmpd="sng" algn="ctr">
+                      <a:solidFill>
+                        <a:schemeClr val="tx1"/>
+                      </a:solidFill>
+                      <a:prstDash val="solid"/>
+                      <a:round/>
+                      <a:headEnd type="none" w="med" len="med"/>
+                      <a:tailEnd type="none" w="med" len="med"/>
+                    </a:lnL>
+                    <a:lnR w="6350" cap="flat" cmpd="sng" algn="ctr">
+                      <a:solidFill>
+                        <a:schemeClr val="tx1"/>
+                      </a:solidFill>
+                      <a:prstDash val="solid"/>
+                      <a:round/>
+                      <a:headEnd type="none" w="med" len="med"/>
+                      <a:tailEnd type="none" w="med" len="med"/>
+                    </a:lnR>
+                    <a:lnT w="6350" cap="flat" cmpd="sng" algn="ctr">
+                      <a:solidFill>
+                        <a:schemeClr val="tx1"/>
+                      </a:solidFill>
+                      <a:prstDash val="solid"/>
+                      <a:round/>
+                      <a:headEnd type="none" w="med" len="med"/>
+                      <a:tailEnd type="none" w="med" len="med"/>
+                    </a:lnT>
+                    <a:lnB w="6350" cap="flat" cmpd="sng" algn="ctr">
+                      <a:solidFill>
+                        <a:schemeClr val="tx1"/>
+                      </a:solidFill>
+                      <a:prstDash val="solid"/>
+                      <a:round/>
+                      <a:headEnd type="none" w="med" len="med"/>
+                      <a:tailEnd type="none" w="med" len="med"/>
+                    </a:lnB>
+                    <a:solidFill>
+                      <a:schemeClr val="bg1">
+                        <a:lumMod val="85000"/>
+                      </a:schemeClr>
+                    </a:solidFill>
+                  </a:tcPr>
+                </a:tc>
+                <a:tc>
+                  <a:txBody>
+                    <a:bodyPr/>
+                    <a:lstStyle/>
+                    <a:p>
+                      <a:endParaRPr lang="es-MX" dirty="0"/>
+                    </a:p>
+                  </a:txBody>
+                  <a:tcPr>
+                    <a:lnL w="6350" cap="flat" cmpd="sng" algn="ctr">
+                      <a:solidFill>
+                        <a:schemeClr val="tx1"/>
+                      </a:solidFill>
+                      <a:prstDash val="solid"/>
+                      <a:round/>
+                      <a:headEnd type="none" w="med" len="med"/>
+                      <a:tailEnd type="none" w="med" len="med"/>
+                    </a:lnL>
+                    <a:lnR w="6350" cap="flat" cmpd="sng" algn="ctr">
+                      <a:solidFill>
+                        <a:schemeClr val="tx1"/>
+                      </a:solidFill>
+                      <a:prstDash val="solid"/>
+                      <a:round/>
+                      <a:headEnd type="none" w="med" len="med"/>
+                      <a:tailEnd type="none" w="med" len="med"/>
+                    </a:lnR>
+                    <a:lnT w="6350" cap="flat" cmpd="sng" algn="ctr">
+                      <a:solidFill>
+                        <a:schemeClr val="tx1"/>
+                      </a:solidFill>
+                      <a:prstDash val="solid"/>
+                      <a:round/>
+                      <a:headEnd type="none" w="med" len="med"/>
+                      <a:tailEnd type="none" w="med" len="med"/>
+                    </a:lnT>
+                    <a:lnB w="6350" cap="flat" cmpd="sng" algn="ctr">
+                      <a:solidFill>
+                        <a:schemeClr val="tx1"/>
+                      </a:solidFill>
+                      <a:prstDash val="solid"/>
+                      <a:round/>
+                      <a:headEnd type="none" w="med" len="med"/>
+                      <a:tailEnd type="none" w="med" len="med"/>
+                    </a:lnB>
+                    <a:solidFill>
+                      <a:schemeClr val="bg1">
+                        <a:lumMod val="85000"/>
+                      </a:schemeClr>
+                    </a:solidFill>
+                  </a:tcPr>
+                </a:tc>
+                <a:tc>
+                  <a:txBody>
+                    <a:bodyPr/>
+                    <a:lstStyle/>
+                    <a:p>
+                      <a:endParaRPr lang="es-MX"/>
+                    </a:p>
+                  </a:txBody>
+                  <a:tcPr>
+                    <a:lnL w="6350" cap="flat" cmpd="sng" algn="ctr">
+                      <a:solidFill>
+                        <a:schemeClr val="tx1"/>
+                      </a:solidFill>
+                      <a:prstDash val="solid"/>
+                      <a:round/>
+                      <a:headEnd type="none" w="med" len="med"/>
+                      <a:tailEnd type="none" w="med" len="med"/>
+                    </a:lnL>
+                    <a:lnR w="6350" cap="flat" cmpd="sng" algn="ctr">
+                      <a:solidFill>
+                        <a:schemeClr val="tx1"/>
+                      </a:solidFill>
+                      <a:prstDash val="solid"/>
+                      <a:round/>
+                      <a:headEnd type="none" w="med" len="med"/>
+                      <a:tailEnd type="none" w="med" len="med"/>
+                    </a:lnR>
+                    <a:lnT w="6350" cap="flat" cmpd="sng" algn="ctr">
+                      <a:solidFill>
+                        <a:schemeClr val="tx1"/>
+                      </a:solidFill>
+                      <a:prstDash val="solid"/>
+                      <a:round/>
+                      <a:headEnd type="none" w="med" len="med"/>
+                      <a:tailEnd type="none" w="med" len="med"/>
+                    </a:lnT>
+                    <a:lnB w="6350" cap="flat" cmpd="sng" algn="ctr">
+                      <a:solidFill>
+                        <a:schemeClr val="tx1"/>
+                      </a:solidFill>
+                      <a:prstDash val="solid"/>
+                      <a:round/>
+                      <a:headEnd type="none" w="med" len="med"/>
+                      <a:tailEnd type="none" w="med" len="med"/>
+                    </a:lnB>
+                    <a:solidFill>
+                      <a:schemeClr val="bg1">
+                        <a:lumMod val="85000"/>
+                      </a:schemeClr>
+                    </a:solidFill>
+                  </a:tcPr>
+                </a:tc>
+                <a:tc>
+                  <a:txBody>
+                    <a:bodyPr/>
+                    <a:lstStyle/>
+                    <a:p>
+                      <a:endParaRPr lang="es-MX"/>
+                    </a:p>
+                  </a:txBody>
+                  <a:tcPr>
+                    <a:lnL w="6350" cap="flat" cmpd="sng" algn="ctr">
+                      <a:solidFill>
+                        <a:schemeClr val="tx1"/>
+                      </a:solidFill>
+                      <a:prstDash val="solid"/>
+                      <a:round/>
+                      <a:headEnd type="none" w="med" len="med"/>
+                      <a:tailEnd type="none" w="med" len="med"/>
+                    </a:lnL>
+                    <a:lnR w="6350" cap="flat" cmpd="sng" algn="ctr">
+                      <a:solidFill>
+                        <a:schemeClr val="tx1"/>
+                      </a:solidFill>
+                      <a:prstDash val="solid"/>
+                      <a:round/>
+                      <a:headEnd type="none" w="med" len="med"/>
+                      <a:tailEnd type="none" w="med" len="med"/>
+                    </a:lnR>
+                    <a:lnT w="6350" cap="flat" cmpd="sng" algn="ctr">
+                      <a:solidFill>
+                        <a:schemeClr val="tx1"/>
+                      </a:solidFill>
+                      <a:prstDash val="solid"/>
+                      <a:round/>
+                      <a:headEnd type="none" w="med" len="med"/>
+                      <a:tailEnd type="none" w="med" len="med"/>
+                    </a:lnT>
+                    <a:lnB w="6350" cap="flat" cmpd="sng" algn="ctr">
+                      <a:solidFill>
+                        <a:schemeClr val="tx1"/>
+                      </a:solidFill>
+                      <a:prstDash val="solid"/>
+                      <a:round/>
+                      <a:headEnd type="none" w="med" len="med"/>
+                      <a:tailEnd type="none" w="med" len="med"/>
+                    </a:lnB>
+                    <a:solidFill>
+                      <a:schemeClr val="bg1">
+                        <a:lumMod val="85000"/>
+                      </a:schemeClr>
+                    </a:solidFill>
+                  </a:tcPr>
+                </a:tc>
+                <a:tc>
+                  <a:txBody>
+                    <a:bodyPr/>
+                    <a:lstStyle/>
+                    <a:p>
+                      <a:endParaRPr lang="es-MX" dirty="0"/>
+                    </a:p>
+                  </a:txBody>
+                  <a:tcPr>
+                    <a:lnL w="6350" cap="flat" cmpd="sng" algn="ctr">
+                      <a:solidFill>
+                        <a:schemeClr val="tx1"/>
+                      </a:solidFill>
+                      <a:prstDash val="solid"/>
+                      <a:round/>
+                      <a:headEnd type="none" w="med" len="med"/>
+                      <a:tailEnd type="none" w="med" len="med"/>
+                    </a:lnL>
+                    <a:lnR w="6350" cap="flat" cmpd="sng" algn="ctr">
+                      <a:solidFill>
+                        <a:schemeClr val="tx1"/>
+                      </a:solidFill>
+                      <a:prstDash val="solid"/>
+                      <a:round/>
+                      <a:headEnd type="none" w="med" len="med"/>
+                      <a:tailEnd type="none" w="med" len="med"/>
+                    </a:lnR>
+                    <a:lnT w="6350" cap="flat" cmpd="sng" algn="ctr">
+                      <a:solidFill>
+                        <a:schemeClr val="tx1"/>
+                      </a:solidFill>
+                      <a:prstDash val="solid"/>
+                      <a:round/>
+                      <a:headEnd type="none" w="med" len="med"/>
+                      <a:tailEnd type="none" w="med" len="med"/>
+                    </a:lnT>
+                    <a:lnB w="6350" cap="flat" cmpd="sng" algn="ctr">
+                      <a:solidFill>
+                        <a:schemeClr val="tx1"/>
+                      </a:solidFill>
+                      <a:prstDash val="solid"/>
+                      <a:round/>
+                      <a:headEnd type="none" w="med" len="med"/>
+                      <a:tailEnd type="none" w="med" len="med"/>
+                    </a:lnB>
+                    <a:solidFill>
+                      <a:schemeClr val="bg1">
+                        <a:lumMod val="85000"/>
+                      </a:schemeClr>
+                    </a:solidFill>
+                  </a:tcPr>
+                </a:tc>
+                <a:tc>
+                  <a:txBody>
+                    <a:bodyPr/>
+                    <a:lstStyle/>
+                    <a:p>
+                      <a:endParaRPr lang="es-MX" dirty="0"/>
+                    </a:p>
+                  </a:txBody>
+                  <a:tcPr>
+                    <a:lnL w="6350" cap="flat" cmpd="sng" algn="ctr">
+                      <a:solidFill>
+                        <a:schemeClr val="tx1"/>
+                      </a:solidFill>
+                      <a:prstDash val="solid"/>
+                      <a:round/>
+                      <a:headEnd type="none" w="med" len="med"/>
+                      <a:tailEnd type="none" w="med" len="med"/>
+                    </a:lnL>
+                    <a:lnR w="6350" cap="flat" cmpd="sng" algn="ctr">
+                      <a:solidFill>
+                        <a:schemeClr val="tx1"/>
+                      </a:solidFill>
+                      <a:prstDash val="solid"/>
+                      <a:round/>
+                      <a:headEnd type="none" w="med" len="med"/>
+                      <a:tailEnd type="none" w="med" len="med"/>
+                    </a:lnR>
+                    <a:lnT w="6350" cap="flat" cmpd="sng" algn="ctr">
+                      <a:solidFill>
+                        <a:schemeClr val="tx1"/>
+                      </a:solidFill>
+                      <a:prstDash val="solid"/>
+                      <a:round/>
+                      <a:headEnd type="none" w="med" len="med"/>
+                      <a:tailEnd type="none" w="med" len="med"/>
+                    </a:lnT>
+                    <a:lnB w="6350" cap="flat" cmpd="sng" algn="ctr">
+                      <a:solidFill>
+                        <a:schemeClr val="tx1"/>
+                      </a:solidFill>
+                      <a:prstDash val="solid"/>
+                      <a:round/>
+                      <a:headEnd type="none" w="med" len="med"/>
+                      <a:tailEnd type="none" w="med" len="med"/>
+                    </a:lnB>
+                    <a:solidFill>
+                      <a:schemeClr val="bg1">
+                        <a:lumMod val="85000"/>
+                      </a:schemeClr>
+                    </a:solidFill>
+                  </a:tcPr>
+                </a:tc>
+                <a:tc>
+                  <a:txBody>
+                    <a:bodyPr/>
+                    <a:lstStyle/>
+                    <a:p>
+                      <a:endParaRPr lang="es-MX" dirty="0"/>
+                    </a:p>
+                  </a:txBody>
+                  <a:tcPr>
+                    <a:lnL w="6350" cap="flat" cmpd="sng" algn="ctr">
+                      <a:solidFill>
+                        <a:schemeClr val="tx1"/>
+                      </a:solidFill>
+                      <a:prstDash val="solid"/>
+                      <a:round/>
+                      <a:headEnd type="none" w="med" len="med"/>
+                      <a:tailEnd type="none" w="med" len="med"/>
+                    </a:lnL>
+                    <a:lnR w="6350" cap="flat" cmpd="sng" algn="ctr">
+                      <a:solidFill>
+                        <a:schemeClr val="tx1"/>
+                      </a:solidFill>
+                      <a:prstDash val="solid"/>
+                      <a:round/>
+                      <a:headEnd type="none" w="med" len="med"/>
+                      <a:tailEnd type="none" w="med" len="med"/>
+                    </a:lnR>
+                    <a:lnT w="6350" cap="flat" cmpd="sng" algn="ctr">
+                      <a:solidFill>
+                        <a:schemeClr val="tx1"/>
+                      </a:solidFill>
+                      <a:prstDash val="solid"/>
+                      <a:round/>
+                      <a:headEnd type="none" w="med" len="med"/>
+                      <a:tailEnd type="none" w="med" len="med"/>
+                    </a:lnT>
+                    <a:lnB w="6350" cap="flat" cmpd="sng" algn="ctr">
+                      <a:solidFill>
+                        <a:schemeClr val="tx1"/>
+                      </a:solidFill>
+                      <a:prstDash val="solid"/>
+                      <a:round/>
+                      <a:headEnd type="none" w="med" len="med"/>
+                      <a:tailEnd type="none" w="med" len="med"/>
+                    </a:lnB>
+                    <a:solidFill>
+                      <a:schemeClr val="bg1">
+                        <a:lumMod val="85000"/>
+                      </a:schemeClr>
+                    </a:solidFill>
+                  </a:tcPr>
+                </a:tc>
+                <a:extLst>
+                  <a:ext uri="{0D108BD9-81ED-4DB2-BD59-A6C34878D82A}">
+                    <a16:rowId xmlns:a16="http://schemas.microsoft.com/office/drawing/2014/main" val="1351984755"/>
+                  </a:ext>
+                </a:extLst>
+              </a:tr>
+            </a:tbl>
+          </a:graphicData>
+        </a:graphic>
+      </p:graphicFrame>
+    </p:spTree>
+    <p:extLst>
+      <p:ext uri="{BB962C8B-B14F-4D97-AF65-F5344CB8AC3E}">
+        <p14:creationId xmlns:p14="http://schemas.microsoft.com/office/powerpoint/2010/main" val="1367546155"/>
+      </p:ext>
+    </p:extLst>
+  </p:cSld>
+  <p:clrMapOvr>
+    <a:masterClrMapping/>
+  </p:clrMapOvr>
+</p:sld>
+</file>
+
+<file path=ppt/slides/slide12.xml><?xml version="1.0" encoding="utf-8"?>
+<p:sld xmlns:a="http://schemas.openxmlformats.org/drawingml/2006/main" xmlns:r="http://schemas.openxmlformats.org/officeDocument/2006/relationships" xmlns:p="http://schemas.openxmlformats.org/presentationml/2006/main">
+  <p:cSld>
+    <p:spTree>
+      <p:nvGrpSpPr>
+        <p:cNvPr id="1" name="Shape 110"/>
+        <p:cNvGrpSpPr/>
+        <p:nvPr/>
+      </p:nvGrpSpPr>
+      <p:grpSpPr>
+        <a:xfrm>
+          <a:off x="0" y="0"/>
+          <a:ext cx="0" cy="0"/>
+          <a:chOff x="0" y="0"/>
+          <a:chExt cx="0" cy="0"/>
+        </a:xfrm>
+      </p:grpSpPr>
+      <p:sp>
+        <p:nvSpPr>
+          <p:cNvPr id="111" name="Google Shape;111;p4"/>
+          <p:cNvSpPr txBox="1"/>
+          <p:nvPr/>
+        </p:nvSpPr>
+        <p:spPr>
+          <a:xfrm>
+            <a:off x="510558" y="196996"/>
+            <a:ext cx="11658658" cy="1007542"/>
+          </a:xfrm>
+          <a:prstGeom prst="rect">
+            <a:avLst/>
+          </a:prstGeom>
+          <a:noFill/>
+          <a:ln>
+            <a:noFill/>
+          </a:ln>
+        </p:spPr>
+        <p:txBody>
+          <a:bodyPr spcFirstLastPara="1" wrap="square" lIns="91425" tIns="45700" rIns="91425" bIns="45700" anchor="t" anchorCtr="0">
+            <a:noAutofit/>
+          </a:bodyPr>
+          <a:lstStyle/>
+          <a:p>
+            <a:pPr lvl="1">
+              <a:lnSpc>
+                <a:spcPct val="85000"/>
+              </a:lnSpc>
+              <a:buClr>
+                <a:schemeClr val="accent1"/>
+              </a:buClr>
+              <a:buSzPts val="3200"/>
+            </a:pPr>
+            <a:r>
+              <a:rPr lang="es-ES" sz="3200" b="1" dirty="0">
+                <a:solidFill>
+                  <a:schemeClr val="accent1"/>
+                </a:solidFill>
+                <a:latin typeface="Calibri"/>
+                <a:ea typeface="Calibri"/>
+                <a:cs typeface="Calibri"/>
+                <a:sym typeface="Calibri"/>
+              </a:rPr>
+              <a:t>A</a:t>
+            </a:r>
+            <a:r>
+              <a:rPr lang="es-MX" sz="3200" b="1" dirty="0" err="1">
+                <a:solidFill>
+                  <a:schemeClr val="accent1"/>
+                </a:solidFill>
+                <a:latin typeface="Calibri"/>
+                <a:ea typeface="Calibri"/>
+                <a:cs typeface="Calibri"/>
+                <a:sym typeface="Calibri"/>
+              </a:rPr>
+              <a:t>nálisis</a:t>
+            </a:r>
+            <a:r>
+              <a:rPr lang="es-MX" sz="3200" b="1" dirty="0">
+                <a:solidFill>
+                  <a:schemeClr val="accent1"/>
+                </a:solidFill>
+                <a:latin typeface="Calibri"/>
+                <a:ea typeface="Calibri"/>
+                <a:cs typeface="Calibri"/>
+                <a:sym typeface="Calibri"/>
+              </a:rPr>
               <a:t> </a:t>
             </a:r>
             <a:endParaRPr sz="3200" b="1" dirty="0">
@@ -12802,7 +16204,7 @@
 </p:sld>
 </file>
 
-<file path=ppt/slides/slide12.xml><?xml version="1.0" encoding="utf-8"?>
+<file path=ppt/slides/slide13.xml><?xml version="1.0" encoding="utf-8"?>
 <p:sld xmlns:a="http://schemas.openxmlformats.org/drawingml/2006/main" xmlns:r="http://schemas.openxmlformats.org/officeDocument/2006/relationships" xmlns:p="http://schemas.openxmlformats.org/presentationml/2006/main">
   <p:cSld>
     <p:spTree>

--- a/Diplomado_DS_Proyecto_Final/Proyecto_final_Diplomado_DS_UNAM_v2.pptx
+++ b/Diplomado_DS_Proyecto_Final/Proyecto_final_Diplomado_DS_UNAM_v2.pptx
@@ -5,7 +5,7 @@
     <p:sldMasterId id="2147483648" r:id="rId1"/>
   </p:sldMasterIdLst>
   <p:notesMasterIdLst>
-    <p:notesMasterId r:id="rId18"/>
+    <p:notesMasterId r:id="rId19"/>
   </p:notesMasterIdLst>
   <p:sldIdLst>
     <p:sldId id="256" r:id="rId2"/>
@@ -23,7 +23,8 @@
     <p:sldId id="274" r:id="rId14"/>
     <p:sldId id="272" r:id="rId15"/>
     <p:sldId id="275" r:id="rId16"/>
-    <p:sldId id="270" r:id="rId17"/>
+    <p:sldId id="276" r:id="rId17"/>
+    <p:sldId id="270" r:id="rId18"/>
   </p:sldIdLst>
   <p:sldSz cx="12192000" cy="6858000"/>
   <p:notesSz cx="6858000" cy="9144000"/>
@@ -272,7 +273,7 @@
       </p15:sldGuideLst>
     </p:ext>
     <p:ext uri="GoogleSlidesCustomDataVersion2">
-      <go:slidesCustomData xmlns:go="http://customooxmlschemas.google.com/" xmlns:ahyp="http://schemas.microsoft.com/office/drawing/2018/hyperlinkcolor" xmlns:p15="http://schemas.microsoft.com/office/powerpoint/2012/main" xmlns:p14="http://schemas.microsoft.com/office/powerpoint/2010/main" xmlns:com="http://schemas.openxmlformats.org/drawingml/2006/compatibility" xmlns:pvml="urn:schemas-microsoft-com:office:powerpoint" xmlns:v="urn:schemas-microsoft-com:vml" xmlns:o="urn:schemas-microsoft-com:office:office" xmlns:dgm="http://schemas.openxmlformats.org/drawingml/2006/diagram" xmlns:c="http://schemas.openxmlformats.org/drawingml/2006/chart" xmlns:mv="urn:schemas-microsoft-com:mac:vml" xmlns:mc="http://schemas.openxmlformats.org/markup-compatibility/2006" xmlns="" r:id="rId19" roundtripDataSignature="AMtx7mgHnMHIZxhnZr2j+tVR2DpQdbinhg=="/>
+      <go:slidesCustomData xmlns="" xmlns:mc="http://schemas.openxmlformats.org/markup-compatibility/2006" xmlns:mv="urn:schemas-microsoft-com:mac:vml" xmlns:c="http://schemas.openxmlformats.org/drawingml/2006/chart" xmlns:dgm="http://schemas.openxmlformats.org/drawingml/2006/diagram" xmlns:o="urn:schemas-microsoft-com:office:office" xmlns:v="urn:schemas-microsoft-com:vml" xmlns:pvml="urn:schemas-microsoft-com:office:powerpoint" xmlns:com="http://schemas.openxmlformats.org/drawingml/2006/compatibility" xmlns:p14="http://schemas.microsoft.com/office/powerpoint/2010/main" xmlns:p15="http://schemas.microsoft.com/office/powerpoint/2012/main" xmlns:ahyp="http://schemas.microsoft.com/office/drawing/2018/hyperlinkcolor" xmlns:go="http://customooxmlschemas.google.com/" r:id="rId20" roundtripDataSignature="AMtx7mgHnMHIZxhnZr2j+tVR2DpQdbinhg=="/>
     </p:ext>
   </p:extLst>
 </p:presentation>
@@ -2230,6 +2231,115 @@
 </file>
 
 <file path=ppt/notesSlides/notesSlide16.xml><?xml version="1.0" encoding="utf-8"?>
+<p:notes xmlns:a="http://schemas.openxmlformats.org/drawingml/2006/main" xmlns:r="http://schemas.openxmlformats.org/officeDocument/2006/relationships" xmlns:p="http://schemas.openxmlformats.org/presentationml/2006/main" showMasterSp="0" showMasterPhAnim="0">
+  <p:cSld>
+    <p:spTree>
+      <p:nvGrpSpPr>
+        <p:cNvPr id="1" name="Shape 107"/>
+        <p:cNvGrpSpPr/>
+        <p:nvPr/>
+      </p:nvGrpSpPr>
+      <p:grpSpPr>
+        <a:xfrm>
+          <a:off x="0" y="0"/>
+          <a:ext cx="0" cy="0"/>
+          <a:chOff x="0" y="0"/>
+          <a:chExt cx="0" cy="0"/>
+        </a:xfrm>
+      </p:grpSpPr>
+      <p:sp>
+        <p:nvSpPr>
+          <p:cNvPr id="108" name="Google Shape;108;p4:notes"/>
+          <p:cNvSpPr txBox="1">
+            <a:spLocks noGrp="1"/>
+          </p:cNvSpPr>
+          <p:nvPr>
+            <p:ph type="body" idx="1"/>
+          </p:nvPr>
+        </p:nvSpPr>
+        <p:spPr>
+          <a:xfrm>
+            <a:off x="685800" y="4400550"/>
+            <a:ext cx="5486400" cy="3600450"/>
+          </a:xfrm>
+          <a:prstGeom prst="rect">
+            <a:avLst/>
+          </a:prstGeom>
+        </p:spPr>
+        <p:txBody>
+          <a:bodyPr spcFirstLastPara="1" wrap="square" lIns="91425" tIns="45700" rIns="91425" bIns="45700" anchor="t" anchorCtr="0">
+            <a:noAutofit/>
+          </a:bodyPr>
+          <a:lstStyle/>
+          <a:p>
+            <a:pPr marL="0" lvl="0" indent="0" algn="l" rtl="0">
+              <a:spcBef>
+                <a:spcPts val="0"/>
+              </a:spcBef>
+              <a:spcAft>
+                <a:spcPts val="0"/>
+              </a:spcAft>
+              <a:buNone/>
+            </a:pPr>
+            <a:endParaRPr/>
+          </a:p>
+        </p:txBody>
+      </p:sp>
+      <p:sp>
+        <p:nvSpPr>
+          <p:cNvPr id="109" name="Google Shape;109;p4:notes"/>
+          <p:cNvSpPr>
+            <a:spLocks noGrp="1" noRot="1" noChangeAspect="1"/>
+          </p:cNvSpPr>
+          <p:nvPr>
+            <p:ph type="sldImg" idx="2"/>
+          </p:nvPr>
+        </p:nvSpPr>
+        <p:spPr>
+          <a:xfrm>
+            <a:off x="685800" y="1143000"/>
+            <a:ext cx="5486400" cy="3086100"/>
+          </a:xfrm>
+          <a:custGeom>
+            <a:avLst/>
+            <a:gdLst/>
+            <a:ahLst/>
+            <a:cxnLst/>
+            <a:rect l="l" t="t" r="r" b="b"/>
+            <a:pathLst>
+              <a:path w="120000" h="120000" extrusionOk="0">
+                <a:moveTo>
+                  <a:pt x="0" y="0"/>
+                </a:moveTo>
+                <a:lnTo>
+                  <a:pt x="120000" y="0"/>
+                </a:lnTo>
+                <a:lnTo>
+                  <a:pt x="120000" y="120000"/>
+                </a:lnTo>
+                <a:lnTo>
+                  <a:pt x="0" y="120000"/>
+                </a:lnTo>
+                <a:close/>
+              </a:path>
+            </a:pathLst>
+          </a:custGeom>
+        </p:spPr>
+      </p:sp>
+    </p:spTree>
+    <p:extLst>
+      <p:ext uri="{BB962C8B-B14F-4D97-AF65-F5344CB8AC3E}">
+        <p14:creationId xmlns:p14="http://schemas.microsoft.com/office/powerpoint/2010/main" val="4099703635"/>
+      </p:ext>
+    </p:extLst>
+  </p:cSld>
+  <p:clrMapOvr>
+    <a:masterClrMapping/>
+  </p:clrMapOvr>
+</p:notes>
+</file>
+
+<file path=ppt/notesSlides/notesSlide17.xml><?xml version="1.0" encoding="utf-8"?>
 <p:notes xmlns:a="http://schemas.openxmlformats.org/drawingml/2006/main" xmlns:r="http://schemas.openxmlformats.org/officeDocument/2006/relationships" xmlns:p="http://schemas.openxmlformats.org/presentationml/2006/main" showMasterSp="0" showMasterPhAnim="0">
   <p:cSld>
     <p:spTree>
@@ -10602,7 +10712,7 @@
           <p:nvPr>
             <p:extLst>
               <p:ext uri="{D42A27DB-BD31-4B8C-83A1-F6EECF244321}">
-                <p14:modId xmlns:p14="http://schemas.microsoft.com/office/powerpoint/2010/main" val="1047557400"/>
+                <p14:modId xmlns:p14="http://schemas.microsoft.com/office/powerpoint/2010/main" val="3627013430"/>
               </p:ext>
             </p:extLst>
           </p:nvPr>
@@ -12476,9 +12586,8 @@
                       </a:pPr>
                       <a:r>
                         <a:rPr lang="es-ES" sz="1400" dirty="0"/>
-                        <a:t>Pronóstico sobreestima en general el valor real </a:t>
+                        <a:t>Pronóstico muy lineal sin considerar estacionalidad</a:t>
                       </a:r>
-                      <a:endParaRPr lang="es-MX" sz="1400" dirty="0"/>
                     </a:p>
                   </a:txBody>
                   <a:tcPr>
@@ -18786,10 +18895,10 @@
       </p:pic>
       <p:pic>
         <p:nvPicPr>
-          <p:cNvPr id="8" name="Imagen 7">
+          <p:cNvPr id="5" name="Imagen 4">
             <a:extLst>
               <a:ext uri="{FF2B5EF4-FFF2-40B4-BE49-F238E27FC236}">
-                <a16:creationId xmlns:a16="http://schemas.microsoft.com/office/drawing/2014/main" id="{9A1649A5-13CA-CFAD-BC37-F47248F71CB2}"/>
+                <a16:creationId xmlns:a16="http://schemas.microsoft.com/office/drawing/2014/main" id="{A32D6EF7-A7F0-2C92-531F-DAB523858580}"/>
               </a:ext>
             </a:extLst>
           </p:cNvPr>
@@ -18806,8 +18915,8 @@
         </p:blipFill>
         <p:spPr>
           <a:xfrm>
-            <a:off x="6286769" y="4091368"/>
-            <a:ext cx="5394673" cy="1981472"/>
+            <a:off x="6165817" y="4091368"/>
+            <a:ext cx="5694291" cy="1981472"/>
           </a:xfrm>
           <a:prstGeom prst="rect">
             <a:avLst/>
@@ -18947,7 +19056,7 @@
           <p:nvPr>
             <p:extLst>
               <p:ext uri="{D42A27DB-BD31-4B8C-83A1-F6EECF244321}">
-                <p14:modId xmlns:p14="http://schemas.microsoft.com/office/powerpoint/2010/main" val="1432989538"/>
+                <p14:modId xmlns:p14="http://schemas.microsoft.com/office/powerpoint/2010/main" val="1147538960"/>
               </p:ext>
             </p:extLst>
           </p:nvPr>
@@ -19420,7 +19529,7 @@
                     <a:p>
                       <a:r>
                         <a:rPr lang="es-ES" sz="1300" dirty="0"/>
-                        <a:t>81</a:t>
+                        <a:t>250</a:t>
                       </a:r>
                       <a:endParaRPr lang="es-MX" sz="1300" dirty="0"/>
                     </a:p>
@@ -19476,7 +19585,7 @@
                     <a:p>
                       <a:r>
                         <a:rPr lang="es-ES" sz="1300" dirty="0"/>
-                        <a:t>3.3</a:t>
+                        <a:t>12</a:t>
                       </a:r>
                       <a:endParaRPr lang="es-MX" sz="1300" dirty="0"/>
                     </a:p>
@@ -19886,7 +19995,7 @@
                     <a:p>
                       <a:r>
                         <a:rPr lang="es-ES" sz="1300" dirty="0"/>
-                        <a:t>77</a:t>
+                        <a:t>90</a:t>
                       </a:r>
                       <a:endParaRPr lang="es-MX" sz="1300" dirty="0"/>
                     </a:p>
@@ -19940,7 +20049,7 @@
                     <a:p>
                       <a:r>
                         <a:rPr lang="es-ES" sz="1300" dirty="0"/>
-                        <a:t>3.2</a:t>
+                        <a:t>3.9</a:t>
                       </a:r>
                       <a:endParaRPr lang="es-MX" sz="1300" dirty="0"/>
                     </a:p>
@@ -20350,7 +20459,7 @@
                     <a:p>
                       <a:r>
                         <a:rPr lang="es-ES" sz="1300" dirty="0"/>
-                        <a:t>539.8</a:t>
+                        <a:t>106</a:t>
                       </a:r>
                       <a:endParaRPr lang="es-MX" sz="1300" dirty="0"/>
                     </a:p>
@@ -20406,7 +20515,7 @@
                     <a:p>
                       <a:r>
                         <a:rPr lang="es-ES" sz="1300" dirty="0"/>
-                        <a:t>11.3</a:t>
+                        <a:t>4.7</a:t>
                       </a:r>
                       <a:endParaRPr lang="es-MX" sz="1300" dirty="0"/>
                     </a:p>
@@ -20799,7 +20908,7 @@
                     <a:p>
                       <a:r>
                         <a:rPr lang="es-ES" sz="1300" dirty="0"/>
-                        <a:t>618</a:t>
+                        <a:t>60</a:t>
                       </a:r>
                       <a:endParaRPr lang="es-MX" sz="1300" dirty="0"/>
                     </a:p>
@@ -20855,7 +20964,7 @@
                     <a:p>
                       <a:r>
                         <a:rPr lang="es-ES" sz="1300" dirty="0"/>
-                        <a:t>12</a:t>
+                        <a:t>2.4</a:t>
                       </a:r>
                       <a:endParaRPr lang="es-MX" sz="1300" dirty="0"/>
                     </a:p>
@@ -21271,7 +21380,7 @@
                     <a:p>
                       <a:r>
                         <a:rPr lang="es-ES" sz="1300" dirty="0"/>
-                        <a:t>600</a:t>
+                        <a:t>60</a:t>
                       </a:r>
                       <a:endParaRPr lang="es-MX" sz="1300" dirty="0"/>
                     </a:p>
@@ -21327,7 +21436,7 @@
                     <a:p>
                       <a:r>
                         <a:rPr lang="es-ES" sz="1300" dirty="0"/>
-                        <a:t>12</a:t>
+                        <a:t>2.5</a:t>
                       </a:r>
                       <a:endParaRPr lang="es-MX" sz="1300" dirty="0"/>
                     </a:p>
@@ -21519,15 +21628,15 @@
       </p:graphicFrame>
       <p:pic>
         <p:nvPicPr>
-          <p:cNvPr id="6" name="Imagen 5">
+          <p:cNvPr id="4" name="Imagen 3">
             <a:extLst>
               <a:ext uri="{FF2B5EF4-FFF2-40B4-BE49-F238E27FC236}">
-                <a16:creationId xmlns:a16="http://schemas.microsoft.com/office/drawing/2014/main" id="{F4BC9CF2-BB1C-7EFD-3808-EA8EC30457A3}"/>
+                <a16:creationId xmlns:a16="http://schemas.microsoft.com/office/drawing/2014/main" id="{45730507-2757-4170-A95D-57961F6A8E52}"/>
               </a:ext>
             </a:extLst>
           </p:cNvPr>
-          <p:cNvPicPr preferRelativeResize="0">
-            <a:picLocks/>
+          <p:cNvPicPr>
+            <a:picLocks noChangeAspect="1"/>
           </p:cNvPicPr>
           <p:nvPr/>
         </p:nvPicPr>
@@ -21539,8 +21648,8 @@
         </p:blipFill>
         <p:spPr>
           <a:xfrm>
-            <a:off x="414000" y="4280073"/>
-            <a:ext cx="5486400" cy="1827894"/>
+            <a:off x="220132" y="4358245"/>
+            <a:ext cx="5875868" cy="1827894"/>
           </a:xfrm>
           <a:prstGeom prst="rect">
             <a:avLst/>
@@ -21549,15 +21658,15 @@
       </p:pic>
       <p:pic>
         <p:nvPicPr>
-          <p:cNvPr id="10" name="Imagen 9">
+          <p:cNvPr id="7" name="Imagen 6">
             <a:extLst>
               <a:ext uri="{FF2B5EF4-FFF2-40B4-BE49-F238E27FC236}">
-                <a16:creationId xmlns:a16="http://schemas.microsoft.com/office/drawing/2014/main" id="{8695B15C-D228-1E5E-0D39-519021500185}"/>
+                <a16:creationId xmlns:a16="http://schemas.microsoft.com/office/drawing/2014/main" id="{AE0B4CF5-FDA5-86D1-8360-88469CDE22F0}"/>
               </a:ext>
             </a:extLst>
           </p:cNvPr>
-          <p:cNvPicPr preferRelativeResize="0">
-            <a:picLocks/>
+          <p:cNvPicPr>
+            <a:picLocks noChangeAspect="1"/>
           </p:cNvPicPr>
           <p:nvPr/>
         </p:nvPicPr>
@@ -21569,8 +21678,8 @@
         </p:blipFill>
         <p:spPr>
           <a:xfrm>
-            <a:off x="6178109" y="4280073"/>
-            <a:ext cx="5486400" cy="1827894"/>
+            <a:off x="6184748" y="4358245"/>
+            <a:ext cx="5875868" cy="1957888"/>
           </a:xfrm>
           <a:prstGeom prst="rect">
             <a:avLst/>
@@ -21665,60 +21774,6 @@
           </a:p>
         </p:txBody>
       </p:sp>
-      <p:pic>
-        <p:nvPicPr>
-          <p:cNvPr id="2" name="Picture 8" descr="https://d30y9cdsu7xlg0.cloudfront.net/png/1356376-200.png">
-            <a:extLst>
-              <a:ext uri="{FF2B5EF4-FFF2-40B4-BE49-F238E27FC236}">
-                <a16:creationId xmlns:a16="http://schemas.microsoft.com/office/drawing/2014/main" id="{0591E5F0-F2F0-95BC-3C46-42E0BC72B705}"/>
-              </a:ext>
-            </a:extLst>
-          </p:cNvPr>
-          <p:cNvPicPr>
-            <a:picLocks noChangeAspect="1" noChangeArrowheads="1"/>
-          </p:cNvPicPr>
-          <p:nvPr/>
-        </p:nvPicPr>
-        <p:blipFill>
-          <a:blip r:embed="rId3" cstate="print">
-            <a:duotone>
-              <a:schemeClr val="accent1">
-                <a:shade val="45000"/>
-                <a:satMod val="135000"/>
-              </a:schemeClr>
-              <a:prstClr val="white"/>
-            </a:duotone>
-            <a:extLst>
-              <a:ext uri="{28A0092B-C50C-407E-A947-70E740481C1C}">
-                <a14:useLocalDpi xmlns:a14="http://schemas.microsoft.com/office/drawing/2010/main" val="0"/>
-              </a:ext>
-            </a:extLst>
-          </a:blip>
-          <a:srcRect/>
-          <a:stretch>
-            <a:fillRect/>
-          </a:stretch>
-        </p:blipFill>
-        <p:spPr bwMode="auto">
-          <a:xfrm>
-            <a:off x="415958" y="1216940"/>
-            <a:ext cx="468000" cy="468000"/>
-          </a:xfrm>
-          <a:prstGeom prst="rect">
-            <a:avLst/>
-          </a:prstGeom>
-          <a:noFill/>
-          <a:extLst>
-            <a:ext uri="{909E8E84-426E-40DD-AFC4-6F175D3DCCD1}">
-              <a14:hiddenFill xmlns:a14="http://schemas.microsoft.com/office/drawing/2010/main">
-                <a:solidFill>
-                  <a:srgbClr val="FFFFFF"/>
-                </a:solidFill>
-              </a14:hiddenFill>
-            </a:ext>
-          </a:extLst>
-        </p:spPr>
-      </p:pic>
       <p:sp>
         <p:nvSpPr>
           <p:cNvPr id="4" name="CuadroTexto 3">
@@ -21733,8 +21788,206 @@
         </p:nvSpPr>
         <p:spPr>
           <a:xfrm>
-            <a:off x="1269999" y="1269441"/>
-            <a:ext cx="9279467" cy="584775"/>
+            <a:off x="1209086" y="1828240"/>
+            <a:ext cx="10261601" cy="1631216"/>
+          </a:xfrm>
+          <a:prstGeom prst="rect">
+            <a:avLst/>
+          </a:prstGeom>
+          <a:noFill/>
+        </p:spPr>
+        <p:txBody>
+          <a:bodyPr wrap="square">
+            <a:spAutoFit/>
+          </a:bodyPr>
+          <a:lstStyle/>
+          <a:p>
+            <a:r>
+              <a:rPr lang="es-MX" sz="2000" u="sng" dirty="0">
+                <a:latin typeface="Calibri" panose="020F0502020204030204" pitchFamily="34" charset="0"/>
+              </a:rPr>
+              <a:t>En este caso </a:t>
+            </a:r>
+            <a:r>
+              <a:rPr lang="es-MX" sz="2000" dirty="0">
+                <a:latin typeface="Calibri" panose="020F0502020204030204" pitchFamily="34" charset="0"/>
+              </a:rPr>
+              <a:t>el “mejor modelo” en términos de error para el pronóstico de demanda de gas natural en sector eléctrico fue el LSTM (100, 1, </a:t>
+            </a:r>
+            <a:r>
+              <a:rPr lang="es-MX" sz="2000" dirty="0" err="1">
+                <a:latin typeface="Calibri" panose="020F0502020204030204" pitchFamily="34" charset="0"/>
+              </a:rPr>
+              <a:t>relu</a:t>
+            </a:r>
+            <a:r>
+              <a:rPr lang="es-MX" sz="2000" dirty="0">
+                <a:latin typeface="Calibri" panose="020F0502020204030204" pitchFamily="34" charset="0"/>
+              </a:rPr>
+              <a:t>, Adam) con datos atípicos ajustados por la media pues resultó ser un buen balance entre reproducibilidad de estacionalidad y NO sobreestimación de pronósticos , seguido de ARIMA (3,1,1) con datos atípicos ajustados por la media </a:t>
+            </a:r>
+          </a:p>
+        </p:txBody>
+      </p:sp>
+      <p:sp>
+        <p:nvSpPr>
+          <p:cNvPr id="2" name="CuadroTexto 1">
+            <a:extLst>
+              <a:ext uri="{FF2B5EF4-FFF2-40B4-BE49-F238E27FC236}">
+                <a16:creationId xmlns:a16="http://schemas.microsoft.com/office/drawing/2014/main" id="{489E3FA6-4394-6CFB-FFB1-62C20E779381}"/>
+              </a:ext>
+            </a:extLst>
+          </p:cNvPr>
+          <p:cNvSpPr txBox="1"/>
+          <p:nvPr/>
+        </p:nvSpPr>
+        <p:spPr>
+          <a:xfrm>
+            <a:off x="1209085" y="3706322"/>
+            <a:ext cx="10261601" cy="1323439"/>
+          </a:xfrm>
+          <a:prstGeom prst="rect">
+            <a:avLst/>
+          </a:prstGeom>
+          <a:noFill/>
+        </p:spPr>
+        <p:txBody>
+          <a:bodyPr wrap="square">
+            <a:spAutoFit/>
+          </a:bodyPr>
+          <a:lstStyle/>
+          <a:p>
+            <a:r>
+              <a:rPr lang="es-MX" sz="2000" u="sng" dirty="0">
+                <a:latin typeface="Calibri" panose="020F0502020204030204" pitchFamily="34" charset="0"/>
+              </a:rPr>
+              <a:t>En este caso </a:t>
+            </a:r>
+            <a:r>
+              <a:rPr lang="es-MX" sz="2000" dirty="0">
+                <a:latin typeface="Calibri" panose="020F0502020204030204" pitchFamily="34" charset="0"/>
+              </a:rPr>
+              <a:t>el “mejor modelo” en términos de error y criterio AIC para el pronóstico de demanda de gas natural en sector petrolero fue ARIMA (4,1,4) sin pretratamiento alguno pues resultó ser un buen balance entre reproducibilidad de estacionalidad y NO sobreestimación de pronósticos seguido de LSTM (100, 1, </a:t>
+            </a:r>
+            <a:r>
+              <a:rPr lang="es-MX" sz="2000" dirty="0" err="1">
+                <a:latin typeface="Calibri" panose="020F0502020204030204" pitchFamily="34" charset="0"/>
+              </a:rPr>
+              <a:t>relu</a:t>
+            </a:r>
+            <a:r>
+              <a:rPr lang="es-MX" sz="2000" dirty="0">
+                <a:latin typeface="Calibri" panose="020F0502020204030204" pitchFamily="34" charset="0"/>
+              </a:rPr>
+              <a:t>, Adam) con datos atípicos ajustados por la media </a:t>
+            </a:r>
+          </a:p>
+        </p:txBody>
+      </p:sp>
+    </p:spTree>
+    <p:extLst>
+      <p:ext uri="{BB962C8B-B14F-4D97-AF65-F5344CB8AC3E}">
+        <p14:creationId xmlns:p14="http://schemas.microsoft.com/office/powerpoint/2010/main" val="1141437262"/>
+      </p:ext>
+    </p:extLst>
+  </p:cSld>
+  <p:clrMapOvr>
+    <a:masterClrMapping/>
+  </p:clrMapOvr>
+</p:sld>
+</file>
+
+<file path=ppt/slides/slide17.xml><?xml version="1.0" encoding="utf-8"?>
+<p:sld xmlns:a="http://schemas.openxmlformats.org/drawingml/2006/main" xmlns:r="http://schemas.openxmlformats.org/officeDocument/2006/relationships" xmlns:p="http://schemas.openxmlformats.org/presentationml/2006/main">
+  <p:cSld>
+    <p:spTree>
+      <p:nvGrpSpPr>
+        <p:cNvPr id="1" name="Shape 110"/>
+        <p:cNvGrpSpPr/>
+        <p:nvPr/>
+      </p:nvGrpSpPr>
+      <p:grpSpPr>
+        <a:xfrm>
+          <a:off x="0" y="0"/>
+          <a:ext cx="0" cy="0"/>
+          <a:chOff x="0" y="0"/>
+          <a:chExt cx="0" cy="0"/>
+        </a:xfrm>
+      </p:grpSpPr>
+      <p:sp>
+        <p:nvSpPr>
+          <p:cNvPr id="111" name="Google Shape;111;p4"/>
+          <p:cNvSpPr txBox="1"/>
+          <p:nvPr/>
+        </p:nvSpPr>
+        <p:spPr>
+          <a:xfrm>
+            <a:off x="510558" y="196996"/>
+            <a:ext cx="11658658" cy="1007542"/>
+          </a:xfrm>
+          <a:prstGeom prst="rect">
+            <a:avLst/>
+          </a:prstGeom>
+          <a:noFill/>
+          <a:ln>
+            <a:noFill/>
+          </a:ln>
+        </p:spPr>
+        <p:txBody>
+          <a:bodyPr spcFirstLastPara="1" wrap="square" lIns="91425" tIns="45700" rIns="91425" bIns="45700" anchor="t" anchorCtr="0">
+            <a:noAutofit/>
+          </a:bodyPr>
+          <a:lstStyle/>
+          <a:p>
+            <a:pPr lvl="1">
+              <a:lnSpc>
+                <a:spcPct val="85000"/>
+              </a:lnSpc>
+              <a:buClr>
+                <a:schemeClr val="accent1"/>
+              </a:buClr>
+              <a:buSzPts val="3200"/>
+            </a:pPr>
+            <a:r>
+              <a:rPr lang="es-ES" sz="3200" b="1" dirty="0">
+                <a:solidFill>
+                  <a:schemeClr val="accent1"/>
+                </a:solidFill>
+                <a:latin typeface="Calibri"/>
+                <a:ea typeface="Calibri"/>
+                <a:cs typeface="Calibri"/>
+                <a:sym typeface="Calibri"/>
+              </a:rPr>
+              <a:t>Conclusiones</a:t>
+            </a:r>
+            <a:endParaRPr sz="3200" b="1" dirty="0">
+              <a:solidFill>
+                <a:schemeClr val="accent1"/>
+              </a:solidFill>
+              <a:latin typeface="Calibri"/>
+              <a:ea typeface="Calibri"/>
+              <a:cs typeface="Calibri"/>
+              <a:sym typeface="Calibri"/>
+            </a:endParaRPr>
+          </a:p>
+        </p:txBody>
+      </p:sp>
+      <p:sp>
+        <p:nvSpPr>
+          <p:cNvPr id="4" name="CuadroTexto 3">
+            <a:extLst>
+              <a:ext uri="{FF2B5EF4-FFF2-40B4-BE49-F238E27FC236}">
+                <a16:creationId xmlns:a16="http://schemas.microsoft.com/office/drawing/2014/main" id="{ECAB82E2-D770-9359-87FF-FC648CC6339F}"/>
+              </a:ext>
+            </a:extLst>
+          </p:cNvPr>
+          <p:cNvSpPr txBox="1"/>
+          <p:nvPr/>
+        </p:nvSpPr>
+        <p:spPr>
+          <a:xfrm>
+            <a:off x="1286932" y="1269441"/>
+            <a:ext cx="10261601" cy="4278094"/>
           </a:xfrm>
           <a:prstGeom prst="rect">
             <a:avLst/>
@@ -21769,11 +22022,343 @@
               <a:rPr lang="es-MX" sz="1600" b="1" dirty="0">
                 <a:latin typeface="Calibri" panose="020F0502020204030204" pitchFamily="34" charset="0"/>
               </a:rPr>
-              <a:t>cambios de tendencia repentinos muy marcados </a:t>
+              <a:t>cambios de tendencia repentinos muy marcados.</a:t>
+            </a:r>
+          </a:p>
+          <a:p>
+            <a:endParaRPr lang="es-MX" sz="1600" b="1" dirty="0">
+              <a:latin typeface="Calibri" panose="020F0502020204030204" pitchFamily="34" charset="0"/>
+            </a:endParaRPr>
+          </a:p>
+          <a:p>
+            <a:endParaRPr lang="es-MX" sz="1600" b="1" dirty="0">
+              <a:latin typeface="Calibri" panose="020F0502020204030204" pitchFamily="34" charset="0"/>
+            </a:endParaRPr>
+          </a:p>
+          <a:p>
+            <a:endParaRPr lang="es-MX" sz="1600" b="1" dirty="0">
+              <a:latin typeface="Calibri" panose="020F0502020204030204" pitchFamily="34" charset="0"/>
+            </a:endParaRPr>
+          </a:p>
+          <a:p>
+            <a:r>
+              <a:rPr lang="es-MX" sz="1600" dirty="0">
+                <a:latin typeface="Calibri" panose="020F0502020204030204" pitchFamily="34" charset="0"/>
+              </a:rPr>
+              <a:t>Los modelos de series de tiempo son </a:t>
+            </a:r>
+            <a:r>
+              <a:rPr lang="es-MX" sz="1600" b="1" dirty="0">
+                <a:latin typeface="Calibri" panose="020F0502020204030204" pitchFamily="34" charset="0"/>
+              </a:rPr>
+              <a:t>bastante buenos captando estacionalidad </a:t>
+            </a:r>
+            <a:r>
+              <a:rPr lang="es-MX" sz="1600" dirty="0">
+                <a:latin typeface="Calibri" panose="020F0502020204030204" pitchFamily="34" charset="0"/>
+              </a:rPr>
+              <a:t> pero pueden exagerar en los pronósticos al sobrestimar o subestimar el </a:t>
+            </a:r>
+            <a:r>
+              <a:rPr lang="es-MX" sz="1600" dirty="0" err="1">
+                <a:latin typeface="Calibri" panose="020F0502020204030204" pitchFamily="34" charset="0"/>
+              </a:rPr>
+              <a:t>forecast</a:t>
+            </a:r>
+            <a:r>
+              <a:rPr lang="es-MX" sz="1600" dirty="0">
+                <a:latin typeface="Calibri" panose="020F0502020204030204" pitchFamily="34" charset="0"/>
+              </a:rPr>
+              <a:t>. </a:t>
+            </a:r>
+            <a:endParaRPr lang="es-MX" sz="1600" b="1" dirty="0">
+              <a:latin typeface="Calibri" panose="020F0502020204030204" pitchFamily="34" charset="0"/>
+            </a:endParaRPr>
+          </a:p>
+          <a:p>
+            <a:endParaRPr lang="es-MX" sz="1600" b="1" dirty="0">
+              <a:latin typeface="Calibri" panose="020F0502020204030204" pitchFamily="34" charset="0"/>
+            </a:endParaRPr>
+          </a:p>
+          <a:p>
+            <a:endParaRPr lang="es-MX" sz="1600" b="1" dirty="0">
+              <a:latin typeface="Calibri" panose="020F0502020204030204" pitchFamily="34" charset="0"/>
+            </a:endParaRPr>
+          </a:p>
+          <a:p>
+            <a:r>
+              <a:rPr lang="es-MX" sz="1600" dirty="0">
+                <a:latin typeface="Calibri" panose="020F0502020204030204" pitchFamily="34" charset="0"/>
+              </a:rPr>
+              <a:t>Los modelos de LSTM </a:t>
+            </a:r>
+            <a:r>
+              <a:rPr lang="es-MX" sz="1600" b="1" dirty="0">
+                <a:latin typeface="Calibri" panose="020F0502020204030204" pitchFamily="34" charset="0"/>
+              </a:rPr>
+              <a:t>suelen no sobre estimar o subestimar </a:t>
+            </a:r>
+            <a:r>
+              <a:rPr lang="es-MX" sz="1600" dirty="0">
+                <a:latin typeface="Calibri" panose="020F0502020204030204" pitchFamily="34" charset="0"/>
+              </a:rPr>
+              <a:t>tanto en comparación con los (S)ARIMA </a:t>
+            </a:r>
+          </a:p>
+          <a:p>
+            <a:r>
+              <a:rPr lang="es-MX" sz="1600" b="1" dirty="0">
+                <a:latin typeface="Calibri" panose="020F0502020204030204" pitchFamily="34" charset="0"/>
+              </a:rPr>
+              <a:t>NO siempre el normalizar los datos de entramiento ayuda al pronóstico de los modelos LSTM, </a:t>
+            </a:r>
+            <a:r>
+              <a:rPr lang="es-MX" sz="1600" dirty="0">
+                <a:latin typeface="Calibri" panose="020F0502020204030204" pitchFamily="34" charset="0"/>
+              </a:rPr>
+              <a:t>pues el pronóstico tiende a perder “elasticidad” y capacidad de reflejar estacionalidad </a:t>
+            </a:r>
+          </a:p>
+          <a:p>
+            <a:endParaRPr lang="es-MX" sz="1600" dirty="0">
+              <a:latin typeface="Calibri" panose="020F0502020204030204" pitchFamily="34" charset="0"/>
+            </a:endParaRPr>
+          </a:p>
+          <a:p>
+            <a:endParaRPr lang="es-MX" sz="1600" dirty="0">
+              <a:latin typeface="Calibri" panose="020F0502020204030204" pitchFamily="34" charset="0"/>
+            </a:endParaRPr>
+          </a:p>
+          <a:p>
+            <a:r>
+              <a:rPr lang="es-MX" sz="1600" u="sng" dirty="0">
+                <a:latin typeface="Calibri" panose="020F0502020204030204" pitchFamily="34" charset="0"/>
+              </a:rPr>
+              <a:t>En este caso </a:t>
+            </a:r>
+            <a:r>
+              <a:rPr lang="es-MX" sz="1600" dirty="0">
+                <a:latin typeface="Calibri" panose="020F0502020204030204" pitchFamily="34" charset="0"/>
+              </a:rPr>
+              <a:t>si la data es No estacionarie inclusive si se tratan los atípicos (caso de demanda petrolero) los modelos (S)ARIMA fueron mejores que los LSTM para estimar la demanda del Gas Natural  pues tuvieron un mejor balance entre la capacidad para reproducir estacionalidad y tendencia </a:t>
             </a:r>
           </a:p>
         </p:txBody>
       </p:sp>
+      <p:pic>
+        <p:nvPicPr>
+          <p:cNvPr id="1026" name="Picture 2" descr="outliers icon">
+            <a:extLst>
+              <a:ext uri="{FF2B5EF4-FFF2-40B4-BE49-F238E27FC236}">
+                <a16:creationId xmlns:a16="http://schemas.microsoft.com/office/drawing/2014/main" id="{E0AAA710-1358-FC30-087E-FF69DC2F1875}"/>
+              </a:ext>
+            </a:extLst>
+          </p:cNvPr>
+          <p:cNvPicPr>
+            <a:picLocks noChangeAspect="1" noChangeArrowheads="1"/>
+          </p:cNvPicPr>
+          <p:nvPr/>
+        </p:nvPicPr>
+        <p:blipFill rotWithShape="1">
+          <a:blip r:embed="rId3">
+            <a:duotone>
+              <a:schemeClr val="accent1">
+                <a:shade val="45000"/>
+                <a:satMod val="135000"/>
+              </a:schemeClr>
+              <a:prstClr val="white"/>
+            </a:duotone>
+            <a:extLst>
+              <a:ext uri="{28A0092B-C50C-407E-A947-70E740481C1C}">
+                <a14:useLocalDpi xmlns:a14="http://schemas.microsoft.com/office/drawing/2010/main" val="0"/>
+              </a:ext>
+            </a:extLst>
+          </a:blip>
+          <a:srcRect l="-666" t="10445" r="3777" b="14889"/>
+          <a:stretch/>
+        </p:blipFill>
+        <p:spPr bwMode="auto">
+          <a:xfrm>
+            <a:off x="365898" y="1237716"/>
+            <a:ext cx="861048" cy="663559"/>
+          </a:xfrm>
+          <a:prstGeom prst="rect">
+            <a:avLst/>
+          </a:prstGeom>
+          <a:noFill/>
+          <a:extLst>
+            <a:ext uri="{909E8E84-426E-40DD-AFC4-6F175D3DCCD1}">
+              <a14:hiddenFill xmlns:a14="http://schemas.microsoft.com/office/drawing/2010/main">
+                <a:solidFill>
+                  <a:srgbClr val="FFFFFF"/>
+                </a:solidFill>
+              </a14:hiddenFill>
+            </a:ext>
+          </a:extLst>
+        </p:spPr>
+      </p:pic>
+      <p:pic>
+        <p:nvPicPr>
+          <p:cNvPr id="1028" name="Picture 4" descr="estimate icon">
+            <a:extLst>
+              <a:ext uri="{FF2B5EF4-FFF2-40B4-BE49-F238E27FC236}">
+                <a16:creationId xmlns:a16="http://schemas.microsoft.com/office/drawing/2014/main" id="{6127F802-AF75-736E-50DB-645A60037447}"/>
+              </a:ext>
+            </a:extLst>
+          </p:cNvPr>
+          <p:cNvPicPr>
+            <a:picLocks noChangeAspect="1" noChangeArrowheads="1"/>
+          </p:cNvPicPr>
+          <p:nvPr/>
+        </p:nvPicPr>
+        <p:blipFill>
+          <a:blip r:embed="rId4">
+            <a:duotone>
+              <a:schemeClr val="accent1">
+                <a:shade val="45000"/>
+                <a:satMod val="135000"/>
+              </a:schemeClr>
+              <a:prstClr val="white"/>
+            </a:duotone>
+            <a:extLst>
+              <a:ext uri="{28A0092B-C50C-407E-A947-70E740481C1C}">
+                <a14:useLocalDpi xmlns:a14="http://schemas.microsoft.com/office/drawing/2010/main" val="0"/>
+              </a:ext>
+            </a:extLst>
+          </a:blip>
+          <a:srcRect/>
+          <a:stretch>
+            <a:fillRect/>
+          </a:stretch>
+        </p:blipFill>
+        <p:spPr bwMode="auto">
+          <a:xfrm>
+            <a:off x="402621" y="2337215"/>
+            <a:ext cx="734459" cy="734459"/>
+          </a:xfrm>
+          <a:prstGeom prst="rect">
+            <a:avLst/>
+          </a:prstGeom>
+          <a:noFill/>
+          <a:extLst>
+            <a:ext uri="{909E8E84-426E-40DD-AFC4-6F175D3DCCD1}">
+              <a14:hiddenFill xmlns:a14="http://schemas.microsoft.com/office/drawing/2010/main">
+                <a:solidFill>
+                  <a:srgbClr val="FFFFFF"/>
+                </a:solidFill>
+              </a14:hiddenFill>
+            </a:ext>
+          </a:extLst>
+        </p:spPr>
+      </p:pic>
+      <p:pic>
+        <p:nvPicPr>
+          <p:cNvPr id="1030" name="Picture 6" descr="time series icon">
+            <a:extLst>
+              <a:ext uri="{FF2B5EF4-FFF2-40B4-BE49-F238E27FC236}">
+                <a16:creationId xmlns:a16="http://schemas.microsoft.com/office/drawing/2014/main" id="{77733C58-042B-F705-02F9-B6EE8961561B}"/>
+              </a:ext>
+            </a:extLst>
+          </p:cNvPr>
+          <p:cNvPicPr>
+            <a:picLocks noChangeAspect="1" noChangeArrowheads="1"/>
+          </p:cNvPicPr>
+          <p:nvPr/>
+        </p:nvPicPr>
+        <p:blipFill>
+          <a:blip r:embed="rId5">
+            <a:duotone>
+              <a:schemeClr val="accent1">
+                <a:shade val="45000"/>
+                <a:satMod val="135000"/>
+              </a:schemeClr>
+              <a:prstClr val="white"/>
+            </a:duotone>
+            <a:extLst>
+              <a:ext uri="{28A0092B-C50C-407E-A947-70E740481C1C}">
+                <a14:useLocalDpi xmlns:a14="http://schemas.microsoft.com/office/drawing/2010/main" val="0"/>
+              </a:ext>
+            </a:extLst>
+          </a:blip>
+          <a:srcRect/>
+          <a:stretch>
+            <a:fillRect/>
+          </a:stretch>
+        </p:blipFill>
+        <p:spPr bwMode="auto">
+          <a:xfrm>
+            <a:off x="402620" y="3507614"/>
+            <a:ext cx="734459" cy="734459"/>
+          </a:xfrm>
+          <a:prstGeom prst="rect">
+            <a:avLst/>
+          </a:prstGeom>
+          <a:noFill/>
+          <a:extLst>
+            <a:ext uri="{909E8E84-426E-40DD-AFC4-6F175D3DCCD1}">
+              <a14:hiddenFill xmlns:a14="http://schemas.microsoft.com/office/drawing/2010/main">
+                <a:solidFill>
+                  <a:srgbClr val="FFFFFF"/>
+                </a:solidFill>
+              </a14:hiddenFill>
+            </a:ext>
+          </a:extLst>
+        </p:spPr>
+      </p:pic>
+      <p:pic>
+        <p:nvPicPr>
+          <p:cNvPr id="1032" name="Picture 8" descr="time series icon">
+            <a:extLst>
+              <a:ext uri="{FF2B5EF4-FFF2-40B4-BE49-F238E27FC236}">
+                <a16:creationId xmlns:a16="http://schemas.microsoft.com/office/drawing/2014/main" id="{1698607F-B3AE-A6FD-34CC-0372345B5607}"/>
+              </a:ext>
+            </a:extLst>
+          </p:cNvPr>
+          <p:cNvPicPr>
+            <a:picLocks noChangeAspect="1" noChangeArrowheads="1"/>
+          </p:cNvPicPr>
+          <p:nvPr/>
+        </p:nvPicPr>
+        <p:blipFill>
+          <a:blip r:embed="rId6">
+            <a:duotone>
+              <a:schemeClr val="accent1">
+                <a:shade val="45000"/>
+                <a:satMod val="135000"/>
+              </a:schemeClr>
+              <a:prstClr val="white"/>
+            </a:duotone>
+            <a:extLst>
+              <a:ext uri="{28A0092B-C50C-407E-A947-70E740481C1C}">
+                <a14:useLocalDpi xmlns:a14="http://schemas.microsoft.com/office/drawing/2010/main" val="0"/>
+              </a:ext>
+            </a:extLst>
+          </a:blip>
+          <a:srcRect/>
+          <a:stretch>
+            <a:fillRect/>
+          </a:stretch>
+        </p:blipFill>
+        <p:spPr bwMode="auto">
+          <a:xfrm>
+            <a:off x="389287" y="4620934"/>
+            <a:ext cx="807905" cy="807905"/>
+          </a:xfrm>
+          <a:prstGeom prst="rect">
+            <a:avLst/>
+          </a:prstGeom>
+          <a:noFill/>
+          <a:extLst>
+            <a:ext uri="{909E8E84-426E-40DD-AFC4-6F175D3DCCD1}">
+              <a14:hiddenFill xmlns:a14="http://schemas.microsoft.com/office/drawing/2010/main">
+                <a:solidFill>
+                  <a:srgbClr val="FFFFFF"/>
+                </a:solidFill>
+              </a14:hiddenFill>
+            </a:ext>
+          </a:extLst>
+        </p:spPr>
+      </p:pic>
     </p:spTree>
     <p:extLst>
       <p:ext uri="{BB962C8B-B14F-4D97-AF65-F5344CB8AC3E}">

--- a/Diplomado_DS_Proyecto_Final/Proyecto_final_Diplomado_DS_UNAM_v2.pptx
+++ b/Diplomado_DS_Proyecto_Final/Proyecto_final_Diplomado_DS_UNAM_v2.pptx
@@ -5,7 +5,7 @@
     <p:sldMasterId id="2147483648" r:id="rId1"/>
   </p:sldMasterIdLst>
   <p:notesMasterIdLst>
-    <p:notesMasterId r:id="rId19"/>
+    <p:notesMasterId r:id="rId21"/>
   </p:notesMasterIdLst>
   <p:sldIdLst>
     <p:sldId id="256" r:id="rId2"/>
@@ -25,6 +25,8 @@
     <p:sldId id="275" r:id="rId16"/>
     <p:sldId id="276" r:id="rId17"/>
     <p:sldId id="270" r:id="rId18"/>
+    <p:sldId id="277" r:id="rId19"/>
+    <p:sldId id="278" r:id="rId20"/>
   </p:sldIdLst>
   <p:sldSz cx="12192000" cy="6858000"/>
   <p:notesSz cx="6858000" cy="9144000"/>
@@ -273,7 +275,7 @@
       </p15:sldGuideLst>
     </p:ext>
     <p:ext uri="GoogleSlidesCustomDataVersion2">
-      <go:slidesCustomData xmlns="" xmlns:mc="http://schemas.openxmlformats.org/markup-compatibility/2006" xmlns:mv="urn:schemas-microsoft-com:mac:vml" xmlns:c="http://schemas.openxmlformats.org/drawingml/2006/chart" xmlns:dgm="http://schemas.openxmlformats.org/drawingml/2006/diagram" xmlns:o="urn:schemas-microsoft-com:office:office" xmlns:v="urn:schemas-microsoft-com:vml" xmlns:pvml="urn:schemas-microsoft-com:office:powerpoint" xmlns:com="http://schemas.openxmlformats.org/drawingml/2006/compatibility" xmlns:p14="http://schemas.microsoft.com/office/powerpoint/2010/main" xmlns:p15="http://schemas.microsoft.com/office/powerpoint/2012/main" xmlns:ahyp="http://schemas.microsoft.com/office/drawing/2018/hyperlinkcolor" xmlns:go="http://customooxmlschemas.google.com/" r:id="rId20" roundtripDataSignature="AMtx7mgHnMHIZxhnZr2j+tVR2DpQdbinhg=="/>
+      <go:slidesCustomData xmlns:go="http://customooxmlschemas.google.com/" xmlns:ahyp="http://schemas.microsoft.com/office/drawing/2018/hyperlinkcolor" xmlns:p15="http://schemas.microsoft.com/office/powerpoint/2012/main" xmlns:p14="http://schemas.microsoft.com/office/powerpoint/2010/main" xmlns:com="http://schemas.openxmlformats.org/drawingml/2006/compatibility" xmlns:pvml="urn:schemas-microsoft-com:office:powerpoint" xmlns:v="urn:schemas-microsoft-com:vml" xmlns:o="urn:schemas-microsoft-com:office:office" xmlns:dgm="http://schemas.openxmlformats.org/drawingml/2006/diagram" xmlns:c="http://schemas.openxmlformats.org/drawingml/2006/chart" xmlns:mv="urn:schemas-microsoft-com:mac:vml" xmlns:mc="http://schemas.openxmlformats.org/markup-compatibility/2006" xmlns="" r:id="rId22" roundtripDataSignature="AMtx7mgHnMHIZxhnZr2j+tVR2DpQdbinhg=="/>
     </p:ext>
   </p:extLst>
 </p:presentation>
@@ -2439,6 +2441,224 @@
     <p:extLst>
       <p:ext uri="{BB962C8B-B14F-4D97-AF65-F5344CB8AC3E}">
         <p14:creationId xmlns:p14="http://schemas.microsoft.com/office/powerpoint/2010/main" val="2872610994"/>
+      </p:ext>
+    </p:extLst>
+  </p:cSld>
+  <p:clrMapOvr>
+    <a:masterClrMapping/>
+  </p:clrMapOvr>
+</p:notes>
+</file>
+
+<file path=ppt/notesSlides/notesSlide18.xml><?xml version="1.0" encoding="utf-8"?>
+<p:notes xmlns:a="http://schemas.openxmlformats.org/drawingml/2006/main" xmlns:r="http://schemas.openxmlformats.org/officeDocument/2006/relationships" xmlns:p="http://schemas.openxmlformats.org/presentationml/2006/main" showMasterSp="0" showMasterPhAnim="0">
+  <p:cSld>
+    <p:spTree>
+      <p:nvGrpSpPr>
+        <p:cNvPr id="1" name="Shape 107"/>
+        <p:cNvGrpSpPr/>
+        <p:nvPr/>
+      </p:nvGrpSpPr>
+      <p:grpSpPr>
+        <a:xfrm>
+          <a:off x="0" y="0"/>
+          <a:ext cx="0" cy="0"/>
+          <a:chOff x="0" y="0"/>
+          <a:chExt cx="0" cy="0"/>
+        </a:xfrm>
+      </p:grpSpPr>
+      <p:sp>
+        <p:nvSpPr>
+          <p:cNvPr id="108" name="Google Shape;108;p4:notes"/>
+          <p:cNvSpPr txBox="1">
+            <a:spLocks noGrp="1"/>
+          </p:cNvSpPr>
+          <p:nvPr>
+            <p:ph type="body" idx="1"/>
+          </p:nvPr>
+        </p:nvSpPr>
+        <p:spPr>
+          <a:xfrm>
+            <a:off x="685800" y="4400550"/>
+            <a:ext cx="5486400" cy="3600450"/>
+          </a:xfrm>
+          <a:prstGeom prst="rect">
+            <a:avLst/>
+          </a:prstGeom>
+        </p:spPr>
+        <p:txBody>
+          <a:bodyPr spcFirstLastPara="1" wrap="square" lIns="91425" tIns="45700" rIns="91425" bIns="45700" anchor="t" anchorCtr="0">
+            <a:noAutofit/>
+          </a:bodyPr>
+          <a:lstStyle/>
+          <a:p>
+            <a:pPr marL="0" lvl="0" indent="0" algn="l" rtl="0">
+              <a:spcBef>
+                <a:spcPts val="0"/>
+              </a:spcBef>
+              <a:spcAft>
+                <a:spcPts val="0"/>
+              </a:spcAft>
+              <a:buNone/>
+            </a:pPr>
+            <a:endParaRPr/>
+          </a:p>
+        </p:txBody>
+      </p:sp>
+      <p:sp>
+        <p:nvSpPr>
+          <p:cNvPr id="109" name="Google Shape;109;p4:notes"/>
+          <p:cNvSpPr>
+            <a:spLocks noGrp="1" noRot="1" noChangeAspect="1"/>
+          </p:cNvSpPr>
+          <p:nvPr>
+            <p:ph type="sldImg" idx="2"/>
+          </p:nvPr>
+        </p:nvSpPr>
+        <p:spPr>
+          <a:xfrm>
+            <a:off x="685800" y="1143000"/>
+            <a:ext cx="5486400" cy="3086100"/>
+          </a:xfrm>
+          <a:custGeom>
+            <a:avLst/>
+            <a:gdLst/>
+            <a:ahLst/>
+            <a:cxnLst/>
+            <a:rect l="l" t="t" r="r" b="b"/>
+            <a:pathLst>
+              <a:path w="120000" h="120000" extrusionOk="0">
+                <a:moveTo>
+                  <a:pt x="0" y="0"/>
+                </a:moveTo>
+                <a:lnTo>
+                  <a:pt x="120000" y="0"/>
+                </a:lnTo>
+                <a:lnTo>
+                  <a:pt x="120000" y="120000"/>
+                </a:lnTo>
+                <a:lnTo>
+                  <a:pt x="0" y="120000"/>
+                </a:lnTo>
+                <a:close/>
+              </a:path>
+            </a:pathLst>
+          </a:custGeom>
+        </p:spPr>
+      </p:sp>
+    </p:spTree>
+    <p:extLst>
+      <p:ext uri="{BB962C8B-B14F-4D97-AF65-F5344CB8AC3E}">
+        <p14:creationId xmlns:p14="http://schemas.microsoft.com/office/powerpoint/2010/main" val="890619390"/>
+      </p:ext>
+    </p:extLst>
+  </p:cSld>
+  <p:clrMapOvr>
+    <a:masterClrMapping/>
+  </p:clrMapOvr>
+</p:notes>
+</file>
+
+<file path=ppt/notesSlides/notesSlide19.xml><?xml version="1.0" encoding="utf-8"?>
+<p:notes xmlns:a="http://schemas.openxmlformats.org/drawingml/2006/main" xmlns:r="http://schemas.openxmlformats.org/officeDocument/2006/relationships" xmlns:p="http://schemas.openxmlformats.org/presentationml/2006/main" showMasterSp="0" showMasterPhAnim="0">
+  <p:cSld>
+    <p:spTree>
+      <p:nvGrpSpPr>
+        <p:cNvPr id="1" name="Shape 107"/>
+        <p:cNvGrpSpPr/>
+        <p:nvPr/>
+      </p:nvGrpSpPr>
+      <p:grpSpPr>
+        <a:xfrm>
+          <a:off x="0" y="0"/>
+          <a:ext cx="0" cy="0"/>
+          <a:chOff x="0" y="0"/>
+          <a:chExt cx="0" cy="0"/>
+        </a:xfrm>
+      </p:grpSpPr>
+      <p:sp>
+        <p:nvSpPr>
+          <p:cNvPr id="108" name="Google Shape;108;p4:notes"/>
+          <p:cNvSpPr txBox="1">
+            <a:spLocks noGrp="1"/>
+          </p:cNvSpPr>
+          <p:nvPr>
+            <p:ph type="body" idx="1"/>
+          </p:nvPr>
+        </p:nvSpPr>
+        <p:spPr>
+          <a:xfrm>
+            <a:off x="685800" y="4400550"/>
+            <a:ext cx="5486400" cy="3600450"/>
+          </a:xfrm>
+          <a:prstGeom prst="rect">
+            <a:avLst/>
+          </a:prstGeom>
+        </p:spPr>
+        <p:txBody>
+          <a:bodyPr spcFirstLastPara="1" wrap="square" lIns="91425" tIns="45700" rIns="91425" bIns="45700" anchor="t" anchorCtr="0">
+            <a:noAutofit/>
+          </a:bodyPr>
+          <a:lstStyle/>
+          <a:p>
+            <a:pPr marL="0" lvl="0" indent="0" algn="l" rtl="0">
+              <a:spcBef>
+                <a:spcPts val="0"/>
+              </a:spcBef>
+              <a:spcAft>
+                <a:spcPts val="0"/>
+              </a:spcAft>
+              <a:buNone/>
+            </a:pPr>
+            <a:endParaRPr/>
+          </a:p>
+        </p:txBody>
+      </p:sp>
+      <p:sp>
+        <p:nvSpPr>
+          <p:cNvPr id="109" name="Google Shape;109;p4:notes"/>
+          <p:cNvSpPr>
+            <a:spLocks noGrp="1" noRot="1" noChangeAspect="1"/>
+          </p:cNvSpPr>
+          <p:nvPr>
+            <p:ph type="sldImg" idx="2"/>
+          </p:nvPr>
+        </p:nvSpPr>
+        <p:spPr>
+          <a:xfrm>
+            <a:off x="685800" y="1143000"/>
+            <a:ext cx="5486400" cy="3086100"/>
+          </a:xfrm>
+          <a:custGeom>
+            <a:avLst/>
+            <a:gdLst/>
+            <a:ahLst/>
+            <a:cxnLst/>
+            <a:rect l="l" t="t" r="r" b="b"/>
+            <a:pathLst>
+              <a:path w="120000" h="120000" extrusionOk="0">
+                <a:moveTo>
+                  <a:pt x="0" y="0"/>
+                </a:moveTo>
+                <a:lnTo>
+                  <a:pt x="120000" y="0"/>
+                </a:lnTo>
+                <a:lnTo>
+                  <a:pt x="120000" y="120000"/>
+                </a:lnTo>
+                <a:lnTo>
+                  <a:pt x="0" y="120000"/>
+                </a:lnTo>
+                <a:close/>
+              </a:path>
+            </a:pathLst>
+          </a:custGeom>
+        </p:spPr>
+      </p:sp>
+    </p:spTree>
+    <p:extLst>
+      <p:ext uri="{BB962C8B-B14F-4D97-AF65-F5344CB8AC3E}">
+        <p14:creationId xmlns:p14="http://schemas.microsoft.com/office/powerpoint/2010/main" val="1149753895"/>
       </p:ext>
     </p:extLst>
   </p:cSld>
@@ -9945,7 +10165,7 @@
                 <a:cs typeface="Arial"/>
                 <a:sym typeface="Arial"/>
               </a:rPr>
-              <a:t>07 Octubre de 2023</a:t>
+              <a:t>Octubre de 2023</a:t>
             </a:r>
             <a:br>
               <a:rPr lang="es-MX" sz="3200" b="1" dirty="0">
@@ -10205,7 +10425,7 @@
         <p:spPr>
           <a:xfrm>
             <a:off x="1401233" y="1204539"/>
-            <a:ext cx="9389533" cy="2011680"/>
+            <a:ext cx="5913967" cy="2011680"/>
           </a:xfrm>
           <a:prstGeom prst="rect">
             <a:avLst/>
@@ -10578,6 +10798,36 @@
           </a:p>
         </p:txBody>
       </p:sp>
+      <p:pic>
+        <p:nvPicPr>
+          <p:cNvPr id="6" name="Imagen 5">
+            <a:extLst>
+              <a:ext uri="{FF2B5EF4-FFF2-40B4-BE49-F238E27FC236}">
+                <a16:creationId xmlns:a16="http://schemas.microsoft.com/office/drawing/2014/main" id="{49EE6C3A-2E3F-AA82-82FC-DA709AD35095}"/>
+              </a:ext>
+            </a:extLst>
+          </p:cNvPr>
+          <p:cNvPicPr>
+            <a:picLocks noChangeAspect="1"/>
+          </p:cNvPicPr>
+          <p:nvPr/>
+        </p:nvPicPr>
+        <p:blipFill>
+          <a:blip r:embed="rId8"/>
+          <a:stretch>
+            <a:fillRect/>
+          </a:stretch>
+        </p:blipFill>
+        <p:spPr>
+          <a:xfrm>
+            <a:off x="8188169" y="1161617"/>
+            <a:ext cx="3273132" cy="2161502"/>
+          </a:xfrm>
+          <a:prstGeom prst="rect">
+            <a:avLst/>
+          </a:prstGeom>
+        </p:spPr>
+      </p:pic>
     </p:spTree>
     <p:extLst>
       <p:ext uri="{BB962C8B-B14F-4D97-AF65-F5344CB8AC3E}">
@@ -16260,8 +16510,8 @@
         </p:blipFill>
         <p:spPr>
           <a:xfrm>
-            <a:off x="1052892" y="1179059"/>
-            <a:ext cx="9401159" cy="2092591"/>
+            <a:off x="612157" y="1382845"/>
+            <a:ext cx="6849768" cy="1818699"/>
           </a:xfrm>
           <a:prstGeom prst="rect">
             <a:avLst/>
@@ -16382,6 +16632,36 @@
           <a:xfrm>
             <a:off x="2990437" y="3952183"/>
             <a:ext cx="2620645" cy="1825755"/>
+          </a:xfrm>
+          <a:prstGeom prst="rect">
+            <a:avLst/>
+          </a:prstGeom>
+        </p:spPr>
+      </p:pic>
+      <p:pic>
+        <p:nvPicPr>
+          <p:cNvPr id="4" name="Imagen 3">
+            <a:extLst>
+              <a:ext uri="{FF2B5EF4-FFF2-40B4-BE49-F238E27FC236}">
+                <a16:creationId xmlns:a16="http://schemas.microsoft.com/office/drawing/2014/main" id="{E90722C6-835C-BD1C-8764-428695374923}"/>
+              </a:ext>
+            </a:extLst>
+          </p:cNvPr>
+          <p:cNvPicPr>
+            <a:picLocks noChangeAspect="1"/>
+          </p:cNvPicPr>
+          <p:nvPr/>
+        </p:nvPicPr>
+        <p:blipFill>
+          <a:blip r:embed="rId8"/>
+          <a:stretch>
+            <a:fillRect/>
+          </a:stretch>
+        </p:blipFill>
+        <p:spPr>
+          <a:xfrm>
+            <a:off x="7920566" y="1009151"/>
+            <a:ext cx="3458634" cy="2284002"/>
           </a:xfrm>
           <a:prstGeom prst="rect">
             <a:avLst/>
@@ -16522,14 +16802,14 @@
           <p:nvPr>
             <p:extLst>
               <p:ext uri="{D42A27DB-BD31-4B8C-83A1-F6EECF244321}">
-                <p14:modId xmlns:p14="http://schemas.microsoft.com/office/powerpoint/2010/main" val="1704252369"/>
+                <p14:modId xmlns:p14="http://schemas.microsoft.com/office/powerpoint/2010/main" val="836106669"/>
               </p:ext>
             </p:extLst>
           </p:nvPr>
         </p:nvGraphicFramePr>
         <p:xfrm>
           <a:off x="331892" y="1157968"/>
-          <a:ext cx="11349550" cy="2753360"/>
+          <a:ext cx="11216641" cy="2636520"/>
         </p:xfrm>
         <a:graphic>
           <a:graphicData uri="http://schemas.openxmlformats.org/drawingml/2006/table">
@@ -16538,52 +16818,45 @@
                 <a:tableStyleId>{5C22544A-7EE6-4342-B048-85BDC9FD1C3A}</a:tableStyleId>
               </a:tblPr>
               <a:tblGrid>
-                <a:gridCol w="1804733">
+                <a:gridCol w="2249633">
                   <a:extLst>
                     <a:ext uri="{9D8B030D-6E8A-4147-A177-3AD203B41FA5}">
                       <a16:colId xmlns:a16="http://schemas.microsoft.com/office/drawing/2014/main" val="896100951"/>
                     </a:ext>
                   </a:extLst>
                 </a:gridCol>
-                <a:gridCol w="1804733">
+                <a:gridCol w="2249633">
                   <a:extLst>
                     <a:ext uri="{9D8B030D-6E8A-4147-A177-3AD203B41FA5}">
                       <a16:colId xmlns:a16="http://schemas.microsoft.com/office/drawing/2014/main" val="1128444383"/>
                     </a:ext>
                   </a:extLst>
                 </a:gridCol>
-                <a:gridCol w="2097069">
+                <a:gridCol w="2614035">
                   <a:extLst>
                     <a:ext uri="{9D8B030D-6E8A-4147-A177-3AD203B41FA5}">
                       <a16:colId xmlns:a16="http://schemas.microsoft.com/office/drawing/2014/main" val="3823021968"/>
                     </a:ext>
                   </a:extLst>
                 </a:gridCol>
-                <a:gridCol w="1097280">
+                <a:gridCol w="1367780">
                   <a:extLst>
                     <a:ext uri="{9D8B030D-6E8A-4147-A177-3AD203B41FA5}">
                       <a16:colId xmlns:a16="http://schemas.microsoft.com/office/drawing/2014/main" val="938150115"/>
                     </a:ext>
                   </a:extLst>
                 </a:gridCol>
-                <a:gridCol w="1097280">
+                <a:gridCol w="1367780">
                   <a:extLst>
                     <a:ext uri="{9D8B030D-6E8A-4147-A177-3AD203B41FA5}">
                       <a16:colId xmlns:a16="http://schemas.microsoft.com/office/drawing/2014/main" val="4020079597"/>
                     </a:ext>
                   </a:extLst>
                 </a:gridCol>
-                <a:gridCol w="1097280">
+                <a:gridCol w="1367780">
                   <a:extLst>
                     <a:ext uri="{9D8B030D-6E8A-4147-A177-3AD203B41FA5}">
                       <a16:colId xmlns:a16="http://schemas.microsoft.com/office/drawing/2014/main" val="1155112631"/>
-                    </a:ext>
-                  </a:extLst>
-                </a:gridCol>
-                <a:gridCol w="2351175">
-                  <a:extLst>
-                    <a:ext uri="{9D8B030D-6E8A-4147-A177-3AD203B41FA5}">
-                      <a16:colId xmlns:a16="http://schemas.microsoft.com/office/drawing/2014/main" val="725785473"/>
                     </a:ext>
                   </a:extLst>
                 </a:gridCol>
@@ -16732,33 +17005,6 @@
                       <a:r>
                         <a:rPr lang="es-ES" dirty="0"/>
                         <a:t>AIC</a:t>
-                      </a:r>
-                      <a:endParaRPr lang="es-MX" dirty="0"/>
-                    </a:p>
-                  </a:txBody>
-                  <a:tcPr>
-                    <a:lnB w="6350" cap="flat" cmpd="sng" algn="ctr">
-                      <a:solidFill>
-                        <a:schemeClr val="tx1"/>
-                      </a:solidFill>
-                      <a:prstDash val="solid"/>
-                      <a:round/>
-                      <a:headEnd type="none" w="med" len="med"/>
-                      <a:tailEnd type="none" w="med" len="med"/>
-                    </a:lnB>
-                    <a:solidFill>
-                      <a:srgbClr val="FF9900"/>
-                    </a:solidFill>
-                  </a:tcPr>
-                </a:tc>
-                <a:tc>
-                  <a:txBody>
-                    <a:bodyPr/>
-                    <a:lstStyle/>
-                    <a:p>
-                      <a:r>
-                        <a:rPr lang="es-ES" dirty="0"/>
-                        <a:t>Comentario</a:t>
                       </a:r>
                       <a:endParaRPr lang="es-MX" dirty="0"/>
                     </a:p>
@@ -17073,75 +17319,6 @@
                         <a:rPr lang="es-ES" sz="1300" dirty="0"/>
                         <a:t>2227</a:t>
                       </a:r>
-                      <a:endParaRPr lang="es-MX" sz="1300" dirty="0"/>
-                    </a:p>
-                  </a:txBody>
-                  <a:tcPr>
-                    <a:lnL w="6350" cap="flat" cmpd="sng" algn="ctr">
-                      <a:solidFill>
-                        <a:schemeClr val="tx1"/>
-                      </a:solidFill>
-                      <a:prstDash val="solid"/>
-                      <a:round/>
-                      <a:headEnd type="none" w="med" len="med"/>
-                      <a:tailEnd type="none" w="med" len="med"/>
-                    </a:lnL>
-                    <a:lnR w="6350" cap="flat" cmpd="sng" algn="ctr">
-                      <a:solidFill>
-                        <a:schemeClr val="tx1"/>
-                      </a:solidFill>
-                      <a:prstDash val="solid"/>
-                      <a:round/>
-                      <a:headEnd type="none" w="med" len="med"/>
-                      <a:tailEnd type="none" w="med" len="med"/>
-                    </a:lnR>
-                    <a:lnT w="6350" cap="flat" cmpd="sng" algn="ctr">
-                      <a:solidFill>
-                        <a:schemeClr val="tx1"/>
-                      </a:solidFill>
-                      <a:prstDash val="solid"/>
-                      <a:round/>
-                      <a:headEnd type="none" w="med" len="med"/>
-                      <a:tailEnd type="none" w="med" len="med"/>
-                    </a:lnT>
-                    <a:lnB w="6350" cap="flat" cmpd="sng" algn="ctr">
-                      <a:solidFill>
-                        <a:schemeClr val="tx1"/>
-                      </a:solidFill>
-                      <a:prstDash val="solid"/>
-                      <a:round/>
-                      <a:headEnd type="none" w="med" len="med"/>
-                      <a:tailEnd type="none" w="med" len="med"/>
-                    </a:lnB>
-                    <a:solidFill>
-                      <a:srgbClr val="FFFFCC"/>
-                    </a:solidFill>
-                  </a:tcPr>
-                </a:tc>
-                <a:tc>
-                  <a:txBody>
-                    <a:bodyPr/>
-                    <a:lstStyle/>
-                    <a:p>
-                      <a:pPr marL="0" marR="0" lvl="0" indent="0" algn="l" defTabSz="914400" rtl="0" eaLnBrk="1" fontAlgn="auto" latinLnBrk="0" hangingPunct="1">
-                        <a:lnSpc>
-                          <a:spcPct val="100000"/>
-                        </a:lnSpc>
-                        <a:spcBef>
-                          <a:spcPts val="0"/>
-                        </a:spcBef>
-                        <a:spcAft>
-                          <a:spcPts val="0"/>
-                        </a:spcAft>
-                        <a:buClr>
-                          <a:srgbClr val="000000"/>
-                        </a:buClr>
-                        <a:buSzTx/>
-                        <a:buFont typeface="Arial"/>
-                        <a:buNone/>
-                        <a:tabLst/>
-                        <a:defRPr/>
-                      </a:pPr>
                       <a:endParaRPr lang="es-MX" sz="1300" dirty="0"/>
                     </a:p>
                   </a:txBody>
@@ -17492,58 +17669,6 @@
                         <a:rPr lang="es-ES" sz="1300" dirty="0"/>
                         <a:t>2226</a:t>
                       </a:r>
-                      <a:endParaRPr lang="es-MX" sz="1300" dirty="0"/>
-                    </a:p>
-                  </a:txBody>
-                  <a:tcPr>
-                    <a:lnL w="6350" cap="flat" cmpd="sng" algn="ctr">
-                      <a:solidFill>
-                        <a:schemeClr val="tx1"/>
-                      </a:solidFill>
-                      <a:prstDash val="solid"/>
-                      <a:round/>
-                      <a:headEnd type="none" w="med" len="med"/>
-                      <a:tailEnd type="none" w="med" len="med"/>
-                    </a:lnL>
-                    <a:lnR w="6350" cap="flat" cmpd="sng" algn="ctr">
-                      <a:solidFill>
-                        <a:schemeClr val="tx1"/>
-                      </a:solidFill>
-                      <a:prstDash val="solid"/>
-                      <a:round/>
-                      <a:headEnd type="none" w="med" len="med"/>
-                      <a:tailEnd type="none" w="med" len="med"/>
-                    </a:lnR>
-                    <a:lnT w="6350" cap="flat" cmpd="sng" algn="ctr">
-                      <a:solidFill>
-                        <a:schemeClr val="tx1"/>
-                      </a:solidFill>
-                      <a:prstDash val="solid"/>
-                      <a:round/>
-                      <a:headEnd type="none" w="med" len="med"/>
-                      <a:tailEnd type="none" w="med" len="med"/>
-                    </a:lnT>
-                    <a:lnB w="6350" cap="flat" cmpd="sng" algn="ctr">
-                      <a:solidFill>
-                        <a:schemeClr val="tx1"/>
-                      </a:solidFill>
-                      <a:prstDash val="solid"/>
-                      <a:round/>
-                      <a:headEnd type="none" w="med" len="med"/>
-                      <a:tailEnd type="none" w="med" len="med"/>
-                    </a:lnB>
-                    <a:solidFill>
-                      <a:schemeClr val="bg1">
-                        <a:lumMod val="85000"/>
-                      </a:schemeClr>
-                    </a:solidFill>
-                  </a:tcPr>
-                </a:tc>
-                <a:tc>
-                  <a:txBody>
-                    <a:bodyPr/>
-                    <a:lstStyle/>
-                    <a:p>
                       <a:endParaRPr lang="es-MX" sz="1300" dirty="0"/>
                     </a:p>
                   </a:txBody>
@@ -17956,58 +18081,6 @@
                     </a:solidFill>
                   </a:tcPr>
                 </a:tc>
-                <a:tc>
-                  <a:txBody>
-                    <a:bodyPr/>
-                    <a:lstStyle/>
-                    <a:p>
-                      <a:endParaRPr lang="es-MX" dirty="0"/>
-                    </a:p>
-                  </a:txBody>
-                  <a:tcPr>
-                    <a:lnL w="6350" cap="flat" cmpd="sng" algn="ctr">
-                      <a:solidFill>
-                        <a:schemeClr val="tx1"/>
-                      </a:solidFill>
-                      <a:prstDash val="solid"/>
-                      <a:round/>
-                      <a:headEnd type="none" w="med" len="med"/>
-                      <a:tailEnd type="none" w="med" len="med"/>
-                    </a:lnL>
-                    <a:lnR w="6350" cap="flat" cmpd="sng" algn="ctr">
-                      <a:solidFill>
-                        <a:schemeClr val="tx1"/>
-                      </a:solidFill>
-                      <a:prstDash val="solid"/>
-                      <a:round/>
-                      <a:headEnd type="none" w="med" len="med"/>
-                      <a:tailEnd type="none" w="med" len="med"/>
-                    </a:lnR>
-                    <a:lnT w="6350" cap="flat" cmpd="sng" algn="ctr">
-                      <a:solidFill>
-                        <a:schemeClr val="tx1"/>
-                      </a:solidFill>
-                      <a:prstDash val="solid"/>
-                      <a:round/>
-                      <a:headEnd type="none" w="med" len="med"/>
-                      <a:tailEnd type="none" w="med" len="med"/>
-                    </a:lnT>
-                    <a:lnB w="6350" cap="flat" cmpd="sng" algn="ctr">
-                      <a:solidFill>
-                        <a:schemeClr val="tx1"/>
-                      </a:solidFill>
-                      <a:prstDash val="solid"/>
-                      <a:round/>
-                      <a:headEnd type="none" w="med" len="med"/>
-                      <a:tailEnd type="none" w="med" len="med"/>
-                    </a:lnB>
-                    <a:solidFill>
-                      <a:schemeClr val="bg1">
-                        <a:lumMod val="85000"/>
-                      </a:schemeClr>
-                    </a:solidFill>
-                  </a:tcPr>
-                </a:tc>
                 <a:extLst>
                   <a:ext uri="{0D108BD9-81ED-4DB2-BD59-A6C34878D82A}">
                     <a16:rowId xmlns:a16="http://schemas.microsoft.com/office/drawing/2014/main" val="649816840"/>
@@ -18304,75 +18377,6 @@
                         <a:t>2226</a:t>
                       </a:r>
                       <a:endParaRPr lang="es-MX" sz="1300" dirty="0"/>
-                    </a:p>
-                  </a:txBody>
-                  <a:tcPr>
-                    <a:lnL w="6350" cap="flat" cmpd="sng" algn="ctr">
-                      <a:solidFill>
-                        <a:schemeClr val="tx1"/>
-                      </a:solidFill>
-                      <a:prstDash val="solid"/>
-                      <a:round/>
-                      <a:headEnd type="none" w="med" len="med"/>
-                      <a:tailEnd type="none" w="med" len="med"/>
-                    </a:lnL>
-                    <a:lnR w="6350" cap="flat" cmpd="sng" algn="ctr">
-                      <a:solidFill>
-                        <a:schemeClr val="tx1"/>
-                      </a:solidFill>
-                      <a:prstDash val="solid"/>
-                      <a:round/>
-                      <a:headEnd type="none" w="med" len="med"/>
-                      <a:tailEnd type="none" w="med" len="med"/>
-                    </a:lnR>
-                    <a:lnT w="6350" cap="flat" cmpd="sng" algn="ctr">
-                      <a:solidFill>
-                        <a:schemeClr val="tx1"/>
-                      </a:solidFill>
-                      <a:prstDash val="solid"/>
-                      <a:round/>
-                      <a:headEnd type="none" w="med" len="med"/>
-                      <a:tailEnd type="none" w="med" len="med"/>
-                    </a:lnT>
-                    <a:lnB w="6350" cap="flat" cmpd="sng" algn="ctr">
-                      <a:solidFill>
-                        <a:schemeClr val="tx1"/>
-                      </a:solidFill>
-                      <a:prstDash val="solid"/>
-                      <a:round/>
-                      <a:headEnd type="none" w="med" len="med"/>
-                      <a:tailEnd type="none" w="med" len="med"/>
-                    </a:lnB>
-                    <a:solidFill>
-                      <a:srgbClr val="D9D9D9"/>
-                    </a:solidFill>
-                  </a:tcPr>
-                </a:tc>
-                <a:tc>
-                  <a:txBody>
-                    <a:bodyPr/>
-                    <a:lstStyle/>
-                    <a:p>
-                      <a:pPr marL="0" marR="0" lvl="0" indent="0" algn="l" defTabSz="914400" rtl="0" eaLnBrk="1" fontAlgn="auto" latinLnBrk="0" hangingPunct="1">
-                        <a:lnSpc>
-                          <a:spcPct val="100000"/>
-                        </a:lnSpc>
-                        <a:spcBef>
-                          <a:spcPts val="0"/>
-                        </a:spcBef>
-                        <a:spcAft>
-                          <a:spcPts val="0"/>
-                        </a:spcAft>
-                        <a:buClr>
-                          <a:srgbClr val="000000"/>
-                        </a:buClr>
-                        <a:buSzTx/>
-                        <a:buFont typeface="Arial"/>
-                        <a:buNone/>
-                        <a:tabLst/>
-                        <a:defRPr/>
-                      </a:pPr>
-                      <a:endParaRPr lang="es-MX" sz="1400" dirty="0"/>
                     </a:p>
                   </a:txBody>
                   <a:tcPr>
@@ -18736,77 +18740,6 @@
                         <a:t>2179</a:t>
                       </a:r>
                       <a:endParaRPr lang="es-MX" sz="1300" dirty="0"/>
-                    </a:p>
-                  </a:txBody>
-                  <a:tcPr>
-                    <a:lnL w="6350" cap="flat" cmpd="sng" algn="ctr">
-                      <a:solidFill>
-                        <a:schemeClr val="tx1"/>
-                      </a:solidFill>
-                      <a:prstDash val="solid"/>
-                      <a:round/>
-                      <a:headEnd type="none" w="med" len="med"/>
-                      <a:tailEnd type="none" w="med" len="med"/>
-                    </a:lnL>
-                    <a:lnR w="6350" cap="flat" cmpd="sng" algn="ctr">
-                      <a:solidFill>
-                        <a:schemeClr val="tx1"/>
-                      </a:solidFill>
-                      <a:prstDash val="solid"/>
-                      <a:round/>
-                      <a:headEnd type="none" w="med" len="med"/>
-                      <a:tailEnd type="none" w="med" len="med"/>
-                    </a:lnR>
-                    <a:lnT w="6350" cap="flat" cmpd="sng" algn="ctr">
-                      <a:solidFill>
-                        <a:schemeClr val="tx1"/>
-                      </a:solidFill>
-                      <a:prstDash val="solid"/>
-                      <a:round/>
-                      <a:headEnd type="none" w="med" len="med"/>
-                      <a:tailEnd type="none" w="med" len="med"/>
-                    </a:lnT>
-                    <a:lnB w="6350" cap="flat" cmpd="sng" algn="ctr">
-                      <a:solidFill>
-                        <a:schemeClr val="tx1"/>
-                      </a:solidFill>
-                      <a:prstDash val="solid"/>
-                      <a:round/>
-                      <a:headEnd type="none" w="med" len="med"/>
-                      <a:tailEnd type="none" w="med" len="med"/>
-                    </a:lnB>
-                    <a:solidFill>
-                      <a:schemeClr val="bg1">
-                        <a:lumMod val="85000"/>
-                      </a:schemeClr>
-                    </a:solidFill>
-                  </a:tcPr>
-                </a:tc>
-                <a:tc>
-                  <a:txBody>
-                    <a:bodyPr/>
-                    <a:lstStyle/>
-                    <a:p>
-                      <a:pPr marL="0" marR="0" lvl="0" indent="0" algn="l" defTabSz="914400" rtl="0" eaLnBrk="1" fontAlgn="auto" latinLnBrk="0" hangingPunct="1">
-                        <a:lnSpc>
-                          <a:spcPct val="100000"/>
-                        </a:lnSpc>
-                        <a:spcBef>
-                          <a:spcPts val="0"/>
-                        </a:spcBef>
-                        <a:spcAft>
-                          <a:spcPts val="0"/>
-                        </a:spcAft>
-                        <a:buClr>
-                          <a:srgbClr val="000000"/>
-                        </a:buClr>
-                        <a:buSzTx/>
-                        <a:buFont typeface="Arial"/>
-                        <a:buNone/>
-                        <a:tabLst/>
-                        <a:defRPr/>
-                      </a:pPr>
-                      <a:endParaRPr lang="es-MX" sz="1400" dirty="0"/>
                     </a:p>
                   </a:txBody>
                   <a:tcPr>
@@ -21987,7 +21920,7 @@
         <p:spPr>
           <a:xfrm>
             <a:off x="1286932" y="1269441"/>
-            <a:ext cx="10261601" cy="4278094"/>
+            <a:ext cx="10261601" cy="4524315"/>
           </a:xfrm>
           <a:prstGeom prst="rect">
             <a:avLst/>
@@ -22022,7 +21955,61 @@
               <a:rPr lang="es-MX" sz="1600" b="1" dirty="0">
                 <a:latin typeface="Calibri" panose="020F0502020204030204" pitchFamily="34" charset="0"/>
               </a:rPr>
-              <a:t>cambios de tendencia repentinos muy marcados.</a:t>
+              <a:t>cambios de tendencia repentinos muy marcados. </a:t>
+            </a:r>
+            <a:r>
+              <a:rPr lang="es-MX" sz="1600" dirty="0">
+                <a:latin typeface="Calibri" panose="020F0502020204030204" pitchFamily="34" charset="0"/>
+              </a:rPr>
+              <a:t>Ambos tipos de modelos tienen en general un </a:t>
+            </a:r>
+            <a:r>
+              <a:rPr lang="es-MX" sz="1600" b="1" dirty="0">
+                <a:latin typeface="Calibri" panose="020F0502020204030204" pitchFamily="34" charset="0"/>
+              </a:rPr>
+              <a:t>mejor </a:t>
+            </a:r>
+            <a:r>
+              <a:rPr lang="es-MX" sz="1600" b="1" dirty="0" err="1">
+                <a:latin typeface="Calibri" panose="020F0502020204030204" pitchFamily="34" charset="0"/>
+              </a:rPr>
+              <a:t>perfomance</a:t>
+            </a:r>
+            <a:r>
+              <a:rPr lang="es-MX" sz="1600" b="1" dirty="0">
+                <a:latin typeface="Calibri" panose="020F0502020204030204" pitchFamily="34" charset="0"/>
+              </a:rPr>
+              <a:t> </a:t>
+            </a:r>
+            <a:r>
+              <a:rPr lang="es-MX" sz="1600" dirty="0">
+                <a:latin typeface="Calibri" panose="020F0502020204030204" pitchFamily="34" charset="0"/>
+              </a:rPr>
+              <a:t>en término de error </a:t>
+            </a:r>
+            <a:r>
+              <a:rPr lang="es-MX" sz="1600" b="1" dirty="0">
+                <a:latin typeface="Calibri" panose="020F0502020204030204" pitchFamily="34" charset="0"/>
+              </a:rPr>
+              <a:t>si se </a:t>
+            </a:r>
+            <a:r>
+              <a:rPr lang="es-MX" sz="1600" b="1" dirty="0" err="1">
+                <a:latin typeface="Calibri" panose="020F0502020204030204" pitchFamily="34" charset="0"/>
+              </a:rPr>
+              <a:t>pre-tratan</a:t>
+            </a:r>
+            <a:r>
+              <a:rPr lang="es-MX" sz="1600" b="1" dirty="0">
+                <a:latin typeface="Calibri" panose="020F0502020204030204" pitchFamily="34" charset="0"/>
+              </a:rPr>
+              <a:t> los datos </a:t>
+            </a:r>
+            <a:r>
+              <a:rPr lang="es-MX" sz="1600" dirty="0">
+                <a:latin typeface="Calibri" panose="020F0502020204030204" pitchFamily="34" charset="0"/>
+              </a:rPr>
+              <a:t>de la serie de entrenamiento </a:t>
             </a:r>
           </a:p>
           <a:p>
@@ -22045,7 +22032,19 @@
               <a:rPr lang="es-MX" sz="1600" dirty="0">
                 <a:latin typeface="Calibri" panose="020F0502020204030204" pitchFamily="34" charset="0"/>
               </a:rPr>
-              <a:t>Los modelos de series de tiempo son </a:t>
+              <a:t>Los modelos de </a:t>
+            </a:r>
+            <a:r>
+              <a:rPr lang="es-MX" sz="1600" b="1" dirty="0">
+                <a:latin typeface="Calibri" panose="020F0502020204030204" pitchFamily="34" charset="0"/>
+              </a:rPr>
+              <a:t>series de tiempo </a:t>
+            </a:r>
+            <a:r>
+              <a:rPr lang="es-MX" sz="1600" dirty="0">
+                <a:latin typeface="Calibri" panose="020F0502020204030204" pitchFamily="34" charset="0"/>
+              </a:rPr>
+              <a:t>son </a:t>
             </a:r>
             <a:r>
               <a:rPr lang="es-MX" sz="1600" b="1" dirty="0">
@@ -22090,7 +22089,19 @@
               <a:rPr lang="es-MX" sz="1600" dirty="0">
                 <a:latin typeface="Calibri" panose="020F0502020204030204" pitchFamily="34" charset="0"/>
               </a:rPr>
-              <a:t>Los modelos de LSTM </a:t>
+              <a:t>Los modelos de </a:t>
+            </a:r>
+            <a:r>
+              <a:rPr lang="es-MX" sz="1600" b="1" dirty="0">
+                <a:latin typeface="Calibri" panose="020F0502020204030204" pitchFamily="34" charset="0"/>
+              </a:rPr>
+              <a:t>LSTM</a:t>
+            </a:r>
+            <a:r>
+              <a:rPr lang="es-MX" sz="1600" dirty="0">
+                <a:latin typeface="Calibri" panose="020F0502020204030204" pitchFamily="34" charset="0"/>
+              </a:rPr>
+              <a:t> </a:t>
             </a:r>
             <a:r>
               <a:rPr lang="es-MX" sz="1600" b="1" dirty="0">
@@ -22372,8 +22383,356 @@
 </p:sld>
 </file>
 
+<file path=ppt/slides/slide18.xml><?xml version="1.0" encoding="utf-8"?>
+<p:sld xmlns:a="http://schemas.openxmlformats.org/drawingml/2006/main" xmlns:r="http://schemas.openxmlformats.org/officeDocument/2006/relationships" xmlns:p="http://schemas.openxmlformats.org/presentationml/2006/main">
+  <p:cSld>
+    <p:spTree>
+      <p:nvGrpSpPr>
+        <p:cNvPr id="1" name="Shape 110"/>
+        <p:cNvGrpSpPr/>
+        <p:nvPr/>
+      </p:nvGrpSpPr>
+      <p:grpSpPr>
+        <a:xfrm>
+          <a:off x="0" y="0"/>
+          <a:ext cx="0" cy="0"/>
+          <a:chOff x="0" y="0"/>
+          <a:chExt cx="0" cy="0"/>
+        </a:xfrm>
+      </p:grpSpPr>
+      <p:sp>
+        <p:nvSpPr>
+          <p:cNvPr id="111" name="Google Shape;111;p4"/>
+          <p:cNvSpPr txBox="1"/>
+          <p:nvPr/>
+        </p:nvSpPr>
+        <p:spPr>
+          <a:xfrm>
+            <a:off x="510558" y="196996"/>
+            <a:ext cx="11658658" cy="1007542"/>
+          </a:xfrm>
+          <a:prstGeom prst="rect">
+            <a:avLst/>
+          </a:prstGeom>
+          <a:noFill/>
+          <a:ln>
+            <a:noFill/>
+          </a:ln>
+        </p:spPr>
+        <p:txBody>
+          <a:bodyPr spcFirstLastPara="1" wrap="square" lIns="91425" tIns="45700" rIns="91425" bIns="45700" anchor="t" anchorCtr="0">
+            <a:noAutofit/>
+          </a:bodyPr>
+          <a:lstStyle/>
+          <a:p>
+            <a:pPr lvl="1">
+              <a:lnSpc>
+                <a:spcPct val="85000"/>
+              </a:lnSpc>
+              <a:buClr>
+                <a:schemeClr val="accent1"/>
+              </a:buClr>
+              <a:buSzPts val="3200"/>
+            </a:pPr>
+            <a:r>
+              <a:rPr lang="es-ES" sz="3200" b="1" dirty="0">
+                <a:solidFill>
+                  <a:schemeClr val="accent1"/>
+                </a:solidFill>
+                <a:latin typeface="Calibri"/>
+                <a:ea typeface="Calibri"/>
+                <a:cs typeface="Calibri"/>
+                <a:sym typeface="Calibri"/>
+              </a:rPr>
+              <a:t>Siguientes pasos </a:t>
+            </a:r>
+            <a:endParaRPr sz="3200" b="1" dirty="0">
+              <a:solidFill>
+                <a:schemeClr val="accent1"/>
+              </a:solidFill>
+              <a:latin typeface="Calibri"/>
+              <a:ea typeface="Calibri"/>
+              <a:cs typeface="Calibri"/>
+              <a:sym typeface="Calibri"/>
+            </a:endParaRPr>
+          </a:p>
+        </p:txBody>
+      </p:sp>
+      <p:sp>
+        <p:nvSpPr>
+          <p:cNvPr id="4" name="CuadroTexto 3">
+            <a:extLst>
+              <a:ext uri="{FF2B5EF4-FFF2-40B4-BE49-F238E27FC236}">
+                <a16:creationId xmlns:a16="http://schemas.microsoft.com/office/drawing/2014/main" id="{ECAB82E2-D770-9359-87FF-FC648CC6339F}"/>
+              </a:ext>
+            </a:extLst>
+          </p:cNvPr>
+          <p:cNvSpPr txBox="1"/>
+          <p:nvPr/>
+        </p:nvSpPr>
+        <p:spPr>
+          <a:xfrm>
+            <a:off x="1286932" y="1269441"/>
+            <a:ext cx="10261601" cy="4216539"/>
+          </a:xfrm>
+          <a:prstGeom prst="rect">
+            <a:avLst/>
+          </a:prstGeom>
+          <a:noFill/>
+        </p:spPr>
+        <p:txBody>
+          <a:bodyPr wrap="square">
+            <a:spAutoFit/>
+          </a:bodyPr>
+          <a:lstStyle/>
+          <a:p>
+            <a:pPr marL="285750" indent="-285750">
+              <a:buFont typeface="Wingdings" panose="05000000000000000000" pitchFamily="2" charset="2"/>
+              <a:buChar char="ü"/>
+            </a:pPr>
+            <a:r>
+              <a:rPr lang="es-MX" sz="2000" dirty="0">
+                <a:latin typeface="Calibri" panose="020F0502020204030204" pitchFamily="34" charset="0"/>
+              </a:rPr>
+              <a:t>Probar más combinaciones de número de neuronas y pretratamiento de datos (</a:t>
+            </a:r>
+            <a:r>
+              <a:rPr lang="es-MX" sz="2000" dirty="0" err="1">
+                <a:latin typeface="Calibri" panose="020F0502020204030204" pitchFamily="34" charset="0"/>
+              </a:rPr>
+              <a:t>e.g</a:t>
+            </a:r>
+            <a:r>
+              <a:rPr lang="es-MX" sz="2000" dirty="0">
+                <a:latin typeface="Calibri" panose="020F0502020204030204" pitchFamily="34" charset="0"/>
+              </a:rPr>
+              <a:t>. estandarizar y no normalizar) evaluando la posible mejora en el error de pronóstico</a:t>
+            </a:r>
+          </a:p>
+          <a:p>
+            <a:pPr marL="285750" indent="-285750">
+              <a:buFont typeface="Wingdings" panose="05000000000000000000" pitchFamily="2" charset="2"/>
+              <a:buChar char="ü"/>
+            </a:pPr>
+            <a:endParaRPr lang="es-MX" sz="2000" dirty="0">
+              <a:latin typeface="Calibri" panose="020F0502020204030204" pitchFamily="34" charset="0"/>
+            </a:endParaRPr>
+          </a:p>
+          <a:p>
+            <a:pPr marL="285750" indent="-285750">
+              <a:buFont typeface="Wingdings" panose="05000000000000000000" pitchFamily="2" charset="2"/>
+              <a:buChar char="ü"/>
+            </a:pPr>
+            <a:endParaRPr lang="es-MX" sz="2000" dirty="0">
+              <a:latin typeface="Calibri" panose="020F0502020204030204" pitchFamily="34" charset="0"/>
+            </a:endParaRPr>
+          </a:p>
+          <a:p>
+            <a:pPr marL="285750" indent="-285750">
+              <a:buFont typeface="Wingdings" panose="05000000000000000000" pitchFamily="2" charset="2"/>
+              <a:buChar char="ü"/>
+            </a:pPr>
+            <a:r>
+              <a:rPr lang="es-MX" sz="2000" dirty="0">
+                <a:latin typeface="Calibri" panose="020F0502020204030204" pitchFamily="34" charset="0"/>
+              </a:rPr>
+              <a:t>Probar otras arquitecturas de redes(</a:t>
+            </a:r>
+            <a:r>
+              <a:rPr lang="es-MX" sz="2000" dirty="0" err="1">
+                <a:latin typeface="Calibri" panose="020F0502020204030204" pitchFamily="34" charset="0"/>
+              </a:rPr>
+              <a:t>e.g</a:t>
+            </a:r>
+            <a:r>
+              <a:rPr lang="es-MX" sz="2000" dirty="0">
+                <a:latin typeface="Calibri" panose="020F0502020204030204" pitchFamily="34" charset="0"/>
+              </a:rPr>
+              <a:t>. GRU o FFNN) evaluando la posible mejora en el error de pronóstico</a:t>
+            </a:r>
+          </a:p>
+          <a:p>
+            <a:endParaRPr lang="es-MX" sz="2000" dirty="0">
+              <a:latin typeface="Calibri" panose="020F0502020204030204" pitchFamily="34" charset="0"/>
+            </a:endParaRPr>
+          </a:p>
+          <a:p>
+            <a:pPr marL="285750" indent="-285750">
+              <a:buFont typeface="Wingdings" panose="05000000000000000000" pitchFamily="2" charset="2"/>
+              <a:buChar char="ü"/>
+            </a:pPr>
+            <a:endParaRPr lang="es-MX" sz="2000" dirty="0">
+              <a:latin typeface="Calibri" panose="020F0502020204030204" pitchFamily="34" charset="0"/>
+            </a:endParaRPr>
+          </a:p>
+          <a:p>
+            <a:pPr marL="285750" indent="-285750">
+              <a:buFont typeface="Wingdings" panose="05000000000000000000" pitchFamily="2" charset="2"/>
+              <a:buChar char="ü"/>
+            </a:pPr>
+            <a:r>
+              <a:rPr lang="es-MX" sz="2000" dirty="0">
+                <a:latin typeface="Calibri" panose="020F0502020204030204" pitchFamily="34" charset="0"/>
+              </a:rPr>
+              <a:t>Generar una herramienta (</a:t>
+            </a:r>
+            <a:r>
+              <a:rPr lang="es-MX" sz="2000" dirty="0" err="1">
+                <a:latin typeface="Calibri" panose="020F0502020204030204" pitchFamily="34" charset="0"/>
+              </a:rPr>
+              <a:t>e.g</a:t>
+            </a:r>
+            <a:r>
+              <a:rPr lang="es-MX" sz="2000" dirty="0">
+                <a:latin typeface="Calibri" panose="020F0502020204030204" pitchFamily="34" charset="0"/>
+              </a:rPr>
+              <a:t>. Streamlit) que permita al usuario cargar un </a:t>
+            </a:r>
+            <a:r>
+              <a:rPr lang="es-MX" sz="2000" dirty="0" err="1">
+                <a:latin typeface="Calibri" panose="020F0502020204030204" pitchFamily="34" charset="0"/>
+              </a:rPr>
+              <a:t>csv</a:t>
+            </a:r>
+            <a:r>
+              <a:rPr lang="es-MX" sz="2000" dirty="0">
+                <a:latin typeface="Calibri" panose="020F0502020204030204" pitchFamily="34" charset="0"/>
+              </a:rPr>
+              <a:t> con n datos históricos y poder hacer </a:t>
+            </a:r>
+            <a:r>
+              <a:rPr lang="es-MX" sz="2000" dirty="0" err="1">
+                <a:latin typeface="Calibri" panose="020F0502020204030204" pitchFamily="34" charset="0"/>
+              </a:rPr>
+              <a:t>forecast</a:t>
+            </a:r>
+            <a:r>
+              <a:rPr lang="es-MX" sz="2000" dirty="0">
+                <a:latin typeface="Calibri" panose="020F0502020204030204" pitchFamily="34" charset="0"/>
+              </a:rPr>
+              <a:t> de los siguiente X meses a manera de apoyo continuo y dinámico en la toma de decisiones </a:t>
+            </a:r>
+          </a:p>
+          <a:p>
+            <a:endParaRPr lang="es-MX" sz="1600" dirty="0">
+              <a:latin typeface="Calibri" panose="020F0502020204030204" pitchFamily="34" charset="0"/>
+            </a:endParaRPr>
+          </a:p>
+          <a:p>
+            <a:endParaRPr lang="es-MX" sz="1600" dirty="0">
+              <a:latin typeface="Calibri" panose="020F0502020204030204" pitchFamily="34" charset="0"/>
+            </a:endParaRPr>
+          </a:p>
+          <a:p>
+            <a:endParaRPr lang="es-MX" sz="1600" dirty="0">
+              <a:latin typeface="Calibri" panose="020F0502020204030204" pitchFamily="34" charset="0"/>
+            </a:endParaRPr>
+          </a:p>
+        </p:txBody>
+      </p:sp>
+    </p:spTree>
+    <p:extLst>
+      <p:ext uri="{BB962C8B-B14F-4D97-AF65-F5344CB8AC3E}">
+        <p14:creationId xmlns:p14="http://schemas.microsoft.com/office/powerpoint/2010/main" val="4259764361"/>
+      </p:ext>
+    </p:extLst>
+  </p:cSld>
+  <p:clrMapOvr>
+    <a:masterClrMapping/>
+  </p:clrMapOvr>
+</p:sld>
+</file>
+
+<file path=ppt/slides/slide19.xml><?xml version="1.0" encoding="utf-8"?>
+<p:sld xmlns:a="http://schemas.openxmlformats.org/drawingml/2006/main" xmlns:r="http://schemas.openxmlformats.org/officeDocument/2006/relationships" xmlns:p="http://schemas.openxmlformats.org/presentationml/2006/main">
+  <p:cSld>
+    <p:spTree>
+      <p:nvGrpSpPr>
+        <p:cNvPr id="1" name="Shape 110"/>
+        <p:cNvGrpSpPr/>
+        <p:nvPr/>
+      </p:nvGrpSpPr>
+      <p:grpSpPr>
+        <a:xfrm>
+          <a:off x="0" y="0"/>
+          <a:ext cx="0" cy="0"/>
+          <a:chOff x="0" y="0"/>
+          <a:chExt cx="0" cy="0"/>
+        </a:xfrm>
+      </p:grpSpPr>
+      <p:sp>
+        <p:nvSpPr>
+          <p:cNvPr id="111" name="Google Shape;111;p4"/>
+          <p:cNvSpPr txBox="1"/>
+          <p:nvPr/>
+        </p:nvSpPr>
+        <p:spPr>
+          <a:xfrm>
+            <a:off x="3657600" y="2899829"/>
+            <a:ext cx="5675971" cy="503771"/>
+          </a:xfrm>
+          <a:prstGeom prst="rect">
+            <a:avLst/>
+          </a:prstGeom>
+          <a:noFill/>
+          <a:ln>
+            <a:noFill/>
+          </a:ln>
+        </p:spPr>
+        <p:txBody>
+          <a:bodyPr spcFirstLastPara="1" wrap="square" lIns="91425" tIns="45700" rIns="91425" bIns="45700" anchor="t" anchorCtr="0">
+            <a:noAutofit/>
+          </a:bodyPr>
+          <a:lstStyle/>
+          <a:p>
+            <a:pPr lvl="1">
+              <a:lnSpc>
+                <a:spcPct val="85000"/>
+              </a:lnSpc>
+              <a:buClr>
+                <a:schemeClr val="accent1"/>
+              </a:buClr>
+              <a:buSzPts val="3200"/>
+            </a:pPr>
+            <a:r>
+              <a:rPr lang="es-ES" sz="3200" b="1" dirty="0">
+                <a:solidFill>
+                  <a:schemeClr val="accent1"/>
+                </a:solidFill>
+                <a:latin typeface="Calibri"/>
+                <a:ea typeface="Calibri"/>
+                <a:cs typeface="Calibri"/>
+                <a:sym typeface="Calibri"/>
+              </a:rPr>
+              <a:t>GRACIAS POR SU ATENCIÓN!!!</a:t>
+            </a:r>
+            <a:endParaRPr sz="3200" b="1" dirty="0">
+              <a:solidFill>
+                <a:schemeClr val="accent1"/>
+              </a:solidFill>
+              <a:latin typeface="Calibri"/>
+              <a:ea typeface="Calibri"/>
+              <a:cs typeface="Calibri"/>
+              <a:sym typeface="Calibri"/>
+            </a:endParaRPr>
+          </a:p>
+        </p:txBody>
+      </p:sp>
+    </p:spTree>
+    <p:extLst>
+      <p:ext uri="{BB962C8B-B14F-4D97-AF65-F5344CB8AC3E}">
+        <p14:creationId xmlns:p14="http://schemas.microsoft.com/office/powerpoint/2010/main" val="225128318"/>
+      </p:ext>
+    </p:extLst>
+  </p:cSld>
+  <p:clrMapOvr>
+    <a:masterClrMapping/>
+  </p:clrMapOvr>
+</p:sld>
+</file>
+
 <file path=ppt/slides/slide2.xml><?xml version="1.0" encoding="utf-8"?>
-<p:sld xmlns:a="http://schemas.openxmlformats.org/drawingml/2006/main" xmlns:r="http://schemas.openxmlformats.org/officeDocument/2006/relationships" xmlns:p="http://schemas.openxmlformats.org/presentationml/2006/main">
+<p:sld xmlns:a="http://schemas.openxmlformats.org/drawingml/2006/main" xmlns:r="http://schemas.openxmlformats.org/officeDocument/2006/relationships" xmlns:p="http://schemas.openxmlformats.org/presentationml/2006/main" show="0">
   <p:cSld>
     <p:spTree>
       <p:nvGrpSpPr>
@@ -23063,23 +23422,8 @@
                 <a:cs typeface="Calibri"/>
                 <a:sym typeface="Calibri"/>
               </a:rPr>
-              <a:t>Título propuesto</a:t>
+              <a:t>Título del proyecto </a:t>
             </a:r>
-            <a:endParaRPr dirty="0"/>
-          </a:p>
-          <a:p>
-            <a:pPr marL="0" marR="0" lvl="0" indent="0" algn="l" rtl="0">
-              <a:lnSpc>
-                <a:spcPct val="90000"/>
-              </a:lnSpc>
-              <a:spcBef>
-                <a:spcPts val="600"/>
-              </a:spcBef>
-              <a:spcAft>
-                <a:spcPts val="0"/>
-              </a:spcAft>
-              <a:buNone/>
-            </a:pPr>
             <a:endParaRPr sz="2800" b="1" dirty="0">
               <a:solidFill>
                 <a:srgbClr val="3F3F3F"/>
@@ -23113,7 +23457,7 @@
                 <a:cs typeface="Calibri Light" panose="020F0302020204030204" pitchFamily="34" charset="0"/>
                 <a:sym typeface="Calibri"/>
               </a:rPr>
-              <a:t>Aplicación de modelos de Aprendizaje supervisado (series de tiempo) y Redes Neuronales para pronóstico de demanda de gas natural en México</a:t>
+              <a:t>Aplicación de modelos de Aprendizaje supervisado (series de tiempo) y Redes Neuronales (LSTM) para pronóstico de demanda de gas natural en México</a:t>
             </a:r>
             <a:endParaRPr sz="3200" dirty="0">
               <a:solidFill>
@@ -30824,7 +31168,7 @@
                 <a:cs typeface="Calibri"/>
                 <a:sym typeface="Calibri"/>
               </a:rPr>
-              <a:t>Métodos y Modelos: Pronóstico con modelos de Redes Neuronales NN (FFNN, LSTM)</a:t>
+              <a:t>Métodos y Modelos: Pronóstico con modelos de Redes Neuronales NN (LSTM)</a:t>
             </a:r>
             <a:endParaRPr sz="3200" b="1" dirty="0">
               <a:solidFill>
@@ -30921,7 +31265,7 @@
         <p:spPr>
           <a:xfrm>
             <a:off x="4372325" y="1460023"/>
-            <a:ext cx="4618304" cy="575542"/>
+            <a:ext cx="4618304" cy="332399"/>
           </a:xfrm>
           <a:prstGeom prst="rect">
             <a:avLst/>
@@ -30954,67 +31298,6 @@
               </a:rPr>
               <a:t>Verificación colinealidad y correlación de las variables independientes </a:t>
             </a:r>
-            <a:r>
-              <a:rPr lang="es-MX" sz="1200" dirty="0">
-                <a:solidFill>
-                  <a:schemeClr val="tx1"/>
-                </a:solidFill>
-                <a:latin typeface="Calibri Light" panose="020F0302020204030204" pitchFamily="34" charset="0"/>
-                <a:ea typeface="Calibri"/>
-                <a:cs typeface="Calibri Light" panose="020F0302020204030204" pitchFamily="34" charset="0"/>
-                <a:sym typeface="Calibri"/>
-              </a:rPr>
-              <a:t>(PIB</a:t>
-            </a:r>
-            <a:r>
-              <a:rPr lang="es-MX" sz="1200" dirty="0">
-                <a:solidFill>
-                  <a:schemeClr val="tx1"/>
-                </a:solidFill>
-                <a:latin typeface="Calibri Light" panose="020F0302020204030204" pitchFamily="34" charset="0"/>
-                <a:cs typeface="Calibri Light" panose="020F0302020204030204" pitchFamily="34" charset="0"/>
-              </a:rPr>
-              <a:t>, población, y cambio peso-dólar, </a:t>
-            </a:r>
-            <a:r>
-              <a:rPr lang="es-MX" sz="1200" dirty="0" err="1">
-                <a:solidFill>
-                  <a:schemeClr val="tx1"/>
-                </a:solidFill>
-                <a:latin typeface="Calibri Light" panose="020F0302020204030204" pitchFamily="34" charset="0"/>
-                <a:cs typeface="Calibri Light" panose="020F0302020204030204" pitchFamily="34" charset="0"/>
-              </a:rPr>
-              <a:t>etc</a:t>
-            </a:r>
-            <a:r>
-              <a:rPr lang="es-MX" sz="1200" dirty="0">
-                <a:solidFill>
-                  <a:schemeClr val="tx1"/>
-                </a:solidFill>
-                <a:latin typeface="Calibri Light" panose="020F0302020204030204" pitchFamily="34" charset="0"/>
-                <a:cs typeface="Calibri Light" panose="020F0302020204030204" pitchFamily="34" charset="0"/>
-              </a:rPr>
-              <a:t>) </a:t>
-            </a:r>
-            <a:endParaRPr lang="es-MX" sz="1200" b="1" dirty="0">
-              <a:solidFill>
-                <a:schemeClr val="tx1"/>
-              </a:solidFill>
-              <a:latin typeface="Calibri Light" panose="020F0302020204030204" pitchFamily="34" charset="0"/>
-              <a:ea typeface="Calibri"/>
-              <a:cs typeface="Calibri Light" panose="020F0302020204030204" pitchFamily="34" charset="0"/>
-              <a:sym typeface="Calibri"/>
-            </a:endParaRPr>
-          </a:p>
-          <a:p>
-            <a:pPr>
-              <a:lnSpc>
-                <a:spcPct val="90000"/>
-              </a:lnSpc>
-              <a:spcBef>
-                <a:spcPts val="600"/>
-              </a:spcBef>
-            </a:pPr>
             <a:r>
               <a:rPr lang="es-MX" sz="1200" dirty="0">
                 <a:solidFill>
